--- a/2024/physB/Figs/Fig1.pptx
+++ b/2024/physB/Figs/Fig1.pptx
@@ -104,6 +104,11 @@
       </a:defRPr>
     </a:lvl9pPr>
   </p:defaultTextStyle>
+  <p:extLst>
+    <p:ext uri="{EFAFB233-063F-42B5-8137-9DF3F51BA10A}">
+      <p15:sldGuideLst xmlns:p15="http://schemas.microsoft.com/office/powerpoint/2012/main"/>
+    </p:ext>
+  </p:extLst>
 </p:presentation>
 </file>
 
@@ -254,7 +259,7 @@
           <a:p>
             <a:fld id="{31551111-E4E6-4B74-8927-A70267148854}" type="datetimeFigureOut">
               <a:rPr lang="uk-UA" smtClean="0"/>
-              <a:t>01.05.2024</a:t>
+              <a:t>16.07.2024</a:t>
             </a:fld>
             <a:endParaRPr lang="uk-UA"/>
           </a:p>
@@ -452,7 +457,7 @@
           <a:p>
             <a:fld id="{31551111-E4E6-4B74-8927-A70267148854}" type="datetimeFigureOut">
               <a:rPr lang="uk-UA" smtClean="0"/>
-              <a:t>01.05.2024</a:t>
+              <a:t>16.07.2024</a:t>
             </a:fld>
             <a:endParaRPr lang="uk-UA"/>
           </a:p>
@@ -660,7 +665,7 @@
           <a:p>
             <a:fld id="{31551111-E4E6-4B74-8927-A70267148854}" type="datetimeFigureOut">
               <a:rPr lang="uk-UA" smtClean="0"/>
-              <a:t>01.05.2024</a:t>
+              <a:t>16.07.2024</a:t>
             </a:fld>
             <a:endParaRPr lang="uk-UA"/>
           </a:p>
@@ -858,7 +863,7 @@
           <a:p>
             <a:fld id="{31551111-E4E6-4B74-8927-A70267148854}" type="datetimeFigureOut">
               <a:rPr lang="uk-UA" smtClean="0"/>
-              <a:t>01.05.2024</a:t>
+              <a:t>16.07.2024</a:t>
             </a:fld>
             <a:endParaRPr lang="uk-UA"/>
           </a:p>
@@ -1133,7 +1138,7 @@
           <a:p>
             <a:fld id="{31551111-E4E6-4B74-8927-A70267148854}" type="datetimeFigureOut">
               <a:rPr lang="uk-UA" smtClean="0"/>
-              <a:t>01.05.2024</a:t>
+              <a:t>16.07.2024</a:t>
             </a:fld>
             <a:endParaRPr lang="uk-UA"/>
           </a:p>
@@ -1398,7 +1403,7 @@
           <a:p>
             <a:fld id="{31551111-E4E6-4B74-8927-A70267148854}" type="datetimeFigureOut">
               <a:rPr lang="uk-UA" smtClean="0"/>
-              <a:t>01.05.2024</a:t>
+              <a:t>16.07.2024</a:t>
             </a:fld>
             <a:endParaRPr lang="uk-UA"/>
           </a:p>
@@ -1810,7 +1815,7 @@
           <a:p>
             <a:fld id="{31551111-E4E6-4B74-8927-A70267148854}" type="datetimeFigureOut">
               <a:rPr lang="uk-UA" smtClean="0"/>
-              <a:t>01.05.2024</a:t>
+              <a:t>16.07.2024</a:t>
             </a:fld>
             <a:endParaRPr lang="uk-UA"/>
           </a:p>
@@ -1951,7 +1956,7 @@
           <a:p>
             <a:fld id="{31551111-E4E6-4B74-8927-A70267148854}" type="datetimeFigureOut">
               <a:rPr lang="uk-UA" smtClean="0"/>
-              <a:t>01.05.2024</a:t>
+              <a:t>16.07.2024</a:t>
             </a:fld>
             <a:endParaRPr lang="uk-UA"/>
           </a:p>
@@ -2064,7 +2069,7 @@
           <a:p>
             <a:fld id="{31551111-E4E6-4B74-8927-A70267148854}" type="datetimeFigureOut">
               <a:rPr lang="uk-UA" smtClean="0"/>
-              <a:t>01.05.2024</a:t>
+              <a:t>16.07.2024</a:t>
             </a:fld>
             <a:endParaRPr lang="uk-UA"/>
           </a:p>
@@ -2375,7 +2380,7 @@
           <a:p>
             <a:fld id="{31551111-E4E6-4B74-8927-A70267148854}" type="datetimeFigureOut">
               <a:rPr lang="uk-UA" smtClean="0"/>
-              <a:t>01.05.2024</a:t>
+              <a:t>16.07.2024</a:t>
             </a:fld>
             <a:endParaRPr lang="uk-UA"/>
           </a:p>
@@ -2663,7 +2668,7 @@
           <a:p>
             <a:fld id="{31551111-E4E6-4B74-8927-A70267148854}" type="datetimeFigureOut">
               <a:rPr lang="uk-UA" smtClean="0"/>
-              <a:t>01.05.2024</a:t>
+              <a:t>16.07.2024</a:t>
             </a:fld>
             <a:endParaRPr lang="uk-UA"/>
           </a:p>
@@ -2904,7 +2909,7 @@
           <a:p>
             <a:fld id="{31551111-E4E6-4B74-8927-A70267148854}" type="datetimeFigureOut">
               <a:rPr lang="uk-UA" smtClean="0"/>
-              <a:t>01.05.2024</a:t>
+              <a:t>16.07.2024</a:t>
             </a:fld>
             <a:endParaRPr lang="uk-UA"/>
           </a:p>
@@ -11470,7 +11475,7 @@
         <p:spPr>
           <a:xfrm>
             <a:off x="7765508" y="1587600"/>
-            <a:ext cx="1095172" cy="523220"/>
+            <a:ext cx="1374094" cy="523220"/>
           </a:xfrm>
           <a:prstGeom prst="rect">
             <a:avLst/>
@@ -11511,6 +11516,13 @@
               </a:rPr>
               <a:t>μ</a:t>
             </a:r>
+            <a:r>
+              <a:rPr lang="en-US" sz="2800" dirty="0">
+                <a:latin typeface="Times New Roman" panose="02020603050405020304" pitchFamily="18" charset="0"/>
+                <a:cs typeface="Times New Roman" panose="02020603050405020304" pitchFamily="18" charset="0"/>
+              </a:rPr>
+              <a:t>m</a:t>
+            </a:r>
             <a:endParaRPr lang="uk-UA" sz="2800" baseline="-25000" dirty="0">
               <a:latin typeface="Times New Roman" panose="02020603050405020304" pitchFamily="18" charset="0"/>
               <a:cs typeface="Times New Roman" panose="02020603050405020304" pitchFamily="18" charset="0"/>
@@ -11533,7 +11545,7 @@
         <p:spPr>
           <a:xfrm>
             <a:off x="7758998" y="5906716"/>
-            <a:ext cx="1095172" cy="523220"/>
+            <a:ext cx="1374094" cy="523220"/>
           </a:xfrm>
           <a:prstGeom prst="rect">
             <a:avLst/>
@@ -11566,6 +11578,13 @@
                 <a:cs typeface="Times New Roman" panose="02020603050405020304" pitchFamily="18" charset="0"/>
               </a:rPr>
               <a:t>μ</a:t>
+            </a:r>
+            <a:r>
+              <a:rPr lang="en-US" sz="2800" dirty="0">
+                <a:latin typeface="Times New Roman" panose="02020603050405020304" pitchFamily="18" charset="0"/>
+                <a:cs typeface="Times New Roman" panose="02020603050405020304" pitchFamily="18" charset="0"/>
+              </a:rPr>
+              <a:t>m</a:t>
             </a:r>
             <a:endParaRPr lang="uk-UA" sz="2800" baseline="-25000" dirty="0">
               <a:latin typeface="Times New Roman" panose="02020603050405020304" pitchFamily="18" charset="0"/>

--- a/2024/physB/Figs/Fig1.pptx
+++ b/2024/physB/Figs/Fig1.pptx
@@ -259,7 +259,7 @@
           <a:p>
             <a:fld id="{31551111-E4E6-4B74-8927-A70267148854}" type="datetimeFigureOut">
               <a:rPr lang="uk-UA" smtClean="0"/>
-              <a:t>16.07.2024</a:t>
+              <a:t>14.02.2025</a:t>
             </a:fld>
             <a:endParaRPr lang="uk-UA"/>
           </a:p>
@@ -457,7 +457,7 @@
           <a:p>
             <a:fld id="{31551111-E4E6-4B74-8927-A70267148854}" type="datetimeFigureOut">
               <a:rPr lang="uk-UA" smtClean="0"/>
-              <a:t>16.07.2024</a:t>
+              <a:t>14.02.2025</a:t>
             </a:fld>
             <a:endParaRPr lang="uk-UA"/>
           </a:p>
@@ -665,7 +665,7 @@
           <a:p>
             <a:fld id="{31551111-E4E6-4B74-8927-A70267148854}" type="datetimeFigureOut">
               <a:rPr lang="uk-UA" smtClean="0"/>
-              <a:t>16.07.2024</a:t>
+              <a:t>14.02.2025</a:t>
             </a:fld>
             <a:endParaRPr lang="uk-UA"/>
           </a:p>
@@ -863,7 +863,7 @@
           <a:p>
             <a:fld id="{31551111-E4E6-4B74-8927-A70267148854}" type="datetimeFigureOut">
               <a:rPr lang="uk-UA" smtClean="0"/>
-              <a:t>16.07.2024</a:t>
+              <a:t>14.02.2025</a:t>
             </a:fld>
             <a:endParaRPr lang="uk-UA"/>
           </a:p>
@@ -1138,7 +1138,7 @@
           <a:p>
             <a:fld id="{31551111-E4E6-4B74-8927-A70267148854}" type="datetimeFigureOut">
               <a:rPr lang="uk-UA" smtClean="0"/>
-              <a:t>16.07.2024</a:t>
+              <a:t>14.02.2025</a:t>
             </a:fld>
             <a:endParaRPr lang="uk-UA"/>
           </a:p>
@@ -1403,7 +1403,7 @@
           <a:p>
             <a:fld id="{31551111-E4E6-4B74-8927-A70267148854}" type="datetimeFigureOut">
               <a:rPr lang="uk-UA" smtClean="0"/>
-              <a:t>16.07.2024</a:t>
+              <a:t>14.02.2025</a:t>
             </a:fld>
             <a:endParaRPr lang="uk-UA"/>
           </a:p>
@@ -1815,7 +1815,7 @@
           <a:p>
             <a:fld id="{31551111-E4E6-4B74-8927-A70267148854}" type="datetimeFigureOut">
               <a:rPr lang="uk-UA" smtClean="0"/>
-              <a:t>16.07.2024</a:t>
+              <a:t>14.02.2025</a:t>
             </a:fld>
             <a:endParaRPr lang="uk-UA"/>
           </a:p>
@@ -1956,7 +1956,7 @@
           <a:p>
             <a:fld id="{31551111-E4E6-4B74-8927-A70267148854}" type="datetimeFigureOut">
               <a:rPr lang="uk-UA" smtClean="0"/>
-              <a:t>16.07.2024</a:t>
+              <a:t>14.02.2025</a:t>
             </a:fld>
             <a:endParaRPr lang="uk-UA"/>
           </a:p>
@@ -2069,7 +2069,7 @@
           <a:p>
             <a:fld id="{31551111-E4E6-4B74-8927-A70267148854}" type="datetimeFigureOut">
               <a:rPr lang="uk-UA" smtClean="0"/>
-              <a:t>16.07.2024</a:t>
+              <a:t>14.02.2025</a:t>
             </a:fld>
             <a:endParaRPr lang="uk-UA"/>
           </a:p>
@@ -2380,7 +2380,7 @@
           <a:p>
             <a:fld id="{31551111-E4E6-4B74-8927-A70267148854}" type="datetimeFigureOut">
               <a:rPr lang="uk-UA" smtClean="0"/>
-              <a:t>16.07.2024</a:t>
+              <a:t>14.02.2025</a:t>
             </a:fld>
             <a:endParaRPr lang="uk-UA"/>
           </a:p>
@@ -2668,7 +2668,7 @@
           <a:p>
             <a:fld id="{31551111-E4E6-4B74-8927-A70267148854}" type="datetimeFigureOut">
               <a:rPr lang="uk-UA" smtClean="0"/>
-              <a:t>16.07.2024</a:t>
+              <a:t>14.02.2025</a:t>
             </a:fld>
             <a:endParaRPr lang="uk-UA"/>
           </a:p>
@@ -2909,7 +2909,7 @@
           <a:p>
             <a:fld id="{31551111-E4E6-4B74-8927-A70267148854}" type="datetimeFigureOut">
               <a:rPr lang="uk-UA" smtClean="0"/>
-              <a:t>16.07.2024</a:t>
+              <a:t>14.02.2025</a:t>
             </a:fld>
             <a:endParaRPr lang="uk-UA"/>
           </a:p>
@@ -3347,7 +3347,9 @@
             <a:avLst/>
           </a:prstGeom>
           <a:solidFill>
-            <a:srgbClr val="FDECE3"/>
+            <a:srgbClr val="FDECE3">
+              <a:alpha val="56000"/>
+            </a:srgbClr>
           </a:solidFill>
           <a:ln w="38100"/>
         </p:spPr>
@@ -3392,7 +3394,7 @@
         </p:nvGrpSpPr>
         <p:grpSpPr>
           <a:xfrm>
-            <a:off x="3298484" y="2927082"/>
+            <a:off x="4076932" y="2872942"/>
             <a:ext cx="1620000" cy="1239118"/>
             <a:chOff x="262890" y="165735"/>
             <a:chExt cx="2077720" cy="1588770"/>
@@ -5716,7 +5718,7 @@
         </p:nvGrpSpPr>
         <p:grpSpPr>
           <a:xfrm>
-            <a:off x="4525119" y="4518688"/>
+            <a:off x="5480576" y="4420415"/>
             <a:ext cx="1620000" cy="1239146"/>
             <a:chOff x="0" y="0"/>
             <a:chExt cx="2077720" cy="1588770"/>
@@ -8026,48 +8028,6 @@
       </p:grpSp>
       <p:sp>
         <p:nvSpPr>
-          <p:cNvPr id="360" name="TextBox 359">
-            <a:extLst>
-              <a:ext uri="{FF2B5EF4-FFF2-40B4-BE49-F238E27FC236}">
-                <a16:creationId xmlns:a16="http://schemas.microsoft.com/office/drawing/2014/main" id="{9B880E74-D19D-D3AE-40CC-DA5A782673B6}"/>
-              </a:ext>
-            </a:extLst>
-          </p:cNvPr>
-          <p:cNvSpPr txBox="1"/>
-          <p:nvPr/>
-        </p:nvSpPr>
-        <p:spPr>
-          <a:xfrm>
-            <a:off x="3687236" y="4205520"/>
-            <a:ext cx="646331" cy="461665"/>
-          </a:xfrm>
-          <a:prstGeom prst="rect">
-            <a:avLst/>
-          </a:prstGeom>
-          <a:noFill/>
-        </p:spPr>
-        <p:txBody>
-          <a:bodyPr wrap="none" rtlCol="0">
-            <a:spAutoFit/>
-          </a:bodyPr>
-          <a:lstStyle/>
-          <a:p>
-            <a:r>
-              <a:rPr lang="en-US" sz="2400" b="1" dirty="0">
-                <a:latin typeface="Times New Roman" panose="02020603050405020304" pitchFamily="18" charset="0"/>
-                <a:cs typeface="Times New Roman" panose="02020603050405020304" pitchFamily="18" charset="0"/>
-              </a:rPr>
-              <a:t>OR</a:t>
-            </a:r>
-            <a:endParaRPr lang="uk-UA" sz="2400" b="1" dirty="0">
-              <a:latin typeface="Times New Roman" panose="02020603050405020304" pitchFamily="18" charset="0"/>
-              <a:cs typeface="Times New Roman" panose="02020603050405020304" pitchFamily="18" charset="0"/>
-            </a:endParaRPr>
-          </a:p>
-        </p:txBody>
-      </p:sp>
-      <p:sp>
-        <p:nvSpPr>
           <p:cNvPr id="361" name="Хрест 360">
             <a:extLst>
               <a:ext uri="{FF2B5EF4-FFF2-40B4-BE49-F238E27FC236}">
@@ -8080,7 +8040,7 @@
         </p:nvSpPr>
         <p:spPr>
           <a:xfrm>
-            <a:off x="3818787" y="5059951"/>
+            <a:off x="4879033" y="4993475"/>
             <a:ext cx="275436" cy="275436"/>
           </a:xfrm>
           <a:prstGeom prst="plus">
@@ -8147,13 +8107,13 @@
           <a:lstStyle/>
           <a:p>
             <a:r>
-              <a:rPr lang="en-US" sz="2800" dirty="0">
+              <a:rPr lang="en-US" sz="2800" i="1" dirty="0">
                 <a:latin typeface="Times New Roman" panose="02020603050405020304" pitchFamily="18" charset="0"/>
                 <a:cs typeface="Times New Roman" panose="02020603050405020304" pitchFamily="18" charset="0"/>
               </a:rPr>
               <a:t>Base</a:t>
             </a:r>
-            <a:endParaRPr lang="uk-UA" sz="2800" dirty="0">
+            <a:endParaRPr lang="uk-UA" sz="2800" i="1" dirty="0">
               <a:latin typeface="Times New Roman" panose="02020603050405020304" pitchFamily="18" charset="0"/>
               <a:cs typeface="Times New Roman" panose="02020603050405020304" pitchFamily="18" charset="0"/>
             </a:endParaRPr>
@@ -8174,8 +8134,8 @@
         </p:nvSpPr>
         <p:spPr>
           <a:xfrm>
-            <a:off x="3630450" y="2162398"/>
-            <a:ext cx="1122423" cy="523220"/>
+            <a:off x="2899825" y="2200726"/>
+            <a:ext cx="1143262" cy="523220"/>
           </a:xfrm>
           <a:prstGeom prst="rect">
             <a:avLst/>
@@ -8189,13 +8149,29 @@
           <a:lstStyle/>
           <a:p>
             <a:r>
-              <a:rPr lang="en-US" sz="2800" dirty="0" err="1">
+              <a:rPr lang="en-US" sz="2800" b="1" i="1" dirty="0" err="1">
+                <a:solidFill>
+                  <a:srgbClr val="008000"/>
+                </a:solidFill>
                 <a:latin typeface="Times New Roman" panose="02020603050405020304" pitchFamily="18" charset="0"/>
                 <a:cs typeface="Times New Roman" panose="02020603050405020304" pitchFamily="18" charset="0"/>
               </a:rPr>
-              <a:t>p-Si:B</a:t>
+              <a:t>p</a:t>
             </a:r>
-            <a:endParaRPr lang="uk-UA" sz="2800" dirty="0">
+            <a:r>
+              <a:rPr lang="en-US" sz="2800" b="1" dirty="0" err="1">
+                <a:solidFill>
+                  <a:srgbClr val="008000"/>
+                </a:solidFill>
+                <a:latin typeface="Times New Roman" panose="02020603050405020304" pitchFamily="18" charset="0"/>
+                <a:cs typeface="Times New Roman" panose="02020603050405020304" pitchFamily="18" charset="0"/>
+              </a:rPr>
+              <a:t>-Si:B</a:t>
+            </a:r>
+            <a:endParaRPr lang="uk-UA" sz="2800" b="1" dirty="0">
+              <a:solidFill>
+                <a:srgbClr val="008000"/>
+              </a:solidFill>
               <a:latin typeface="Times New Roman" panose="02020603050405020304" pitchFamily="18" charset="0"/>
               <a:cs typeface="Times New Roman" panose="02020603050405020304" pitchFamily="18" charset="0"/>
             </a:endParaRPr>
@@ -8216,8 +8192,8 @@
         </p:nvSpPr>
         <p:spPr>
           <a:xfrm>
-            <a:off x="5879141" y="2162398"/>
-            <a:ext cx="583814" cy="523220"/>
+            <a:off x="4346058" y="2158872"/>
+            <a:ext cx="3100529" cy="523220"/>
           </a:xfrm>
           <a:prstGeom prst="rect">
             <a:avLst/>
@@ -8242,9 +8218,51 @@
                 <a:latin typeface="Times New Roman" panose="02020603050405020304" pitchFamily="18" charset="0"/>
                 <a:cs typeface="Times New Roman" panose="02020603050405020304" pitchFamily="18" charset="0"/>
               </a:rPr>
-              <a:t>B</a:t>
+              <a:t>B </a:t>
             </a:r>
-            <a:endParaRPr lang="uk-UA" sz="2800" baseline="-25000" dirty="0">
+            <a:r>
+              <a:rPr lang="en-US" sz="2800" dirty="0">
+                <a:latin typeface="Times New Roman" panose="02020603050405020304" pitchFamily="18" charset="0"/>
+                <a:cs typeface="Times New Roman" panose="02020603050405020304" pitchFamily="18" charset="0"/>
+              </a:rPr>
+              <a:t>= 10</a:t>
+            </a:r>
+            <a:r>
+              <a:rPr lang="en-US" sz="2800" baseline="30000" dirty="0">
+                <a:latin typeface="Times New Roman" panose="02020603050405020304" pitchFamily="18" charset="0"/>
+                <a:cs typeface="Times New Roman" panose="02020603050405020304" pitchFamily="18" charset="0"/>
+              </a:rPr>
+              <a:t>15</a:t>
+            </a:r>
+            <a:r>
+              <a:rPr lang="en-US" sz="2800" dirty="0">
+                <a:latin typeface="Times New Roman" panose="02020603050405020304" pitchFamily="18" charset="0"/>
+                <a:cs typeface="Times New Roman" panose="02020603050405020304" pitchFamily="18" charset="0"/>
+              </a:rPr>
+              <a:t>-10</a:t>
+            </a:r>
+            <a:r>
+              <a:rPr lang="en-US" sz="2800" baseline="30000" dirty="0">
+                <a:latin typeface="Times New Roman" panose="02020603050405020304" pitchFamily="18" charset="0"/>
+                <a:cs typeface="Times New Roman" panose="02020603050405020304" pitchFamily="18" charset="0"/>
+              </a:rPr>
+              <a:t>17</a:t>
+            </a:r>
+            <a:r>
+              <a:rPr lang="en-US" sz="2800" dirty="0">
+                <a:latin typeface="Times New Roman" panose="02020603050405020304" pitchFamily="18" charset="0"/>
+                <a:cs typeface="Times New Roman" panose="02020603050405020304" pitchFamily="18" charset="0"/>
+              </a:rPr>
+              <a:t> cm</a:t>
+            </a:r>
+            <a:r>
+              <a:rPr lang="en-US" sz="2800" baseline="30000" dirty="0">
+                <a:latin typeface="Times New Roman" panose="02020603050405020304" pitchFamily="18" charset="0"/>
+                <a:cs typeface="Times New Roman" panose="02020603050405020304" pitchFamily="18" charset="0"/>
+              </a:rPr>
+              <a:t>-3</a:t>
+            </a:r>
+            <a:endParaRPr lang="uk-UA" sz="2800" baseline="30000" dirty="0">
               <a:latin typeface="Times New Roman" panose="02020603050405020304" pitchFamily="18" charset="0"/>
               <a:cs typeface="Times New Roman" panose="02020603050405020304" pitchFamily="18" charset="0"/>
             </a:endParaRPr>
@@ -8272,7 +8290,9 @@
             <a:avLst/>
           </a:prstGeom>
           <a:solidFill>
-            <a:srgbClr val="FBDBC9"/>
+            <a:srgbClr val="FBDBC9">
+              <a:alpha val="71000"/>
+            </a:srgbClr>
           </a:solidFill>
           <a:ln w="38100"/>
         </p:spPr>
@@ -8316,7 +8336,7 @@
         <p:spPr>
           <a:xfrm>
             <a:off x="1369502" y="5886297"/>
-            <a:ext cx="1335622" cy="523220"/>
+            <a:ext cx="1630575" cy="523220"/>
           </a:xfrm>
           <a:prstGeom prst="rect">
             <a:avLst/>
@@ -8330,27 +8350,20 @@
           <a:lstStyle/>
           <a:p>
             <a:r>
+              <a:rPr lang="en-US" sz="2800" i="1" dirty="0" err="1">
+                <a:latin typeface="Times New Roman" panose="02020603050405020304" pitchFamily="18" charset="0"/>
+                <a:cs typeface="Times New Roman" panose="02020603050405020304" pitchFamily="18" charset="0"/>
+              </a:rPr>
+              <a:t>BSF</a:t>
+            </a:r>
+            <a:r>
               <a:rPr lang="en-US" sz="2800" i="1" dirty="0">
                 <a:latin typeface="Times New Roman" panose="02020603050405020304" pitchFamily="18" charset="0"/>
                 <a:cs typeface="Times New Roman" panose="02020603050405020304" pitchFamily="18" charset="0"/>
               </a:rPr>
-              <a:t>p</a:t>
+              <a:t> layer</a:t>
             </a:r>
-            <a:r>
-              <a:rPr lang="en-US" sz="2800" baseline="30000" dirty="0">
-                <a:latin typeface="Times New Roman" panose="02020603050405020304" pitchFamily="18" charset="0"/>
-                <a:cs typeface="Times New Roman" panose="02020603050405020304" pitchFamily="18" charset="0"/>
-              </a:rPr>
-              <a:t>+</a:t>
-            </a:r>
-            <a:r>
-              <a:rPr lang="en-US" sz="2800" dirty="0">
-                <a:latin typeface="Times New Roman" panose="02020603050405020304" pitchFamily="18" charset="0"/>
-                <a:cs typeface="Times New Roman" panose="02020603050405020304" pitchFamily="18" charset="0"/>
-              </a:rPr>
-              <a:t>-layer</a:t>
-            </a:r>
-            <a:endParaRPr lang="uk-UA" sz="2800" dirty="0">
+            <a:endParaRPr lang="uk-UA" sz="2800" i="1" dirty="0">
               <a:latin typeface="Times New Roman" panose="02020603050405020304" pitchFamily="18" charset="0"/>
               <a:cs typeface="Times New Roman" panose="02020603050405020304" pitchFamily="18" charset="0"/>
             </a:endParaRPr>
@@ -8371,7 +8384,7 @@
         </p:nvSpPr>
         <p:spPr>
           <a:xfrm>
-            <a:off x="3009005" y="5867134"/>
+            <a:off x="3066602" y="5883260"/>
             <a:ext cx="918841" cy="523220"/>
           </a:xfrm>
           <a:prstGeom prst="rect">
@@ -8386,27 +8399,39 @@
           <a:lstStyle/>
           <a:p>
             <a:r>
-              <a:rPr lang="en-US" sz="2800" i="1" dirty="0">
+              <a:rPr lang="en-US" sz="2800" b="1" i="1" dirty="0">
+                <a:solidFill>
+                  <a:srgbClr val="008000"/>
+                </a:solidFill>
                 <a:latin typeface="Times New Roman" panose="02020603050405020304" pitchFamily="18" charset="0"/>
                 <a:cs typeface="Times New Roman" panose="02020603050405020304" pitchFamily="18" charset="0"/>
               </a:rPr>
               <a:t>p</a:t>
             </a:r>
             <a:r>
-              <a:rPr lang="en-US" sz="2800" baseline="30000" dirty="0">
+              <a:rPr lang="en-US" sz="2800" b="1" baseline="30000" dirty="0">
+                <a:solidFill>
+                  <a:srgbClr val="008000"/>
+                </a:solidFill>
                 <a:latin typeface="Times New Roman" panose="02020603050405020304" pitchFamily="18" charset="0"/>
                 <a:cs typeface="Times New Roman" panose="02020603050405020304" pitchFamily="18" charset="0"/>
               </a:rPr>
               <a:t>+</a:t>
             </a:r>
             <a:r>
-              <a:rPr lang="en-US" sz="2800" dirty="0">
+              <a:rPr lang="en-US" sz="2800" b="1" dirty="0">
+                <a:solidFill>
+                  <a:srgbClr val="008000"/>
+                </a:solidFill>
                 <a:latin typeface="Times New Roman" panose="02020603050405020304" pitchFamily="18" charset="0"/>
                 <a:cs typeface="Times New Roman" panose="02020603050405020304" pitchFamily="18" charset="0"/>
               </a:rPr>
               <a:t>-Si</a:t>
             </a:r>
-            <a:endParaRPr lang="uk-UA" sz="2800" dirty="0">
+            <a:endParaRPr lang="uk-UA" sz="2800" b="1" dirty="0">
+              <a:solidFill>
+                <a:srgbClr val="008000"/>
+              </a:solidFill>
               <a:latin typeface="Times New Roman" panose="02020603050405020304" pitchFamily="18" charset="0"/>
               <a:cs typeface="Times New Roman" panose="02020603050405020304" pitchFamily="18" charset="0"/>
             </a:endParaRPr>
@@ -8542,7 +8567,9 @@
             <a:avLst/>
           </a:prstGeom>
           <a:solidFill>
-            <a:srgbClr val="CAEDFA"/>
+            <a:srgbClr val="CAEDFA">
+              <a:alpha val="63000"/>
+            </a:srgbClr>
           </a:solidFill>
           <a:ln w="38100"/>
         </p:spPr>
@@ -8600,13 +8627,13 @@
           <a:lstStyle/>
           <a:p>
             <a:r>
-              <a:rPr lang="en-US" sz="2800" dirty="0">
+              <a:rPr lang="en-US" sz="2800" i="1" dirty="0">
                 <a:latin typeface="Times New Roman" panose="02020603050405020304" pitchFamily="18" charset="0"/>
                 <a:cs typeface="Times New Roman" panose="02020603050405020304" pitchFamily="18" charset="0"/>
               </a:rPr>
               <a:t>Emitter</a:t>
             </a:r>
-            <a:endParaRPr lang="uk-UA" sz="2800" dirty="0">
+            <a:endParaRPr lang="uk-UA" sz="2800" i="1" dirty="0">
               <a:latin typeface="Times New Roman" panose="02020603050405020304" pitchFamily="18" charset="0"/>
               <a:cs typeface="Times New Roman" panose="02020603050405020304" pitchFamily="18" charset="0"/>
             </a:endParaRPr>
@@ -8627,8 +8654,8 @@
         </p:nvSpPr>
         <p:spPr>
           <a:xfrm>
-            <a:off x="2919106" y="1591927"/>
-            <a:ext cx="918841" cy="523220"/>
+            <a:off x="3000077" y="1590010"/>
+            <a:ext cx="941283" cy="523220"/>
           </a:xfrm>
           <a:prstGeom prst="rect">
             <a:avLst/>
@@ -8642,27 +8669,39 @@
           <a:lstStyle/>
           <a:p>
             <a:r>
-              <a:rPr lang="en-US" sz="2800" i="1" dirty="0">
+              <a:rPr lang="en-US" sz="2800" b="1" i="1" dirty="0">
+                <a:solidFill>
+                  <a:srgbClr val="008000"/>
+                </a:solidFill>
                 <a:latin typeface="Times New Roman" panose="02020603050405020304" pitchFamily="18" charset="0"/>
                 <a:cs typeface="Times New Roman" panose="02020603050405020304" pitchFamily="18" charset="0"/>
               </a:rPr>
               <a:t>n</a:t>
             </a:r>
             <a:r>
-              <a:rPr lang="en-US" sz="2800" baseline="30000" dirty="0">
+              <a:rPr lang="en-US" sz="2800" b="1" baseline="30000" dirty="0">
+                <a:solidFill>
+                  <a:srgbClr val="008000"/>
+                </a:solidFill>
                 <a:latin typeface="Times New Roman" panose="02020603050405020304" pitchFamily="18" charset="0"/>
                 <a:cs typeface="Times New Roman" panose="02020603050405020304" pitchFamily="18" charset="0"/>
               </a:rPr>
               <a:t>+</a:t>
             </a:r>
             <a:r>
-              <a:rPr lang="en-US" sz="2800" dirty="0">
+              <a:rPr lang="en-US" sz="2800" b="1" dirty="0">
+                <a:solidFill>
+                  <a:srgbClr val="008000"/>
+                </a:solidFill>
                 <a:latin typeface="Times New Roman" panose="02020603050405020304" pitchFamily="18" charset="0"/>
                 <a:cs typeface="Times New Roman" panose="02020603050405020304" pitchFamily="18" charset="0"/>
               </a:rPr>
               <a:t>-Si</a:t>
             </a:r>
-            <a:endParaRPr lang="uk-UA" sz="2800" dirty="0">
+            <a:endParaRPr lang="uk-UA" sz="2800" b="1" dirty="0">
+              <a:solidFill>
+                <a:srgbClr val="008000"/>
+              </a:solidFill>
               <a:latin typeface="Times New Roman" panose="02020603050405020304" pitchFamily="18" charset="0"/>
               <a:cs typeface="Times New Roman" panose="02020603050405020304" pitchFamily="18" charset="0"/>
             </a:endParaRPr>
@@ -8683,8 +8722,8 @@
         </p:nvSpPr>
         <p:spPr>
           <a:xfrm>
-            <a:off x="4139678" y="1603862"/>
-            <a:ext cx="3394618" cy="523220"/>
+            <a:off x="4257662" y="1603862"/>
+            <a:ext cx="3176809" cy="523220"/>
           </a:xfrm>
           <a:prstGeom prst="rect">
             <a:avLst/>
@@ -8792,7 +8831,7 @@
         </p:nvGrpSpPr>
         <p:grpSpPr>
           <a:xfrm>
-            <a:off x="1712480" y="4559435"/>
+            <a:off x="2816935" y="4468241"/>
             <a:ext cx="1620000" cy="1239118"/>
             <a:chOff x="262890" y="165735"/>
             <a:chExt cx="2077720" cy="1588770"/>
@@ -11607,7 +11646,7 @@
         </p:nvSpPr>
         <p:spPr>
           <a:xfrm>
-            <a:off x="5913476" y="3106016"/>
+            <a:off x="11294135" y="3153884"/>
             <a:ext cx="163858" cy="163858"/>
           </a:xfrm>
           <a:prstGeom prst="ellipse">
@@ -11658,7 +11697,7 @@
         </p:nvSpPr>
         <p:spPr>
           <a:xfrm>
-            <a:off x="5887405" y="3431525"/>
+            <a:off x="11294135" y="3595870"/>
             <a:ext cx="216000" cy="216000"/>
           </a:xfrm>
           <a:prstGeom prst="ellipse">
@@ -11709,7 +11748,7 @@
         </p:nvSpPr>
         <p:spPr>
           <a:xfrm>
-            <a:off x="5905405" y="3809176"/>
+            <a:off x="11328076" y="4130889"/>
             <a:ext cx="180000" cy="180000"/>
           </a:xfrm>
           <a:prstGeom prst="ellipse">
@@ -11758,7 +11797,7 @@
         </p:nvSpPr>
         <p:spPr>
           <a:xfrm>
-            <a:off x="6225057" y="2867149"/>
+            <a:off x="11605716" y="2915017"/>
             <a:ext cx="484428" cy="523220"/>
           </a:xfrm>
           <a:prstGeom prst="rect">
@@ -11800,7 +11839,7 @@
         </p:nvSpPr>
         <p:spPr>
           <a:xfrm>
-            <a:off x="6225057" y="3259345"/>
+            <a:off x="11551435" y="3405915"/>
             <a:ext cx="543739" cy="523220"/>
           </a:xfrm>
           <a:prstGeom prst="rect">
@@ -11842,7 +11881,7 @@
         </p:nvSpPr>
         <p:spPr>
           <a:xfrm>
-            <a:off x="6243959" y="3631297"/>
+            <a:off x="11666630" y="3953010"/>
             <a:ext cx="423514" cy="523220"/>
           </a:xfrm>
           <a:prstGeom prst="rect">
@@ -11990,48 +12029,6 @@
           </a:prstGeom>
         </p:spPr>
       </p:pic>
-      <p:sp>
-        <p:nvSpPr>
-          <p:cNvPr id="456" name="TextBox 455">
-            <a:extLst>
-              <a:ext uri="{FF2B5EF4-FFF2-40B4-BE49-F238E27FC236}">
-                <a16:creationId xmlns:a16="http://schemas.microsoft.com/office/drawing/2014/main" id="{D68F6DC5-8910-ED1E-0224-62A7602FC050}"/>
-              </a:ext>
-            </a:extLst>
-          </p:cNvPr>
-          <p:cNvSpPr txBox="1"/>
-          <p:nvPr/>
-        </p:nvSpPr>
-        <p:spPr>
-          <a:xfrm>
-            <a:off x="3962766" y="500828"/>
-            <a:ext cx="646331" cy="461665"/>
-          </a:xfrm>
-          <a:prstGeom prst="rect">
-            <a:avLst/>
-          </a:prstGeom>
-          <a:noFill/>
-        </p:spPr>
-        <p:txBody>
-          <a:bodyPr wrap="none" rtlCol="0">
-            <a:spAutoFit/>
-          </a:bodyPr>
-          <a:lstStyle/>
-          <a:p>
-            <a:r>
-              <a:rPr lang="en-US" sz="2400" b="1" dirty="0">
-                <a:latin typeface="Times New Roman" panose="02020603050405020304" pitchFamily="18" charset="0"/>
-                <a:cs typeface="Times New Roman" panose="02020603050405020304" pitchFamily="18" charset="0"/>
-              </a:rPr>
-              <a:t>OR</a:t>
-            </a:r>
-            <a:endParaRPr lang="uk-UA" sz="2400" b="1" dirty="0">
-              <a:latin typeface="Times New Roman" panose="02020603050405020304" pitchFamily="18" charset="0"/>
-              <a:cs typeface="Times New Roman" panose="02020603050405020304" pitchFamily="18" charset="0"/>
-            </a:endParaRPr>
-          </a:p>
-        </p:txBody>
-      </p:sp>
       <p:pic>
         <p:nvPicPr>
           <p:cNvPr id="458" name="Рисунок 457">
@@ -12232,6 +12229,5016 @@
             <a:endParaRPr lang="uk-UA" sz="2800" baseline="-25000" dirty="0">
               <a:latin typeface="Times New Roman" panose="02020603050405020304" pitchFamily="18" charset="0"/>
               <a:cs typeface="Times New Roman" panose="02020603050405020304" pitchFamily="18" charset="0"/>
+            </a:endParaRPr>
+          </a:p>
+        </p:txBody>
+      </p:sp>
+      <p:sp>
+        <p:nvSpPr>
+          <p:cNvPr id="2" name="TextBox 1">
+            <a:extLst>
+              <a:ext uri="{FF2B5EF4-FFF2-40B4-BE49-F238E27FC236}">
+                <a16:creationId xmlns:a16="http://schemas.microsoft.com/office/drawing/2014/main" id="{D674B5A7-BF8A-4C7F-0D3E-82477CCE45E7}"/>
+              </a:ext>
+            </a:extLst>
+          </p:cNvPr>
+          <p:cNvSpPr txBox="1"/>
+          <p:nvPr/>
+        </p:nvSpPr>
+        <p:spPr>
+          <a:xfrm>
+            <a:off x="1439331" y="2854582"/>
+            <a:ext cx="1249060" cy="523220"/>
+          </a:xfrm>
+          <a:prstGeom prst="rect">
+            <a:avLst/>
+          </a:prstGeom>
+          <a:noFill/>
+        </p:spPr>
+        <p:txBody>
+          <a:bodyPr wrap="none" rtlCol="0">
+            <a:spAutoFit/>
+          </a:bodyPr>
+          <a:lstStyle/>
+          <a:p>
+            <a:r>
+              <a:rPr lang="en-US" sz="2800" u="sng" dirty="0">
+                <a:latin typeface="Times New Roman" panose="02020603050405020304" pitchFamily="18" charset="0"/>
+                <a:cs typeface="Times New Roman" panose="02020603050405020304" pitchFamily="18" charset="0"/>
+              </a:rPr>
+              <a:t>Case 1:</a:t>
+            </a:r>
+            <a:endParaRPr lang="uk-UA" sz="2800" u="sng" dirty="0">
+              <a:latin typeface="Times New Roman" panose="02020603050405020304" pitchFamily="18" charset="0"/>
+              <a:cs typeface="Times New Roman" panose="02020603050405020304" pitchFamily="18" charset="0"/>
+            </a:endParaRPr>
+          </a:p>
+        </p:txBody>
+      </p:sp>
+      <p:sp>
+        <p:nvSpPr>
+          <p:cNvPr id="3" name="TextBox 2">
+            <a:extLst>
+              <a:ext uri="{FF2B5EF4-FFF2-40B4-BE49-F238E27FC236}">
+                <a16:creationId xmlns:a16="http://schemas.microsoft.com/office/drawing/2014/main" id="{36B8C65C-306E-6D27-19D2-C3A34596661E}"/>
+              </a:ext>
+            </a:extLst>
+          </p:cNvPr>
+          <p:cNvSpPr txBox="1"/>
+          <p:nvPr/>
+        </p:nvSpPr>
+        <p:spPr>
+          <a:xfrm>
+            <a:off x="1439331" y="4468241"/>
+            <a:ext cx="1249060" cy="523220"/>
+          </a:xfrm>
+          <a:prstGeom prst="rect">
+            <a:avLst/>
+          </a:prstGeom>
+          <a:noFill/>
+        </p:spPr>
+        <p:txBody>
+          <a:bodyPr wrap="none" rtlCol="0">
+            <a:spAutoFit/>
+          </a:bodyPr>
+          <a:lstStyle/>
+          <a:p>
+            <a:r>
+              <a:rPr lang="en-US" sz="2800" u="sng" dirty="0">
+                <a:latin typeface="Times New Roman" panose="02020603050405020304" pitchFamily="18" charset="0"/>
+                <a:cs typeface="Times New Roman" panose="02020603050405020304" pitchFamily="18" charset="0"/>
+              </a:rPr>
+              <a:t>Case 2:</a:t>
+            </a:r>
+            <a:endParaRPr lang="uk-UA" sz="2800" u="sng" dirty="0">
+              <a:latin typeface="Times New Roman" panose="02020603050405020304" pitchFamily="18" charset="0"/>
+              <a:cs typeface="Times New Roman" panose="02020603050405020304" pitchFamily="18" charset="0"/>
+            </a:endParaRPr>
+          </a:p>
+        </p:txBody>
+      </p:sp>
+      <p:grpSp>
+        <p:nvGrpSpPr>
+          <p:cNvPr id="5" name="Групувати 4">
+            <a:extLst>
+              <a:ext uri="{FF2B5EF4-FFF2-40B4-BE49-F238E27FC236}">
+                <a16:creationId xmlns:a16="http://schemas.microsoft.com/office/drawing/2014/main" id="{F8E12C93-24C1-6194-83A0-72465F12BBE8}"/>
+              </a:ext>
+            </a:extLst>
+          </p:cNvPr>
+          <p:cNvGrpSpPr>
+            <a:grpSpLocks noChangeAspect="1"/>
+          </p:cNvGrpSpPr>
+          <p:nvPr/>
+        </p:nvGrpSpPr>
+        <p:grpSpPr>
+          <a:xfrm>
+            <a:off x="9314459" y="1997347"/>
+            <a:ext cx="1620000" cy="1239118"/>
+            <a:chOff x="262890" y="165735"/>
+            <a:chExt cx="2077720" cy="1588770"/>
+          </a:xfrm>
+        </p:grpSpPr>
+        <p:sp>
+          <p:nvSpPr>
+            <p:cNvPr id="6" name="Oval 4">
+              <a:extLst>
+                <a:ext uri="{FF2B5EF4-FFF2-40B4-BE49-F238E27FC236}">
+                  <a16:creationId xmlns:a16="http://schemas.microsoft.com/office/drawing/2014/main" id="{F2F9F10F-F840-FB71-2738-D9BA9281A36F}"/>
+                </a:ext>
+              </a:extLst>
+            </p:cNvPr>
+            <p:cNvSpPr>
+              <a:spLocks noChangeAspect="1" noChangeArrowheads="1"/>
+            </p:cNvSpPr>
+            <p:nvPr/>
+          </p:nvSpPr>
+          <p:spPr bwMode="auto">
+            <a:xfrm>
+              <a:off x="1150583" y="795226"/>
+              <a:ext cx="301700" cy="300578"/>
+            </a:xfrm>
+            <a:prstGeom prst="ellipse">
+              <a:avLst/>
+            </a:prstGeom>
+            <a:solidFill>
+              <a:srgbClr val="0070C0"/>
+            </a:solidFill>
+            <a:ln w="12700">
+              <a:solidFill>
+                <a:srgbClr val="000000"/>
+              </a:solidFill>
+              <a:round/>
+              <a:headEnd/>
+              <a:tailEnd/>
+            </a:ln>
+          </p:spPr>
+          <p:txBody>
+            <a:bodyPr rot="0" vert="horz" wrap="square" lIns="91440" tIns="45720" rIns="91440" bIns="45720" anchor="t" anchorCtr="0" upright="1">
+              <a:noAutofit/>
+            </a:bodyPr>
+            <a:lstStyle/>
+            <a:p>
+              <a:endParaRPr lang="uk-UA"/>
+            </a:p>
+          </p:txBody>
+        </p:sp>
+        <p:sp>
+          <p:nvSpPr>
+            <p:cNvPr id="7" name="Oval 8">
+              <a:extLst>
+                <a:ext uri="{FF2B5EF4-FFF2-40B4-BE49-F238E27FC236}">
+                  <a16:creationId xmlns:a16="http://schemas.microsoft.com/office/drawing/2014/main" id="{BE3A3CE7-D5AC-B839-F4EB-7261E2CFFC31}"/>
+                </a:ext>
+              </a:extLst>
+            </p:cNvPr>
+            <p:cNvSpPr>
+              <a:spLocks noChangeAspect="1" noChangeArrowheads="1"/>
+            </p:cNvSpPr>
+            <p:nvPr/>
+          </p:nvSpPr>
+          <p:spPr bwMode="auto">
+            <a:xfrm>
+              <a:off x="1593215" y="744220"/>
+              <a:ext cx="170815" cy="170180"/>
+            </a:xfrm>
+            <a:prstGeom prst="ellipse">
+              <a:avLst/>
+            </a:prstGeom>
+            <a:solidFill>
+              <a:srgbClr val="FFFFFF"/>
+            </a:solidFill>
+            <a:ln w="12700">
+              <a:solidFill>
+                <a:srgbClr val="000000"/>
+              </a:solidFill>
+              <a:round/>
+              <a:headEnd/>
+              <a:tailEnd/>
+            </a:ln>
+          </p:spPr>
+          <p:txBody>
+            <a:bodyPr rot="0" vert="horz" wrap="square" lIns="91440" tIns="45720" rIns="91440" bIns="45720" anchor="t" anchorCtr="0" upright="1">
+              <a:noAutofit/>
+            </a:bodyPr>
+            <a:lstStyle/>
+            <a:p>
+              <a:endParaRPr lang="uk-UA"/>
+            </a:p>
+          </p:txBody>
+        </p:sp>
+        <p:cxnSp>
+          <p:nvCxnSpPr>
+            <p:cNvPr id="8" name="AutoShape 9">
+              <a:extLst>
+                <a:ext uri="{FF2B5EF4-FFF2-40B4-BE49-F238E27FC236}">
+                  <a16:creationId xmlns:a16="http://schemas.microsoft.com/office/drawing/2014/main" id="{B9880316-5086-E2DB-5E52-7273B61964A1}"/>
+                </a:ext>
+              </a:extLst>
+            </p:cNvPr>
+            <p:cNvCxnSpPr>
+              <a:cxnSpLocks noChangeShapeType="1"/>
+            </p:cNvCxnSpPr>
+            <p:nvPr/>
+          </p:nvCxnSpPr>
+          <p:spPr bwMode="auto">
+            <a:xfrm flipV="1">
+              <a:off x="353060" y="257810"/>
+              <a:ext cx="755015" cy="225425"/>
+            </a:xfrm>
+            <a:prstGeom prst="straightConnector1">
+              <a:avLst/>
+            </a:prstGeom>
+            <a:noFill/>
+            <a:ln w="12700">
+              <a:solidFill>
+                <a:srgbClr val="000000"/>
+              </a:solidFill>
+              <a:prstDash val="sysDot"/>
+              <a:round/>
+              <a:headEnd/>
+              <a:tailEnd/>
+            </a:ln>
+            <a:extLst>
+              <a:ext uri="{909E8E84-426E-40DD-AFC4-6F175D3DCCD1}">
+                <a14:hiddenFill xmlns:a14="http://schemas.microsoft.com/office/drawing/2010/main">
+                  <a:noFill/>
+                </a14:hiddenFill>
+              </a:ext>
+            </a:extLst>
+          </p:spPr>
+        </p:cxnSp>
+        <p:grpSp>
+          <p:nvGrpSpPr>
+            <p:cNvPr id="9" name="Group 10">
+              <a:extLst>
+                <a:ext uri="{FF2B5EF4-FFF2-40B4-BE49-F238E27FC236}">
+                  <a16:creationId xmlns:a16="http://schemas.microsoft.com/office/drawing/2014/main" id="{62A1A952-B05A-CCB2-0892-51693C9F85D6}"/>
+                </a:ext>
+              </a:extLst>
+            </p:cNvPr>
+            <p:cNvGrpSpPr>
+              <a:grpSpLocks/>
+            </p:cNvGrpSpPr>
+            <p:nvPr/>
+          </p:nvGrpSpPr>
+          <p:grpSpPr bwMode="auto">
+            <a:xfrm>
+              <a:off x="1100861" y="254635"/>
+              <a:ext cx="1152830" cy="1157605"/>
+              <a:chOff x="5930" y="6920"/>
+              <a:chExt cx="2681" cy="2700"/>
+            </a:xfrm>
+          </p:grpSpPr>
+          <p:cxnSp>
+            <p:nvCxnSpPr>
+              <p:cNvPr id="57" name="AutoShape 11">
+                <a:extLst>
+                  <a:ext uri="{FF2B5EF4-FFF2-40B4-BE49-F238E27FC236}">
+                    <a16:creationId xmlns:a16="http://schemas.microsoft.com/office/drawing/2014/main" id="{76A33281-511D-DD6F-175A-7FC1D886AB44}"/>
+                  </a:ext>
+                </a:extLst>
+              </p:cNvPr>
+              <p:cNvCxnSpPr>
+                <a:cxnSpLocks noChangeShapeType="1"/>
+              </p:cNvCxnSpPr>
+              <p:nvPr/>
+            </p:nvCxnSpPr>
+            <p:spPr bwMode="auto">
+              <a:xfrm>
+                <a:off x="8609" y="6939"/>
+                <a:ext cx="1" cy="2681"/>
+              </a:xfrm>
+              <a:prstGeom prst="straightConnector1">
+                <a:avLst/>
+              </a:prstGeom>
+              <a:noFill/>
+              <a:ln w="12700">
+                <a:solidFill>
+                  <a:srgbClr val="000000"/>
+                </a:solidFill>
+                <a:prstDash val="sysDot"/>
+                <a:round/>
+                <a:headEnd/>
+                <a:tailEnd/>
+              </a:ln>
+              <a:extLst>
+                <a:ext uri="{909E8E84-426E-40DD-AFC4-6F175D3DCCD1}">
+                  <a14:hiddenFill xmlns:a14="http://schemas.microsoft.com/office/drawing/2010/main">
+                    <a:noFill/>
+                  </a14:hiddenFill>
+                </a:ext>
+              </a:extLst>
+            </p:spPr>
+          </p:cxnSp>
+          <p:cxnSp>
+            <p:nvCxnSpPr>
+              <p:cNvPr id="58" name="AutoShape 12">
+                <a:extLst>
+                  <a:ext uri="{FF2B5EF4-FFF2-40B4-BE49-F238E27FC236}">
+                    <a16:creationId xmlns:a16="http://schemas.microsoft.com/office/drawing/2014/main" id="{9BA6859C-C6DC-E939-6F73-099145B002C5}"/>
+                  </a:ext>
+                </a:extLst>
+              </p:cNvPr>
+              <p:cNvCxnSpPr>
+                <a:cxnSpLocks noChangeShapeType="1"/>
+              </p:cNvCxnSpPr>
+              <p:nvPr/>
+            </p:nvCxnSpPr>
+            <p:spPr bwMode="auto">
+              <a:xfrm>
+                <a:off x="5939" y="6920"/>
+                <a:ext cx="1" cy="2681"/>
+              </a:xfrm>
+              <a:prstGeom prst="straightConnector1">
+                <a:avLst/>
+              </a:prstGeom>
+              <a:noFill/>
+              <a:ln w="12700">
+                <a:solidFill>
+                  <a:srgbClr val="000000"/>
+                </a:solidFill>
+                <a:prstDash val="sysDot"/>
+                <a:round/>
+                <a:headEnd/>
+                <a:tailEnd/>
+              </a:ln>
+              <a:extLst>
+                <a:ext uri="{909E8E84-426E-40DD-AFC4-6F175D3DCCD1}">
+                  <a14:hiddenFill xmlns:a14="http://schemas.microsoft.com/office/drawing/2010/main">
+                    <a:noFill/>
+                  </a14:hiddenFill>
+                </a:ext>
+              </a:extLst>
+            </p:spPr>
+          </p:cxnSp>
+          <p:cxnSp>
+            <p:nvCxnSpPr>
+              <p:cNvPr id="59" name="AutoShape 13">
+                <a:extLst>
+                  <a:ext uri="{FF2B5EF4-FFF2-40B4-BE49-F238E27FC236}">
+                    <a16:creationId xmlns:a16="http://schemas.microsoft.com/office/drawing/2014/main" id="{CB808BE7-3707-5D91-81ED-E85A77819F86}"/>
+                  </a:ext>
+                </a:extLst>
+              </p:cNvPr>
+              <p:cNvCxnSpPr>
+                <a:cxnSpLocks noChangeShapeType="1"/>
+              </p:cNvCxnSpPr>
+              <p:nvPr/>
+            </p:nvCxnSpPr>
+            <p:spPr bwMode="auto">
+              <a:xfrm rot="5400000">
+                <a:off x="7270" y="5581"/>
+                <a:ext cx="1" cy="2681"/>
+              </a:xfrm>
+              <a:prstGeom prst="straightConnector1">
+                <a:avLst/>
+              </a:prstGeom>
+              <a:noFill/>
+              <a:ln w="12700">
+                <a:solidFill>
+                  <a:srgbClr val="000000"/>
+                </a:solidFill>
+                <a:prstDash val="sysDot"/>
+                <a:round/>
+                <a:headEnd/>
+                <a:tailEnd/>
+              </a:ln>
+              <a:extLst>
+                <a:ext uri="{909E8E84-426E-40DD-AFC4-6F175D3DCCD1}">
+                  <a14:hiddenFill xmlns:a14="http://schemas.microsoft.com/office/drawing/2010/main">
+                    <a:noFill/>
+                  </a14:hiddenFill>
+                </a:ext>
+              </a:extLst>
+            </p:spPr>
+          </p:cxnSp>
+          <p:cxnSp>
+            <p:nvCxnSpPr>
+              <p:cNvPr id="60" name="AutoShape 14">
+                <a:extLst>
+                  <a:ext uri="{FF2B5EF4-FFF2-40B4-BE49-F238E27FC236}">
+                    <a16:creationId xmlns:a16="http://schemas.microsoft.com/office/drawing/2014/main" id="{ADA2B101-2BBA-F8E1-EEFF-B17A6DA1CF74}"/>
+                  </a:ext>
+                </a:extLst>
+              </p:cNvPr>
+              <p:cNvCxnSpPr>
+                <a:cxnSpLocks noChangeShapeType="1"/>
+              </p:cNvCxnSpPr>
+              <p:nvPr/>
+            </p:nvCxnSpPr>
+            <p:spPr bwMode="auto">
+              <a:xfrm rot="5400000">
+                <a:off x="7270" y="8272"/>
+                <a:ext cx="1" cy="2681"/>
+              </a:xfrm>
+              <a:prstGeom prst="straightConnector1">
+                <a:avLst/>
+              </a:prstGeom>
+              <a:noFill/>
+              <a:ln w="12700">
+                <a:solidFill>
+                  <a:srgbClr val="000000"/>
+                </a:solidFill>
+                <a:prstDash val="sysDot"/>
+                <a:round/>
+                <a:headEnd/>
+                <a:tailEnd/>
+              </a:ln>
+              <a:extLst>
+                <a:ext uri="{909E8E84-426E-40DD-AFC4-6F175D3DCCD1}">
+                  <a14:hiddenFill xmlns:a14="http://schemas.microsoft.com/office/drawing/2010/main">
+                    <a:noFill/>
+                  </a14:hiddenFill>
+                </a:ext>
+              </a:extLst>
+            </p:spPr>
+          </p:cxnSp>
+        </p:grpSp>
+        <p:sp>
+          <p:nvSpPr>
+            <p:cNvPr id="10" name="Oval 15">
+              <a:extLst>
+                <a:ext uri="{FF2B5EF4-FFF2-40B4-BE49-F238E27FC236}">
+                  <a16:creationId xmlns:a16="http://schemas.microsoft.com/office/drawing/2014/main" id="{365A8175-50BD-E04C-C584-8B7A6166906B}"/>
+                </a:ext>
+              </a:extLst>
+            </p:cNvPr>
+            <p:cNvSpPr>
+              <a:spLocks noChangeAspect="1" noChangeArrowheads="1"/>
+            </p:cNvSpPr>
+            <p:nvPr/>
+          </p:nvSpPr>
+          <p:spPr bwMode="auto">
+            <a:xfrm>
+              <a:off x="1019175" y="168910"/>
+              <a:ext cx="170815" cy="170180"/>
+            </a:xfrm>
+            <a:prstGeom prst="ellipse">
+              <a:avLst/>
+            </a:prstGeom>
+            <a:solidFill>
+              <a:srgbClr val="FFFFFF"/>
+            </a:solidFill>
+            <a:ln w="12700">
+              <a:solidFill>
+                <a:srgbClr val="000000"/>
+              </a:solidFill>
+              <a:round/>
+              <a:headEnd/>
+              <a:tailEnd/>
+            </a:ln>
+          </p:spPr>
+          <p:txBody>
+            <a:bodyPr rot="0" vert="horz" wrap="square" lIns="91440" tIns="45720" rIns="91440" bIns="45720" anchor="t" anchorCtr="0" upright="1">
+              <a:noAutofit/>
+            </a:bodyPr>
+            <a:lstStyle/>
+            <a:p>
+              <a:endParaRPr lang="uk-UA"/>
+            </a:p>
+          </p:txBody>
+        </p:sp>
+        <p:sp>
+          <p:nvSpPr>
+            <p:cNvPr id="11" name="Rectangle 16">
+              <a:extLst>
+                <a:ext uri="{FF2B5EF4-FFF2-40B4-BE49-F238E27FC236}">
+                  <a16:creationId xmlns:a16="http://schemas.microsoft.com/office/drawing/2014/main" id="{3EC01A1E-309F-1F47-A093-4EF53ABF19E4}"/>
+                </a:ext>
+              </a:extLst>
+            </p:cNvPr>
+            <p:cNvSpPr>
+              <a:spLocks noChangeArrowheads="1"/>
+            </p:cNvSpPr>
+            <p:nvPr/>
+          </p:nvSpPr>
+          <p:spPr bwMode="auto">
+            <a:xfrm rot="15249880">
+              <a:off x="1035050" y="396875"/>
+              <a:ext cx="226695" cy="30480"/>
+            </a:xfrm>
+            <a:prstGeom prst="rect">
+              <a:avLst/>
+            </a:prstGeom>
+            <a:solidFill>
+              <a:srgbClr val="FFFFFF"/>
+            </a:solidFill>
+            <a:ln w="12700">
+              <a:solidFill>
+                <a:srgbClr val="000000"/>
+              </a:solidFill>
+              <a:miter lim="800000"/>
+              <a:headEnd/>
+              <a:tailEnd/>
+            </a:ln>
+          </p:spPr>
+          <p:txBody>
+            <a:bodyPr rot="0" vert="horz" wrap="square" lIns="91440" tIns="45720" rIns="91440" bIns="45720" anchor="t" anchorCtr="0" upright="1">
+              <a:noAutofit/>
+            </a:bodyPr>
+            <a:lstStyle/>
+            <a:p>
+              <a:endParaRPr lang="uk-UA"/>
+            </a:p>
+          </p:txBody>
+        </p:sp>
+        <p:sp>
+          <p:nvSpPr>
+            <p:cNvPr id="12" name="Oval 17">
+              <a:extLst>
+                <a:ext uri="{FF2B5EF4-FFF2-40B4-BE49-F238E27FC236}">
+                  <a16:creationId xmlns:a16="http://schemas.microsoft.com/office/drawing/2014/main" id="{F7BD8568-2140-9F80-1B85-C619A35AD0D5}"/>
+                </a:ext>
+              </a:extLst>
+            </p:cNvPr>
+            <p:cNvSpPr>
+              <a:spLocks noChangeAspect="1" noChangeArrowheads="1"/>
+            </p:cNvSpPr>
+            <p:nvPr/>
+          </p:nvSpPr>
+          <p:spPr bwMode="auto">
+            <a:xfrm>
+              <a:off x="1212850" y="281940"/>
+              <a:ext cx="170815" cy="170180"/>
+            </a:xfrm>
+            <a:prstGeom prst="ellipse">
+              <a:avLst/>
+            </a:prstGeom>
+            <a:solidFill>
+              <a:srgbClr val="FFFFFF"/>
+            </a:solidFill>
+            <a:ln w="12700">
+              <a:solidFill>
+                <a:srgbClr val="000000"/>
+              </a:solidFill>
+              <a:round/>
+              <a:headEnd/>
+              <a:tailEnd/>
+            </a:ln>
+          </p:spPr>
+          <p:txBody>
+            <a:bodyPr rot="0" vert="horz" wrap="square" lIns="91440" tIns="45720" rIns="91440" bIns="45720" anchor="t" anchorCtr="0" upright="1">
+              <a:noAutofit/>
+            </a:bodyPr>
+            <a:lstStyle/>
+            <a:p>
+              <a:endParaRPr lang="uk-UA"/>
+            </a:p>
+          </p:txBody>
+        </p:sp>
+        <p:sp>
+          <p:nvSpPr>
+            <p:cNvPr id="13" name="Rectangle 18">
+              <a:extLst>
+                <a:ext uri="{FF2B5EF4-FFF2-40B4-BE49-F238E27FC236}">
+                  <a16:creationId xmlns:a16="http://schemas.microsoft.com/office/drawing/2014/main" id="{3E0B462E-648F-B4F9-8003-33FB351DF1CF}"/>
+                </a:ext>
+              </a:extLst>
+            </p:cNvPr>
+            <p:cNvSpPr>
+              <a:spLocks noChangeArrowheads="1"/>
+            </p:cNvSpPr>
+            <p:nvPr/>
+          </p:nvSpPr>
+          <p:spPr bwMode="auto">
+            <a:xfrm rot="15154120">
+              <a:off x="1250950" y="504825"/>
+              <a:ext cx="191135" cy="30480"/>
+            </a:xfrm>
+            <a:prstGeom prst="rect">
+              <a:avLst/>
+            </a:prstGeom>
+            <a:solidFill>
+              <a:srgbClr val="FFFFFF"/>
+            </a:solidFill>
+            <a:ln w="12700">
+              <a:solidFill>
+                <a:srgbClr val="000000"/>
+              </a:solidFill>
+              <a:miter lim="800000"/>
+              <a:headEnd/>
+              <a:tailEnd/>
+            </a:ln>
+          </p:spPr>
+          <p:txBody>
+            <a:bodyPr rot="0" vert="horz" wrap="square" lIns="91440" tIns="45720" rIns="91440" bIns="45720" anchor="t" anchorCtr="0" upright="1">
+              <a:noAutofit/>
+            </a:bodyPr>
+            <a:lstStyle/>
+            <a:p>
+              <a:endParaRPr lang="uk-UA"/>
+            </a:p>
+          </p:txBody>
+        </p:sp>
+        <p:sp>
+          <p:nvSpPr>
+            <p:cNvPr id="14" name="Rectangle 19">
+              <a:extLst>
+                <a:ext uri="{FF2B5EF4-FFF2-40B4-BE49-F238E27FC236}">
+                  <a16:creationId xmlns:a16="http://schemas.microsoft.com/office/drawing/2014/main" id="{2F68FD0C-6B1C-69B3-3B61-BDA1B92B87FD}"/>
+                </a:ext>
+              </a:extLst>
+            </p:cNvPr>
+            <p:cNvSpPr>
+              <a:spLocks noChangeArrowheads="1"/>
+            </p:cNvSpPr>
+            <p:nvPr/>
+          </p:nvSpPr>
+          <p:spPr bwMode="auto">
+            <a:xfrm rot="1513175">
+              <a:off x="1249680" y="692785"/>
+              <a:ext cx="392430" cy="30480"/>
+            </a:xfrm>
+            <a:prstGeom prst="rect">
+              <a:avLst/>
+            </a:prstGeom>
+            <a:solidFill>
+              <a:srgbClr val="FFFFFF"/>
+            </a:solidFill>
+            <a:ln w="12700">
+              <a:solidFill>
+                <a:srgbClr val="000000"/>
+              </a:solidFill>
+              <a:miter lim="800000"/>
+              <a:headEnd/>
+              <a:tailEnd/>
+            </a:ln>
+          </p:spPr>
+          <p:txBody>
+            <a:bodyPr rot="0" vert="horz" wrap="square" lIns="91440" tIns="45720" rIns="91440" bIns="45720" anchor="t" anchorCtr="0" upright="1">
+              <a:noAutofit/>
+            </a:bodyPr>
+            <a:lstStyle/>
+            <a:p>
+              <a:endParaRPr lang="uk-UA"/>
+            </a:p>
+          </p:txBody>
+        </p:sp>
+        <p:cxnSp>
+          <p:nvCxnSpPr>
+            <p:cNvPr id="15" name="AutoShape 20">
+              <a:extLst>
+                <a:ext uri="{FF2B5EF4-FFF2-40B4-BE49-F238E27FC236}">
+                  <a16:creationId xmlns:a16="http://schemas.microsoft.com/office/drawing/2014/main" id="{FBBFD54A-CB4D-3FF7-23CC-5395F83B5A3A}"/>
+                </a:ext>
+              </a:extLst>
+            </p:cNvPr>
+            <p:cNvCxnSpPr>
+              <a:cxnSpLocks noChangeShapeType="1"/>
+            </p:cNvCxnSpPr>
+            <p:nvPr/>
+          </p:nvCxnSpPr>
+          <p:spPr bwMode="auto">
+            <a:xfrm flipV="1">
+              <a:off x="1499235" y="254635"/>
+              <a:ext cx="755015" cy="231140"/>
+            </a:xfrm>
+            <a:prstGeom prst="straightConnector1">
+              <a:avLst/>
+            </a:prstGeom>
+            <a:noFill/>
+            <a:ln w="12700">
+              <a:solidFill>
+                <a:srgbClr val="000000"/>
+              </a:solidFill>
+              <a:prstDash val="sysDot"/>
+              <a:round/>
+              <a:headEnd/>
+              <a:tailEnd/>
+            </a:ln>
+            <a:extLst>
+              <a:ext uri="{909E8E84-426E-40DD-AFC4-6F175D3DCCD1}">
+                <a14:hiddenFill xmlns:a14="http://schemas.microsoft.com/office/drawing/2010/main">
+                  <a:noFill/>
+                </a14:hiddenFill>
+              </a:ext>
+            </a:extLst>
+          </p:spPr>
+        </p:cxnSp>
+        <p:cxnSp>
+          <p:nvCxnSpPr>
+            <p:cNvPr id="16" name="AutoShape 21">
+              <a:extLst>
+                <a:ext uri="{FF2B5EF4-FFF2-40B4-BE49-F238E27FC236}">
+                  <a16:creationId xmlns:a16="http://schemas.microsoft.com/office/drawing/2014/main" id="{BDC1F65D-B7C9-C476-4393-FEE495EE2E40}"/>
+                </a:ext>
+              </a:extLst>
+            </p:cNvPr>
+            <p:cNvCxnSpPr>
+              <a:cxnSpLocks noChangeShapeType="1"/>
+            </p:cNvCxnSpPr>
+            <p:nvPr/>
+          </p:nvCxnSpPr>
+          <p:spPr bwMode="auto">
+            <a:xfrm flipV="1">
+              <a:off x="1499235" y="1409065"/>
+              <a:ext cx="758190" cy="228600"/>
+            </a:xfrm>
+            <a:prstGeom prst="straightConnector1">
+              <a:avLst/>
+            </a:prstGeom>
+            <a:noFill/>
+            <a:ln w="12700">
+              <a:solidFill>
+                <a:srgbClr val="000000"/>
+              </a:solidFill>
+              <a:prstDash val="sysDot"/>
+              <a:round/>
+              <a:headEnd/>
+              <a:tailEnd/>
+            </a:ln>
+            <a:extLst>
+              <a:ext uri="{909E8E84-426E-40DD-AFC4-6F175D3DCCD1}">
+                <a14:hiddenFill xmlns:a14="http://schemas.microsoft.com/office/drawing/2010/main">
+                  <a:noFill/>
+                </a14:hiddenFill>
+              </a:ext>
+            </a:extLst>
+          </p:spPr>
+        </p:cxnSp>
+        <p:cxnSp>
+          <p:nvCxnSpPr>
+            <p:cNvPr id="17" name="AutoShape 22">
+              <a:extLst>
+                <a:ext uri="{FF2B5EF4-FFF2-40B4-BE49-F238E27FC236}">
+                  <a16:creationId xmlns:a16="http://schemas.microsoft.com/office/drawing/2014/main" id="{FC4B4A5E-693E-D2E8-39F3-782DB73776EA}"/>
+                </a:ext>
+              </a:extLst>
+            </p:cNvPr>
+            <p:cNvCxnSpPr>
+              <a:cxnSpLocks noChangeShapeType="1"/>
+            </p:cNvCxnSpPr>
+            <p:nvPr/>
+          </p:nvCxnSpPr>
+          <p:spPr bwMode="auto">
+            <a:xfrm flipV="1">
+              <a:off x="347345" y="1405255"/>
+              <a:ext cx="758190" cy="231775"/>
+            </a:xfrm>
+            <a:prstGeom prst="straightConnector1">
+              <a:avLst/>
+            </a:prstGeom>
+            <a:noFill/>
+            <a:ln w="12700">
+              <a:solidFill>
+                <a:srgbClr val="000000"/>
+              </a:solidFill>
+              <a:prstDash val="sysDot"/>
+              <a:round/>
+              <a:headEnd/>
+              <a:tailEnd/>
+            </a:ln>
+            <a:extLst>
+              <a:ext uri="{909E8E84-426E-40DD-AFC4-6F175D3DCCD1}">
+                <a14:hiddenFill xmlns:a14="http://schemas.microsoft.com/office/drawing/2010/main">
+                  <a:noFill/>
+                </a14:hiddenFill>
+              </a:ext>
+            </a:extLst>
+          </p:spPr>
+        </p:cxnSp>
+        <p:sp>
+          <p:nvSpPr>
+            <p:cNvPr id="18" name="Oval 23">
+              <a:extLst>
+                <a:ext uri="{FF2B5EF4-FFF2-40B4-BE49-F238E27FC236}">
+                  <a16:creationId xmlns:a16="http://schemas.microsoft.com/office/drawing/2014/main" id="{1700FC7C-62A0-F0F5-FFAC-5A54A1ACB079}"/>
+                </a:ext>
+              </a:extLst>
+            </p:cNvPr>
+            <p:cNvSpPr>
+              <a:spLocks noChangeAspect="1" noChangeArrowheads="1"/>
+            </p:cNvSpPr>
+            <p:nvPr/>
+          </p:nvSpPr>
+          <p:spPr bwMode="auto">
+            <a:xfrm>
+              <a:off x="1020445" y="1320165"/>
+              <a:ext cx="170815" cy="170180"/>
+            </a:xfrm>
+            <a:prstGeom prst="ellipse">
+              <a:avLst/>
+            </a:prstGeom>
+            <a:solidFill>
+              <a:srgbClr val="FFFFFF"/>
+            </a:solidFill>
+            <a:ln w="12700">
+              <a:solidFill>
+                <a:srgbClr val="000000"/>
+              </a:solidFill>
+              <a:round/>
+              <a:headEnd/>
+              <a:tailEnd/>
+            </a:ln>
+          </p:spPr>
+          <p:txBody>
+            <a:bodyPr rot="0" vert="horz" wrap="square" lIns="91440" tIns="45720" rIns="91440" bIns="45720" anchor="t" anchorCtr="0" upright="1">
+              <a:noAutofit/>
+            </a:bodyPr>
+            <a:lstStyle/>
+            <a:p>
+              <a:endParaRPr lang="uk-UA"/>
+            </a:p>
+          </p:txBody>
+        </p:sp>
+        <p:grpSp>
+          <p:nvGrpSpPr>
+            <p:cNvPr id="19" name="Group 24">
+              <a:extLst>
+                <a:ext uri="{FF2B5EF4-FFF2-40B4-BE49-F238E27FC236}">
+                  <a16:creationId xmlns:a16="http://schemas.microsoft.com/office/drawing/2014/main" id="{CB337E91-BE5E-6EE8-C489-3BFAF9EA757B}"/>
+                </a:ext>
+              </a:extLst>
+            </p:cNvPr>
+            <p:cNvGrpSpPr>
+              <a:grpSpLocks/>
+            </p:cNvGrpSpPr>
+            <p:nvPr/>
+          </p:nvGrpSpPr>
+          <p:grpSpPr bwMode="auto">
+            <a:xfrm>
+              <a:off x="921385" y="698500"/>
+              <a:ext cx="487045" cy="360680"/>
+              <a:chOff x="7508" y="10254"/>
+              <a:chExt cx="1132" cy="841"/>
+            </a:xfrm>
+          </p:grpSpPr>
+          <p:cxnSp>
+            <p:nvCxnSpPr>
+              <p:cNvPr id="55" name="AutoShape 25">
+                <a:extLst>
+                  <a:ext uri="{FF2B5EF4-FFF2-40B4-BE49-F238E27FC236}">
+                    <a16:creationId xmlns:a16="http://schemas.microsoft.com/office/drawing/2014/main" id="{DD29EC60-811F-A372-E3DB-6A2284D39DE3}"/>
+                  </a:ext>
+                </a:extLst>
+              </p:cNvPr>
+              <p:cNvCxnSpPr>
+                <a:cxnSpLocks noChangeShapeType="1"/>
+              </p:cNvCxnSpPr>
+              <p:nvPr/>
+            </p:nvCxnSpPr>
+            <p:spPr bwMode="auto">
+              <a:xfrm flipH="1">
+                <a:off x="7508" y="10254"/>
+                <a:ext cx="1102" cy="810"/>
+              </a:xfrm>
+              <a:prstGeom prst="straightConnector1">
+                <a:avLst/>
+              </a:prstGeom>
+              <a:noFill/>
+              <a:ln w="12700">
+                <a:solidFill>
+                  <a:srgbClr val="000000"/>
+                </a:solidFill>
+                <a:round/>
+                <a:headEnd/>
+                <a:tailEnd/>
+              </a:ln>
+              <a:extLst>
+                <a:ext uri="{909E8E84-426E-40DD-AFC4-6F175D3DCCD1}">
+                  <a14:hiddenFill xmlns:a14="http://schemas.microsoft.com/office/drawing/2010/main">
+                    <a:noFill/>
+                  </a14:hiddenFill>
+                </a:ext>
+              </a:extLst>
+            </p:spPr>
+          </p:cxnSp>
+          <p:cxnSp>
+            <p:nvCxnSpPr>
+              <p:cNvPr id="56" name="AutoShape 26">
+                <a:extLst>
+                  <a:ext uri="{FF2B5EF4-FFF2-40B4-BE49-F238E27FC236}">
+                    <a16:creationId xmlns:a16="http://schemas.microsoft.com/office/drawing/2014/main" id="{3DD70D8B-2F1F-E5C0-28B6-FE949717B9B0}"/>
+                  </a:ext>
+                </a:extLst>
+              </p:cNvPr>
+              <p:cNvCxnSpPr>
+                <a:cxnSpLocks noChangeShapeType="1"/>
+              </p:cNvCxnSpPr>
+              <p:nvPr/>
+            </p:nvCxnSpPr>
+            <p:spPr bwMode="auto">
+              <a:xfrm flipH="1">
+                <a:off x="7538" y="10285"/>
+                <a:ext cx="1102" cy="810"/>
+              </a:xfrm>
+              <a:prstGeom prst="straightConnector1">
+                <a:avLst/>
+              </a:prstGeom>
+              <a:noFill/>
+              <a:ln w="12700">
+                <a:solidFill>
+                  <a:srgbClr val="000000"/>
+                </a:solidFill>
+                <a:round/>
+                <a:headEnd/>
+                <a:tailEnd/>
+              </a:ln>
+              <a:extLst>
+                <a:ext uri="{909E8E84-426E-40DD-AFC4-6F175D3DCCD1}">
+                  <a14:hiddenFill xmlns:a14="http://schemas.microsoft.com/office/drawing/2010/main">
+                    <a:noFill/>
+                  </a14:hiddenFill>
+                </a:ext>
+              </a:extLst>
+            </p:spPr>
+          </p:cxnSp>
+        </p:grpSp>
+        <p:grpSp>
+          <p:nvGrpSpPr>
+            <p:cNvPr id="20" name="Group 27">
+              <a:extLst>
+                <a:ext uri="{FF2B5EF4-FFF2-40B4-BE49-F238E27FC236}">
+                  <a16:creationId xmlns:a16="http://schemas.microsoft.com/office/drawing/2014/main" id="{2F644AFA-40F2-411A-0329-70DA979E7C8F}"/>
+                </a:ext>
+              </a:extLst>
+            </p:cNvPr>
+            <p:cNvGrpSpPr>
+              <a:grpSpLocks/>
+            </p:cNvGrpSpPr>
+            <p:nvPr/>
+          </p:nvGrpSpPr>
+          <p:grpSpPr bwMode="auto">
+            <a:xfrm>
+              <a:off x="1395730" y="698500"/>
+              <a:ext cx="487680" cy="253365"/>
+              <a:chOff x="7200" y="10598"/>
+              <a:chExt cx="1133" cy="592"/>
+            </a:xfrm>
+          </p:grpSpPr>
+          <p:cxnSp>
+            <p:nvCxnSpPr>
+              <p:cNvPr id="53" name="AutoShape 28">
+                <a:extLst>
+                  <a:ext uri="{FF2B5EF4-FFF2-40B4-BE49-F238E27FC236}">
+                    <a16:creationId xmlns:a16="http://schemas.microsoft.com/office/drawing/2014/main" id="{B95F5AFB-5936-C675-0FFD-048E2C17085B}"/>
+                  </a:ext>
+                </a:extLst>
+              </p:cNvPr>
+              <p:cNvCxnSpPr>
+                <a:cxnSpLocks noChangeShapeType="1"/>
+              </p:cNvCxnSpPr>
+              <p:nvPr/>
+            </p:nvCxnSpPr>
+            <p:spPr bwMode="auto">
+              <a:xfrm>
+                <a:off x="7231" y="10598"/>
+                <a:ext cx="1102" cy="547"/>
+              </a:xfrm>
+              <a:prstGeom prst="straightConnector1">
+                <a:avLst/>
+              </a:prstGeom>
+              <a:noFill/>
+              <a:ln w="12700">
+                <a:solidFill>
+                  <a:srgbClr val="000000"/>
+                </a:solidFill>
+                <a:round/>
+                <a:headEnd/>
+                <a:tailEnd/>
+              </a:ln>
+              <a:extLst>
+                <a:ext uri="{909E8E84-426E-40DD-AFC4-6F175D3DCCD1}">
+                  <a14:hiddenFill xmlns:a14="http://schemas.microsoft.com/office/drawing/2010/main">
+                    <a:noFill/>
+                  </a14:hiddenFill>
+                </a:ext>
+              </a:extLst>
+            </p:spPr>
+          </p:cxnSp>
+          <p:cxnSp>
+            <p:nvCxnSpPr>
+              <p:cNvPr id="54" name="AutoShape 29">
+                <a:extLst>
+                  <a:ext uri="{FF2B5EF4-FFF2-40B4-BE49-F238E27FC236}">
+                    <a16:creationId xmlns:a16="http://schemas.microsoft.com/office/drawing/2014/main" id="{4F2C4969-9353-F0D8-17A6-B1E13FF155C1}"/>
+                  </a:ext>
+                </a:extLst>
+              </p:cNvPr>
+              <p:cNvCxnSpPr>
+                <a:cxnSpLocks noChangeShapeType="1"/>
+              </p:cNvCxnSpPr>
+              <p:nvPr/>
+            </p:nvCxnSpPr>
+            <p:spPr bwMode="auto">
+              <a:xfrm>
+                <a:off x="7200" y="10643"/>
+                <a:ext cx="1102" cy="547"/>
+              </a:xfrm>
+              <a:prstGeom prst="straightConnector1">
+                <a:avLst/>
+              </a:prstGeom>
+              <a:noFill/>
+              <a:ln w="12700">
+                <a:solidFill>
+                  <a:srgbClr val="000000"/>
+                </a:solidFill>
+                <a:round/>
+                <a:headEnd/>
+                <a:tailEnd/>
+              </a:ln>
+              <a:extLst>
+                <a:ext uri="{909E8E84-426E-40DD-AFC4-6F175D3DCCD1}">
+                  <a14:hiddenFill xmlns:a14="http://schemas.microsoft.com/office/drawing/2010/main">
+                    <a:noFill/>
+                  </a14:hiddenFill>
+                </a:ext>
+              </a:extLst>
+            </p:spPr>
+          </p:cxnSp>
+        </p:grpSp>
+        <p:sp>
+          <p:nvSpPr>
+            <p:cNvPr id="21" name="Oval 30">
+              <a:extLst>
+                <a:ext uri="{FF2B5EF4-FFF2-40B4-BE49-F238E27FC236}">
+                  <a16:creationId xmlns:a16="http://schemas.microsoft.com/office/drawing/2014/main" id="{11F18CE0-81A7-EA25-630C-205171A9D7FC}"/>
+                </a:ext>
+              </a:extLst>
+            </p:cNvPr>
+            <p:cNvSpPr>
+              <a:spLocks noChangeAspect="1" noChangeArrowheads="1"/>
+            </p:cNvSpPr>
+            <p:nvPr/>
+          </p:nvSpPr>
+          <p:spPr bwMode="auto">
+            <a:xfrm>
+              <a:off x="1119505" y="517525"/>
+              <a:ext cx="170815" cy="170180"/>
+            </a:xfrm>
+            <a:prstGeom prst="ellipse">
+              <a:avLst/>
+            </a:prstGeom>
+            <a:solidFill>
+              <a:srgbClr val="FFFFFF"/>
+            </a:solidFill>
+            <a:ln w="12700">
+              <a:solidFill>
+                <a:srgbClr val="000000"/>
+              </a:solidFill>
+              <a:round/>
+              <a:headEnd/>
+              <a:tailEnd/>
+            </a:ln>
+          </p:spPr>
+          <p:txBody>
+            <a:bodyPr rot="0" vert="horz" wrap="square" lIns="91440" tIns="45720" rIns="91440" bIns="45720" anchor="t" anchorCtr="0" upright="1">
+              <a:noAutofit/>
+            </a:bodyPr>
+            <a:lstStyle/>
+            <a:p>
+              <a:endParaRPr lang="uk-UA"/>
+            </a:p>
+          </p:txBody>
+        </p:sp>
+        <p:sp>
+          <p:nvSpPr>
+            <p:cNvPr id="22" name="Oval 31">
+              <a:extLst>
+                <a:ext uri="{FF2B5EF4-FFF2-40B4-BE49-F238E27FC236}">
+                  <a16:creationId xmlns:a16="http://schemas.microsoft.com/office/drawing/2014/main" id="{00866CFB-9546-D2D0-67A5-012EEB55CC20}"/>
+                </a:ext>
+              </a:extLst>
+            </p:cNvPr>
+            <p:cNvSpPr>
+              <a:spLocks noChangeAspect="1" noChangeArrowheads="1"/>
+            </p:cNvSpPr>
+            <p:nvPr/>
+          </p:nvSpPr>
+          <p:spPr bwMode="auto">
+            <a:xfrm>
+              <a:off x="1311275" y="608330"/>
+              <a:ext cx="170815" cy="170180"/>
+            </a:xfrm>
+            <a:prstGeom prst="ellipse">
+              <a:avLst/>
+            </a:prstGeom>
+            <a:solidFill>
+              <a:srgbClr val="FFFFFF"/>
+            </a:solidFill>
+            <a:ln w="12700">
+              <a:solidFill>
+                <a:srgbClr val="000000"/>
+              </a:solidFill>
+              <a:round/>
+              <a:headEnd/>
+              <a:tailEnd/>
+            </a:ln>
+          </p:spPr>
+          <p:txBody>
+            <a:bodyPr rot="0" vert="horz" wrap="square" lIns="91440" tIns="45720" rIns="91440" bIns="45720" anchor="t" anchorCtr="0" upright="1">
+              <a:noAutofit/>
+            </a:bodyPr>
+            <a:lstStyle/>
+            <a:p>
+              <a:endParaRPr lang="uk-UA"/>
+            </a:p>
+          </p:txBody>
+        </p:sp>
+        <p:sp>
+          <p:nvSpPr>
+            <p:cNvPr id="23" name="Oval 32">
+              <a:extLst>
+                <a:ext uri="{FF2B5EF4-FFF2-40B4-BE49-F238E27FC236}">
+                  <a16:creationId xmlns:a16="http://schemas.microsoft.com/office/drawing/2014/main" id="{5AC597B2-2B47-A0BC-77E9-3FB195B83C01}"/>
+                </a:ext>
+              </a:extLst>
+            </p:cNvPr>
+            <p:cNvSpPr>
+              <a:spLocks noChangeAspect="1" noChangeArrowheads="1"/>
+            </p:cNvSpPr>
+            <p:nvPr/>
+          </p:nvSpPr>
+          <p:spPr bwMode="auto">
+            <a:xfrm>
+              <a:off x="681990" y="803910"/>
+              <a:ext cx="170815" cy="170180"/>
+            </a:xfrm>
+            <a:prstGeom prst="ellipse">
+              <a:avLst/>
+            </a:prstGeom>
+            <a:solidFill>
+              <a:srgbClr val="FFFFFF"/>
+            </a:solidFill>
+            <a:ln w="12700">
+              <a:solidFill>
+                <a:srgbClr val="000000"/>
+              </a:solidFill>
+              <a:round/>
+              <a:headEnd/>
+              <a:tailEnd/>
+            </a:ln>
+          </p:spPr>
+          <p:txBody>
+            <a:bodyPr rot="0" vert="horz" wrap="square" lIns="91440" tIns="45720" rIns="91440" bIns="45720" anchor="t" anchorCtr="0" upright="1">
+              <a:noAutofit/>
+            </a:bodyPr>
+            <a:lstStyle/>
+            <a:p>
+              <a:endParaRPr lang="uk-UA"/>
+            </a:p>
+          </p:txBody>
+        </p:sp>
+        <p:cxnSp>
+          <p:nvCxnSpPr>
+            <p:cNvPr id="24" name="AutoShape 33">
+              <a:extLst>
+                <a:ext uri="{FF2B5EF4-FFF2-40B4-BE49-F238E27FC236}">
+                  <a16:creationId xmlns:a16="http://schemas.microsoft.com/office/drawing/2014/main" id="{8699DD72-6FD8-05A6-72B5-02A87F335B4C}"/>
+                </a:ext>
+              </a:extLst>
+            </p:cNvPr>
+            <p:cNvCxnSpPr>
+              <a:cxnSpLocks noChangeShapeType="1"/>
+            </p:cNvCxnSpPr>
+            <p:nvPr/>
+          </p:nvCxnSpPr>
+          <p:spPr bwMode="auto">
+            <a:xfrm>
+              <a:off x="1024255" y="1753870"/>
+              <a:ext cx="0" cy="635"/>
+            </a:xfrm>
+            <a:prstGeom prst="straightConnector1">
+              <a:avLst/>
+            </a:prstGeom>
+            <a:noFill/>
+            <a:ln w="9525">
+              <a:solidFill>
+                <a:srgbClr val="000000"/>
+              </a:solidFill>
+              <a:round/>
+              <a:headEnd/>
+              <a:tailEnd/>
+            </a:ln>
+            <a:extLst>
+              <a:ext uri="{909E8E84-426E-40DD-AFC4-6F175D3DCCD1}">
+                <a14:hiddenFill xmlns:a14="http://schemas.microsoft.com/office/drawing/2010/main">
+                  <a:noFill/>
+                </a14:hiddenFill>
+              </a:ext>
+            </a:extLst>
+          </p:spPr>
+        </p:cxnSp>
+        <p:sp>
+          <p:nvSpPr>
+            <p:cNvPr id="25" name="Oval 34">
+              <a:extLst>
+                <a:ext uri="{FF2B5EF4-FFF2-40B4-BE49-F238E27FC236}">
+                  <a16:creationId xmlns:a16="http://schemas.microsoft.com/office/drawing/2014/main" id="{1217A1A3-D6B4-0462-5151-C5F3AD3AC484}"/>
+                </a:ext>
+              </a:extLst>
+            </p:cNvPr>
+            <p:cNvSpPr>
+              <a:spLocks noChangeAspect="1" noChangeArrowheads="1"/>
+            </p:cNvSpPr>
+            <p:nvPr/>
+          </p:nvSpPr>
+          <p:spPr bwMode="auto">
+            <a:xfrm>
+              <a:off x="2169160" y="165735"/>
+              <a:ext cx="170815" cy="170180"/>
+            </a:xfrm>
+            <a:prstGeom prst="ellipse">
+              <a:avLst/>
+            </a:prstGeom>
+            <a:solidFill>
+              <a:srgbClr val="FFFFFF"/>
+            </a:solidFill>
+            <a:ln w="12700">
+              <a:solidFill>
+                <a:srgbClr val="000000"/>
+              </a:solidFill>
+              <a:round/>
+              <a:headEnd/>
+              <a:tailEnd/>
+            </a:ln>
+          </p:spPr>
+          <p:txBody>
+            <a:bodyPr rot="0" vert="horz" wrap="square" lIns="91440" tIns="45720" rIns="91440" bIns="45720" anchor="t" anchorCtr="0" upright="1">
+              <a:noAutofit/>
+            </a:bodyPr>
+            <a:lstStyle/>
+            <a:p>
+              <a:endParaRPr lang="uk-UA"/>
+            </a:p>
+          </p:txBody>
+        </p:sp>
+        <p:sp>
+          <p:nvSpPr>
+            <p:cNvPr id="26" name="Rectangle 35">
+              <a:extLst>
+                <a:ext uri="{FF2B5EF4-FFF2-40B4-BE49-F238E27FC236}">
+                  <a16:creationId xmlns:a16="http://schemas.microsoft.com/office/drawing/2014/main" id="{B1592E94-D291-BC2E-49BC-ED3E99EE759A}"/>
+                </a:ext>
+              </a:extLst>
+            </p:cNvPr>
+            <p:cNvSpPr>
+              <a:spLocks noChangeArrowheads="1"/>
+            </p:cNvSpPr>
+            <p:nvPr/>
+          </p:nvSpPr>
+          <p:spPr bwMode="auto">
+            <a:xfrm rot="19410855">
+              <a:off x="922020" y="860425"/>
+              <a:ext cx="473075" cy="30480"/>
+            </a:xfrm>
+            <a:prstGeom prst="rect">
+              <a:avLst/>
+            </a:prstGeom>
+            <a:solidFill>
+              <a:srgbClr val="FFFFFF"/>
+            </a:solidFill>
+            <a:ln w="12700">
+              <a:solidFill>
+                <a:srgbClr val="000000"/>
+              </a:solidFill>
+              <a:miter lim="800000"/>
+              <a:headEnd/>
+              <a:tailEnd/>
+            </a:ln>
+          </p:spPr>
+          <p:txBody>
+            <a:bodyPr rot="0" vert="horz" wrap="square" lIns="91440" tIns="45720" rIns="91440" bIns="45720" anchor="t" anchorCtr="0" upright="1">
+              <a:noAutofit/>
+            </a:bodyPr>
+            <a:lstStyle/>
+            <a:p>
+              <a:endParaRPr lang="uk-UA"/>
+            </a:p>
+          </p:txBody>
+        </p:sp>
+        <p:sp>
+          <p:nvSpPr>
+            <p:cNvPr id="27" name="Rectangle 36">
+              <a:extLst>
+                <a:ext uri="{FF2B5EF4-FFF2-40B4-BE49-F238E27FC236}">
+                  <a16:creationId xmlns:a16="http://schemas.microsoft.com/office/drawing/2014/main" id="{F6676844-D898-520E-D1D8-93E9B22D9D9E}"/>
+                </a:ext>
+              </a:extLst>
+            </p:cNvPr>
+            <p:cNvSpPr>
+              <a:spLocks noChangeArrowheads="1"/>
+            </p:cNvSpPr>
+            <p:nvPr/>
+          </p:nvSpPr>
+          <p:spPr bwMode="auto">
+            <a:xfrm rot="19599467">
+              <a:off x="788035" y="725805"/>
+              <a:ext cx="397510" cy="30480"/>
+            </a:xfrm>
+            <a:prstGeom prst="rect">
+              <a:avLst/>
+            </a:prstGeom>
+            <a:solidFill>
+              <a:srgbClr val="FFFFFF"/>
+            </a:solidFill>
+            <a:ln w="12700">
+              <a:solidFill>
+                <a:srgbClr val="000000"/>
+              </a:solidFill>
+              <a:miter lim="800000"/>
+              <a:headEnd/>
+              <a:tailEnd/>
+            </a:ln>
+          </p:spPr>
+          <p:txBody>
+            <a:bodyPr rot="0" vert="horz" wrap="square" lIns="91440" tIns="45720" rIns="91440" bIns="45720" anchor="t" anchorCtr="0" upright="1">
+              <a:noAutofit/>
+            </a:bodyPr>
+            <a:lstStyle/>
+            <a:p>
+              <a:endParaRPr lang="uk-UA"/>
+            </a:p>
+          </p:txBody>
+        </p:sp>
+        <p:sp>
+          <p:nvSpPr>
+            <p:cNvPr id="28" name="Rectangle 37">
+              <a:extLst>
+                <a:ext uri="{FF2B5EF4-FFF2-40B4-BE49-F238E27FC236}">
+                  <a16:creationId xmlns:a16="http://schemas.microsoft.com/office/drawing/2014/main" id="{65AED881-D0FA-FFDF-F026-CE8ED329AD00}"/>
+                </a:ext>
+              </a:extLst>
+            </p:cNvPr>
+            <p:cNvSpPr>
+              <a:spLocks noChangeArrowheads="1"/>
+            </p:cNvSpPr>
+            <p:nvPr/>
+          </p:nvSpPr>
+          <p:spPr bwMode="auto">
+            <a:xfrm rot="1608644">
+              <a:off x="890270" y="1397000"/>
+              <a:ext cx="392430" cy="30480"/>
+            </a:xfrm>
+            <a:prstGeom prst="rect">
+              <a:avLst/>
+            </a:prstGeom>
+            <a:solidFill>
+              <a:srgbClr val="FFFFFF"/>
+            </a:solidFill>
+            <a:ln w="12700">
+              <a:solidFill>
+                <a:srgbClr val="000000"/>
+              </a:solidFill>
+              <a:miter lim="800000"/>
+              <a:headEnd/>
+              <a:tailEnd/>
+            </a:ln>
+          </p:spPr>
+          <p:txBody>
+            <a:bodyPr rot="0" vert="horz" wrap="square" lIns="91440" tIns="45720" rIns="91440" bIns="45720" anchor="t" anchorCtr="0" upright="1">
+              <a:noAutofit/>
+            </a:bodyPr>
+            <a:lstStyle/>
+            <a:p>
+              <a:endParaRPr lang="uk-UA"/>
+            </a:p>
+          </p:txBody>
+        </p:sp>
+        <p:sp>
+          <p:nvSpPr>
+            <p:cNvPr id="29" name="Oval 38">
+              <a:extLst>
+                <a:ext uri="{FF2B5EF4-FFF2-40B4-BE49-F238E27FC236}">
+                  <a16:creationId xmlns:a16="http://schemas.microsoft.com/office/drawing/2014/main" id="{810A5834-63A3-837D-ECCA-0768BCB9809F}"/>
+                </a:ext>
+              </a:extLst>
+            </p:cNvPr>
+            <p:cNvSpPr>
+              <a:spLocks noChangeAspect="1" noChangeArrowheads="1"/>
+            </p:cNvSpPr>
+            <p:nvPr/>
+          </p:nvSpPr>
+          <p:spPr bwMode="auto">
+            <a:xfrm>
+              <a:off x="753110" y="1194435"/>
+              <a:ext cx="170815" cy="170180"/>
+            </a:xfrm>
+            <a:prstGeom prst="ellipse">
+              <a:avLst/>
+            </a:prstGeom>
+            <a:solidFill>
+              <a:schemeClr val="bg1"/>
+            </a:solidFill>
+            <a:ln w="12700">
+              <a:solidFill>
+                <a:srgbClr val="000000"/>
+              </a:solidFill>
+              <a:round/>
+              <a:headEnd/>
+              <a:tailEnd/>
+            </a:ln>
+          </p:spPr>
+          <p:txBody>
+            <a:bodyPr rot="0" vert="horz" wrap="square" lIns="91440" tIns="45720" rIns="91440" bIns="45720" anchor="t" anchorCtr="0" upright="1">
+              <a:noAutofit/>
+            </a:bodyPr>
+            <a:lstStyle/>
+            <a:p>
+              <a:endParaRPr lang="uk-UA"/>
+            </a:p>
+          </p:txBody>
+        </p:sp>
+        <p:sp>
+          <p:nvSpPr>
+            <p:cNvPr id="30" name="Rectangle 39">
+              <a:extLst>
+                <a:ext uri="{FF2B5EF4-FFF2-40B4-BE49-F238E27FC236}">
+                  <a16:creationId xmlns:a16="http://schemas.microsoft.com/office/drawing/2014/main" id="{059115D2-B529-9013-02E9-9C2B11A288BC}"/>
+                </a:ext>
+              </a:extLst>
+            </p:cNvPr>
+            <p:cNvSpPr>
+              <a:spLocks noChangeArrowheads="1"/>
+            </p:cNvSpPr>
+            <p:nvPr/>
+          </p:nvSpPr>
+          <p:spPr bwMode="auto">
+            <a:xfrm rot="19410855">
+              <a:off x="354330" y="1443990"/>
+              <a:ext cx="473075" cy="30480"/>
+            </a:xfrm>
+            <a:prstGeom prst="rect">
+              <a:avLst/>
+            </a:prstGeom>
+            <a:solidFill>
+              <a:srgbClr val="FFFFFF"/>
+            </a:solidFill>
+            <a:ln w="12700">
+              <a:solidFill>
+                <a:srgbClr val="000000"/>
+              </a:solidFill>
+              <a:miter lim="800000"/>
+              <a:headEnd/>
+              <a:tailEnd/>
+            </a:ln>
+          </p:spPr>
+          <p:txBody>
+            <a:bodyPr rot="0" vert="horz" wrap="square" lIns="91440" tIns="45720" rIns="91440" bIns="45720" anchor="t" anchorCtr="0" upright="1">
+              <a:noAutofit/>
+            </a:bodyPr>
+            <a:lstStyle/>
+            <a:p>
+              <a:endParaRPr lang="uk-UA"/>
+            </a:p>
+          </p:txBody>
+        </p:sp>
+        <p:sp>
+          <p:nvSpPr>
+            <p:cNvPr id="31" name="Rectangle 40">
+              <a:extLst>
+                <a:ext uri="{FF2B5EF4-FFF2-40B4-BE49-F238E27FC236}">
+                  <a16:creationId xmlns:a16="http://schemas.microsoft.com/office/drawing/2014/main" id="{AC172335-2845-D4BD-7A22-3A643EA9B59D}"/>
+                </a:ext>
+              </a:extLst>
+            </p:cNvPr>
+            <p:cNvSpPr>
+              <a:spLocks noChangeArrowheads="1"/>
+            </p:cNvSpPr>
+            <p:nvPr/>
+          </p:nvSpPr>
+          <p:spPr bwMode="auto">
+            <a:xfrm rot="17573055">
+              <a:off x="821690" y="1172210"/>
+              <a:ext cx="110490" cy="30480"/>
+            </a:xfrm>
+            <a:prstGeom prst="rect">
+              <a:avLst/>
+            </a:prstGeom>
+            <a:solidFill>
+              <a:srgbClr val="FFFFFF"/>
+            </a:solidFill>
+            <a:ln w="12700">
+              <a:solidFill>
+                <a:srgbClr val="000000"/>
+              </a:solidFill>
+              <a:miter lim="800000"/>
+              <a:headEnd/>
+              <a:tailEnd/>
+            </a:ln>
+          </p:spPr>
+          <p:txBody>
+            <a:bodyPr rot="0" vert="horz" wrap="square" lIns="91440" tIns="45720" rIns="91440" bIns="45720" anchor="t" anchorCtr="0" upright="1">
+              <a:noAutofit/>
+            </a:bodyPr>
+            <a:lstStyle/>
+            <a:p>
+              <a:endParaRPr lang="uk-UA"/>
+            </a:p>
+          </p:txBody>
+        </p:sp>
+        <p:sp>
+          <p:nvSpPr>
+            <p:cNvPr id="32" name="Oval 41">
+              <a:extLst>
+                <a:ext uri="{FF2B5EF4-FFF2-40B4-BE49-F238E27FC236}">
+                  <a16:creationId xmlns:a16="http://schemas.microsoft.com/office/drawing/2014/main" id="{349DAD90-C3F3-4586-B55F-1ABF45F4883F}"/>
+                </a:ext>
+              </a:extLst>
+            </p:cNvPr>
+            <p:cNvSpPr>
+              <a:spLocks noChangeAspect="1" noChangeArrowheads="1"/>
+            </p:cNvSpPr>
+            <p:nvPr/>
+          </p:nvSpPr>
+          <p:spPr bwMode="auto">
+            <a:xfrm>
+              <a:off x="837565" y="971550"/>
+              <a:ext cx="170815" cy="170180"/>
+            </a:xfrm>
+            <a:prstGeom prst="ellipse">
+              <a:avLst/>
+            </a:prstGeom>
+            <a:solidFill>
+              <a:srgbClr val="FFFFFF"/>
+            </a:solidFill>
+            <a:ln w="12700">
+              <a:solidFill>
+                <a:srgbClr val="000000"/>
+              </a:solidFill>
+              <a:round/>
+              <a:headEnd/>
+              <a:tailEnd/>
+            </a:ln>
+          </p:spPr>
+          <p:txBody>
+            <a:bodyPr rot="0" vert="horz" wrap="square" lIns="91440" tIns="45720" rIns="91440" bIns="45720" anchor="t" anchorCtr="0" upright="1">
+              <a:noAutofit/>
+            </a:bodyPr>
+            <a:lstStyle/>
+            <a:p>
+              <a:endParaRPr lang="uk-UA"/>
+            </a:p>
+          </p:txBody>
+        </p:sp>
+        <p:sp>
+          <p:nvSpPr>
+            <p:cNvPr id="33" name="Rectangle 42">
+              <a:extLst>
+                <a:ext uri="{FF2B5EF4-FFF2-40B4-BE49-F238E27FC236}">
+                  <a16:creationId xmlns:a16="http://schemas.microsoft.com/office/drawing/2014/main" id="{968AF77B-7326-90B3-304B-09136A1F96F6}"/>
+                </a:ext>
+              </a:extLst>
+            </p:cNvPr>
+            <p:cNvSpPr>
+              <a:spLocks noChangeArrowheads="1"/>
+            </p:cNvSpPr>
+            <p:nvPr/>
+          </p:nvSpPr>
+          <p:spPr bwMode="auto">
+            <a:xfrm rot="15534532">
+              <a:off x="667385" y="1052830"/>
+              <a:ext cx="261620" cy="30480"/>
+            </a:xfrm>
+            <a:prstGeom prst="rect">
+              <a:avLst/>
+            </a:prstGeom>
+            <a:solidFill>
+              <a:srgbClr val="FFFFFF"/>
+            </a:solidFill>
+            <a:ln w="12700">
+              <a:solidFill>
+                <a:srgbClr val="000000"/>
+              </a:solidFill>
+              <a:miter lim="800000"/>
+              <a:headEnd/>
+              <a:tailEnd/>
+            </a:ln>
+          </p:spPr>
+          <p:txBody>
+            <a:bodyPr rot="0" vert="horz" wrap="square" lIns="91440" tIns="45720" rIns="91440" bIns="45720" anchor="t" anchorCtr="0" upright="1">
+              <a:noAutofit/>
+            </a:bodyPr>
+            <a:lstStyle/>
+            <a:p>
+              <a:endParaRPr lang="uk-UA"/>
+            </a:p>
+          </p:txBody>
+        </p:sp>
+        <p:sp>
+          <p:nvSpPr>
+            <p:cNvPr id="34" name="Rectangle 43">
+              <a:extLst>
+                <a:ext uri="{FF2B5EF4-FFF2-40B4-BE49-F238E27FC236}">
+                  <a16:creationId xmlns:a16="http://schemas.microsoft.com/office/drawing/2014/main" id="{E254C8A0-3258-5A7A-33D9-051D43BE058B}"/>
+                </a:ext>
+              </a:extLst>
+            </p:cNvPr>
+            <p:cNvSpPr>
+              <a:spLocks noChangeArrowheads="1"/>
+            </p:cNvSpPr>
+            <p:nvPr/>
+          </p:nvSpPr>
+          <p:spPr bwMode="auto">
+            <a:xfrm rot="1608644">
+              <a:off x="1424305" y="798830"/>
+              <a:ext cx="392430" cy="30480"/>
+            </a:xfrm>
+            <a:prstGeom prst="rect">
+              <a:avLst/>
+            </a:prstGeom>
+            <a:solidFill>
+              <a:srgbClr val="FFFFFF"/>
+            </a:solidFill>
+            <a:ln w="12700">
+              <a:solidFill>
+                <a:srgbClr val="000000"/>
+              </a:solidFill>
+              <a:miter lim="800000"/>
+              <a:headEnd/>
+              <a:tailEnd/>
+            </a:ln>
+          </p:spPr>
+          <p:txBody>
+            <a:bodyPr rot="0" vert="horz" wrap="square" lIns="91440" tIns="45720" rIns="91440" bIns="45720" anchor="t" anchorCtr="0" upright="1">
+              <a:noAutofit/>
+            </a:bodyPr>
+            <a:lstStyle/>
+            <a:p>
+              <a:endParaRPr lang="uk-UA"/>
+            </a:p>
+          </p:txBody>
+        </p:sp>
+        <p:sp>
+          <p:nvSpPr>
+            <p:cNvPr id="35" name="Rectangle 44">
+              <a:extLst>
+                <a:ext uri="{FF2B5EF4-FFF2-40B4-BE49-F238E27FC236}">
+                  <a16:creationId xmlns:a16="http://schemas.microsoft.com/office/drawing/2014/main" id="{53D2EB26-4418-E181-3521-FC71D46274F4}"/>
+                </a:ext>
+              </a:extLst>
+            </p:cNvPr>
+            <p:cNvSpPr>
+              <a:spLocks noChangeArrowheads="1"/>
+            </p:cNvSpPr>
+            <p:nvPr/>
+          </p:nvSpPr>
+          <p:spPr bwMode="auto">
+            <a:xfrm rot="17573055">
+              <a:off x="1191895" y="476250"/>
+              <a:ext cx="106680" cy="30480"/>
+            </a:xfrm>
+            <a:prstGeom prst="rect">
+              <a:avLst/>
+            </a:prstGeom>
+            <a:solidFill>
+              <a:srgbClr val="FFFFFF"/>
+            </a:solidFill>
+            <a:ln w="12700">
+              <a:solidFill>
+                <a:srgbClr val="000000"/>
+              </a:solidFill>
+              <a:miter lim="800000"/>
+              <a:headEnd/>
+              <a:tailEnd/>
+            </a:ln>
+          </p:spPr>
+          <p:txBody>
+            <a:bodyPr rot="0" vert="horz" wrap="square" lIns="91440" tIns="45720" rIns="91440" bIns="45720" anchor="t" anchorCtr="0" upright="1">
+              <a:noAutofit/>
+            </a:bodyPr>
+            <a:lstStyle/>
+            <a:p>
+              <a:endParaRPr lang="uk-UA"/>
+            </a:p>
+          </p:txBody>
+        </p:sp>
+        <p:cxnSp>
+          <p:nvCxnSpPr>
+            <p:cNvPr id="36" name="AutoShape 45">
+              <a:extLst>
+                <a:ext uri="{FF2B5EF4-FFF2-40B4-BE49-F238E27FC236}">
+                  <a16:creationId xmlns:a16="http://schemas.microsoft.com/office/drawing/2014/main" id="{A17A0942-8615-CDBF-93B9-2B9DF6A6282B}"/>
+                </a:ext>
+              </a:extLst>
+            </p:cNvPr>
+            <p:cNvCxnSpPr>
+              <a:cxnSpLocks noChangeShapeType="1"/>
+            </p:cNvCxnSpPr>
+            <p:nvPr/>
+          </p:nvCxnSpPr>
+          <p:spPr bwMode="auto">
+            <a:xfrm>
+              <a:off x="1499870" y="491490"/>
+              <a:ext cx="635" cy="1149350"/>
+            </a:xfrm>
+            <a:prstGeom prst="straightConnector1">
+              <a:avLst/>
+            </a:prstGeom>
+            <a:noFill/>
+            <a:ln w="12700">
+              <a:solidFill>
+                <a:srgbClr val="000000"/>
+              </a:solidFill>
+              <a:prstDash val="sysDot"/>
+              <a:round/>
+              <a:headEnd/>
+              <a:tailEnd/>
+            </a:ln>
+            <a:extLst>
+              <a:ext uri="{909E8E84-426E-40DD-AFC4-6F175D3DCCD1}">
+                <a14:hiddenFill xmlns:a14="http://schemas.microsoft.com/office/drawing/2010/main">
+                  <a:noFill/>
+                </a14:hiddenFill>
+              </a:ext>
+            </a:extLst>
+          </p:spPr>
+        </p:cxnSp>
+        <p:cxnSp>
+          <p:nvCxnSpPr>
+            <p:cNvPr id="37" name="AutoShape 46">
+              <a:extLst>
+                <a:ext uri="{FF2B5EF4-FFF2-40B4-BE49-F238E27FC236}">
+                  <a16:creationId xmlns:a16="http://schemas.microsoft.com/office/drawing/2014/main" id="{512F5567-14CA-0322-2B12-875C003BECE9}"/>
+                </a:ext>
+              </a:extLst>
+            </p:cNvPr>
+            <p:cNvCxnSpPr>
+              <a:cxnSpLocks noChangeShapeType="1"/>
+            </p:cNvCxnSpPr>
+            <p:nvPr/>
+          </p:nvCxnSpPr>
+          <p:spPr bwMode="auto">
+            <a:xfrm>
+              <a:off x="351155" y="483235"/>
+              <a:ext cx="635" cy="1149350"/>
+            </a:xfrm>
+            <a:prstGeom prst="straightConnector1">
+              <a:avLst/>
+            </a:prstGeom>
+            <a:noFill/>
+            <a:ln w="12700">
+              <a:solidFill>
+                <a:srgbClr val="000000"/>
+              </a:solidFill>
+              <a:prstDash val="sysDot"/>
+              <a:round/>
+              <a:headEnd/>
+              <a:tailEnd/>
+            </a:ln>
+            <a:extLst>
+              <a:ext uri="{909E8E84-426E-40DD-AFC4-6F175D3DCCD1}">
+                <a14:hiddenFill xmlns:a14="http://schemas.microsoft.com/office/drawing/2010/main">
+                  <a:noFill/>
+                </a14:hiddenFill>
+              </a:ext>
+            </a:extLst>
+          </p:spPr>
+        </p:cxnSp>
+        <p:cxnSp>
+          <p:nvCxnSpPr>
+            <p:cNvPr id="38" name="AutoShape 47">
+              <a:extLst>
+                <a:ext uri="{FF2B5EF4-FFF2-40B4-BE49-F238E27FC236}">
+                  <a16:creationId xmlns:a16="http://schemas.microsoft.com/office/drawing/2014/main" id="{92CE81CC-B669-51C9-6B36-D9FB2F17993C}"/>
+                </a:ext>
+              </a:extLst>
+            </p:cNvPr>
+            <p:cNvCxnSpPr>
+              <a:cxnSpLocks noChangeShapeType="1"/>
+            </p:cNvCxnSpPr>
+            <p:nvPr/>
+          </p:nvCxnSpPr>
+          <p:spPr bwMode="auto">
+            <a:xfrm flipH="1">
+              <a:off x="347345" y="483870"/>
+              <a:ext cx="1153160" cy="635"/>
+            </a:xfrm>
+            <a:prstGeom prst="straightConnector1">
+              <a:avLst/>
+            </a:prstGeom>
+            <a:noFill/>
+            <a:ln w="12700">
+              <a:solidFill>
+                <a:srgbClr val="000000"/>
+              </a:solidFill>
+              <a:prstDash val="sysDot"/>
+              <a:round/>
+              <a:headEnd/>
+              <a:tailEnd/>
+            </a:ln>
+            <a:extLst>
+              <a:ext uri="{909E8E84-426E-40DD-AFC4-6F175D3DCCD1}">
+                <a14:hiddenFill xmlns:a14="http://schemas.microsoft.com/office/drawing/2010/main">
+                  <a:noFill/>
+                </a14:hiddenFill>
+              </a:ext>
+            </a:extLst>
+          </p:spPr>
+        </p:cxnSp>
+        <p:cxnSp>
+          <p:nvCxnSpPr>
+            <p:cNvPr id="39" name="AutoShape 48">
+              <a:extLst>
+                <a:ext uri="{FF2B5EF4-FFF2-40B4-BE49-F238E27FC236}">
+                  <a16:creationId xmlns:a16="http://schemas.microsoft.com/office/drawing/2014/main" id="{627BECAF-2E92-51CC-719E-4B432F2C3DD3}"/>
+                </a:ext>
+              </a:extLst>
+            </p:cNvPr>
+            <p:cNvCxnSpPr>
+              <a:cxnSpLocks noChangeShapeType="1"/>
+            </p:cNvCxnSpPr>
+            <p:nvPr/>
+          </p:nvCxnSpPr>
+          <p:spPr bwMode="auto">
+            <a:xfrm flipH="1">
+              <a:off x="347345" y="1637665"/>
+              <a:ext cx="1153160" cy="0"/>
+            </a:xfrm>
+            <a:prstGeom prst="straightConnector1">
+              <a:avLst/>
+            </a:prstGeom>
+            <a:noFill/>
+            <a:ln w="12700">
+              <a:solidFill>
+                <a:srgbClr val="000000"/>
+              </a:solidFill>
+              <a:prstDash val="sysDot"/>
+              <a:round/>
+              <a:headEnd/>
+              <a:tailEnd/>
+            </a:ln>
+            <a:extLst>
+              <a:ext uri="{909E8E84-426E-40DD-AFC4-6F175D3DCCD1}">
+                <a14:hiddenFill xmlns:a14="http://schemas.microsoft.com/office/drawing/2010/main">
+                  <a:noFill/>
+                </a14:hiddenFill>
+              </a:ext>
+            </a:extLst>
+          </p:spPr>
+        </p:cxnSp>
+        <p:sp>
+          <p:nvSpPr>
+            <p:cNvPr id="40" name="Oval 49">
+              <a:extLst>
+                <a:ext uri="{FF2B5EF4-FFF2-40B4-BE49-F238E27FC236}">
+                  <a16:creationId xmlns:a16="http://schemas.microsoft.com/office/drawing/2014/main" id="{FB55FFA8-31CB-206E-71EF-66C4D1818FB5}"/>
+                </a:ext>
+              </a:extLst>
+            </p:cNvPr>
+            <p:cNvSpPr>
+              <a:spLocks noChangeAspect="1" noChangeArrowheads="1"/>
+            </p:cNvSpPr>
+            <p:nvPr/>
+          </p:nvSpPr>
+          <p:spPr bwMode="auto">
+            <a:xfrm>
+              <a:off x="1412875" y="398780"/>
+              <a:ext cx="170815" cy="170180"/>
+            </a:xfrm>
+            <a:prstGeom prst="ellipse">
+              <a:avLst/>
+            </a:prstGeom>
+            <a:solidFill>
+              <a:srgbClr val="FFFFFF"/>
+            </a:solidFill>
+            <a:ln w="12700">
+              <a:solidFill>
+                <a:srgbClr val="000000"/>
+              </a:solidFill>
+              <a:round/>
+              <a:headEnd/>
+              <a:tailEnd/>
+            </a:ln>
+          </p:spPr>
+          <p:txBody>
+            <a:bodyPr rot="0" vert="horz" wrap="square" lIns="91440" tIns="45720" rIns="91440" bIns="45720" anchor="t" anchorCtr="0" upright="1">
+              <a:noAutofit/>
+            </a:bodyPr>
+            <a:lstStyle/>
+            <a:p>
+              <a:endParaRPr lang="uk-UA"/>
+            </a:p>
+          </p:txBody>
+        </p:sp>
+        <p:sp>
+          <p:nvSpPr>
+            <p:cNvPr id="41" name="Oval 50">
+              <a:extLst>
+                <a:ext uri="{FF2B5EF4-FFF2-40B4-BE49-F238E27FC236}">
+                  <a16:creationId xmlns:a16="http://schemas.microsoft.com/office/drawing/2014/main" id="{7D1A24B6-4D2E-F827-78CB-F9317AF8B9B7}"/>
+                </a:ext>
+              </a:extLst>
+            </p:cNvPr>
+            <p:cNvSpPr>
+              <a:spLocks noChangeAspect="1" noChangeArrowheads="1"/>
+            </p:cNvSpPr>
+            <p:nvPr/>
+          </p:nvSpPr>
+          <p:spPr bwMode="auto">
+            <a:xfrm>
+              <a:off x="262890" y="1553210"/>
+              <a:ext cx="170815" cy="170180"/>
+            </a:xfrm>
+            <a:prstGeom prst="ellipse">
+              <a:avLst/>
+            </a:prstGeom>
+            <a:solidFill>
+              <a:srgbClr val="FFFFFF"/>
+            </a:solidFill>
+            <a:ln w="12700">
+              <a:solidFill>
+                <a:srgbClr val="000000"/>
+              </a:solidFill>
+              <a:round/>
+              <a:headEnd/>
+              <a:tailEnd/>
+            </a:ln>
+          </p:spPr>
+          <p:txBody>
+            <a:bodyPr rot="0" vert="horz" wrap="square" lIns="91440" tIns="45720" rIns="91440" bIns="45720" anchor="t" anchorCtr="0" upright="1">
+              <a:noAutofit/>
+            </a:bodyPr>
+            <a:lstStyle/>
+            <a:p>
+              <a:endParaRPr lang="uk-UA"/>
+            </a:p>
+          </p:txBody>
+        </p:sp>
+        <p:sp>
+          <p:nvSpPr>
+            <p:cNvPr id="42" name="Oval 51">
+              <a:extLst>
+                <a:ext uri="{FF2B5EF4-FFF2-40B4-BE49-F238E27FC236}">
+                  <a16:creationId xmlns:a16="http://schemas.microsoft.com/office/drawing/2014/main" id="{7C9772E9-7660-2A3F-86A4-DF24C422E947}"/>
+                </a:ext>
+              </a:extLst>
+            </p:cNvPr>
+            <p:cNvSpPr>
+              <a:spLocks noChangeAspect="1" noChangeArrowheads="1"/>
+            </p:cNvSpPr>
+            <p:nvPr/>
+          </p:nvSpPr>
+          <p:spPr bwMode="auto">
+            <a:xfrm>
+              <a:off x="263525" y="397510"/>
+              <a:ext cx="170815" cy="170180"/>
+            </a:xfrm>
+            <a:prstGeom prst="ellipse">
+              <a:avLst/>
+            </a:prstGeom>
+            <a:solidFill>
+              <a:srgbClr val="FFFFFF"/>
+            </a:solidFill>
+            <a:ln w="12700">
+              <a:solidFill>
+                <a:srgbClr val="000000"/>
+              </a:solidFill>
+              <a:round/>
+              <a:headEnd/>
+              <a:tailEnd/>
+            </a:ln>
+          </p:spPr>
+          <p:txBody>
+            <a:bodyPr rot="0" vert="horz" wrap="square" lIns="91440" tIns="45720" rIns="91440" bIns="45720" anchor="t" anchorCtr="0" upright="1">
+              <a:noAutofit/>
+            </a:bodyPr>
+            <a:lstStyle/>
+            <a:p>
+              <a:endParaRPr lang="uk-UA"/>
+            </a:p>
+          </p:txBody>
+        </p:sp>
+        <p:sp>
+          <p:nvSpPr>
+            <p:cNvPr id="43" name="Rectangle 52">
+              <a:extLst>
+                <a:ext uri="{FF2B5EF4-FFF2-40B4-BE49-F238E27FC236}">
+                  <a16:creationId xmlns:a16="http://schemas.microsoft.com/office/drawing/2014/main" id="{95444597-BA26-5758-3555-AD9163873A70}"/>
+                </a:ext>
+              </a:extLst>
+            </p:cNvPr>
+            <p:cNvSpPr>
+              <a:spLocks noChangeArrowheads="1"/>
+            </p:cNvSpPr>
+            <p:nvPr/>
+          </p:nvSpPr>
+          <p:spPr bwMode="auto">
+            <a:xfrm rot="17573055">
+              <a:off x="1407160" y="584835"/>
+              <a:ext cx="78105" cy="30480"/>
+            </a:xfrm>
+            <a:prstGeom prst="rect">
+              <a:avLst/>
+            </a:prstGeom>
+            <a:solidFill>
+              <a:srgbClr val="FFFFFF"/>
+            </a:solidFill>
+            <a:ln w="12700">
+              <a:solidFill>
+                <a:srgbClr val="000000"/>
+              </a:solidFill>
+              <a:miter lim="800000"/>
+              <a:headEnd/>
+              <a:tailEnd/>
+            </a:ln>
+          </p:spPr>
+          <p:txBody>
+            <a:bodyPr rot="0" vert="horz" wrap="square" lIns="91440" tIns="45720" rIns="91440" bIns="45720" anchor="t" anchorCtr="0" upright="1">
+              <a:noAutofit/>
+            </a:bodyPr>
+            <a:lstStyle/>
+            <a:p>
+              <a:endParaRPr lang="uk-UA"/>
+            </a:p>
+          </p:txBody>
+        </p:sp>
+        <p:sp>
+          <p:nvSpPr>
+            <p:cNvPr id="44" name="Oval 53">
+              <a:extLst>
+                <a:ext uri="{FF2B5EF4-FFF2-40B4-BE49-F238E27FC236}">
+                  <a16:creationId xmlns:a16="http://schemas.microsoft.com/office/drawing/2014/main" id="{5FFFBCF2-33A2-844D-979A-FAD27320896D}"/>
+                </a:ext>
+              </a:extLst>
+            </p:cNvPr>
+            <p:cNvSpPr>
+              <a:spLocks noChangeAspect="1" noChangeArrowheads="1"/>
+            </p:cNvSpPr>
+            <p:nvPr/>
+          </p:nvSpPr>
+          <p:spPr bwMode="auto">
+            <a:xfrm>
+              <a:off x="1788160" y="851535"/>
+              <a:ext cx="170815" cy="170180"/>
+            </a:xfrm>
+            <a:prstGeom prst="ellipse">
+              <a:avLst/>
+            </a:prstGeom>
+            <a:solidFill>
+              <a:srgbClr val="FFFFFF"/>
+            </a:solidFill>
+            <a:ln w="12700">
+              <a:solidFill>
+                <a:srgbClr val="000000"/>
+              </a:solidFill>
+              <a:round/>
+              <a:headEnd/>
+              <a:tailEnd/>
+            </a:ln>
+          </p:spPr>
+          <p:txBody>
+            <a:bodyPr rot="0" vert="horz" wrap="square" lIns="91440" tIns="45720" rIns="91440" bIns="45720" anchor="t" anchorCtr="0" upright="1">
+              <a:noAutofit/>
+            </a:bodyPr>
+            <a:lstStyle/>
+            <a:p>
+              <a:endParaRPr lang="uk-UA"/>
+            </a:p>
+          </p:txBody>
+        </p:sp>
+        <p:sp>
+          <p:nvSpPr>
+            <p:cNvPr id="45" name="Oval 54">
+              <a:extLst>
+                <a:ext uri="{FF2B5EF4-FFF2-40B4-BE49-F238E27FC236}">
+                  <a16:creationId xmlns:a16="http://schemas.microsoft.com/office/drawing/2014/main" id="{8A81FD3D-F8E6-57F5-890A-6FEB48960778}"/>
+                </a:ext>
+              </a:extLst>
+            </p:cNvPr>
+            <p:cNvSpPr>
+              <a:spLocks noChangeAspect="1" noChangeArrowheads="1"/>
+            </p:cNvSpPr>
+            <p:nvPr/>
+          </p:nvSpPr>
+          <p:spPr bwMode="auto">
+            <a:xfrm>
+              <a:off x="1691005" y="1085215"/>
+              <a:ext cx="170815" cy="170180"/>
+            </a:xfrm>
+            <a:prstGeom prst="ellipse">
+              <a:avLst/>
+            </a:prstGeom>
+            <a:solidFill>
+              <a:srgbClr val="FFFFFF"/>
+            </a:solidFill>
+            <a:ln w="12700">
+              <a:solidFill>
+                <a:srgbClr val="000000"/>
+              </a:solidFill>
+              <a:round/>
+              <a:headEnd/>
+              <a:tailEnd/>
+            </a:ln>
+          </p:spPr>
+          <p:txBody>
+            <a:bodyPr rot="0" vert="horz" wrap="square" lIns="91440" tIns="45720" rIns="91440" bIns="45720" anchor="t" anchorCtr="0" upright="1">
+              <a:noAutofit/>
+            </a:bodyPr>
+            <a:lstStyle/>
+            <a:p>
+              <a:endParaRPr lang="uk-UA"/>
+            </a:p>
+          </p:txBody>
+        </p:sp>
+        <p:sp>
+          <p:nvSpPr>
+            <p:cNvPr id="46" name="Oval 55">
+              <a:extLst>
+                <a:ext uri="{FF2B5EF4-FFF2-40B4-BE49-F238E27FC236}">
+                  <a16:creationId xmlns:a16="http://schemas.microsoft.com/office/drawing/2014/main" id="{703C4DC5-934F-F580-FD83-AAC484677CE8}"/>
+                </a:ext>
+              </a:extLst>
+            </p:cNvPr>
+            <p:cNvSpPr>
+              <a:spLocks noChangeAspect="1" noChangeArrowheads="1"/>
+            </p:cNvSpPr>
+            <p:nvPr/>
+          </p:nvSpPr>
+          <p:spPr bwMode="auto">
+            <a:xfrm>
+              <a:off x="2169795" y="1320800"/>
+              <a:ext cx="170815" cy="170180"/>
+            </a:xfrm>
+            <a:prstGeom prst="ellipse">
+              <a:avLst/>
+            </a:prstGeom>
+            <a:solidFill>
+              <a:srgbClr val="FFFFFF"/>
+            </a:solidFill>
+            <a:ln w="12700">
+              <a:solidFill>
+                <a:srgbClr val="000000"/>
+              </a:solidFill>
+              <a:round/>
+              <a:headEnd/>
+              <a:tailEnd/>
+            </a:ln>
+          </p:spPr>
+          <p:txBody>
+            <a:bodyPr rot="0" vert="horz" wrap="square" lIns="91440" tIns="45720" rIns="91440" bIns="45720" anchor="t" anchorCtr="0" upright="1">
+              <a:noAutofit/>
+            </a:bodyPr>
+            <a:lstStyle/>
+            <a:p>
+              <a:endParaRPr lang="uk-UA"/>
+            </a:p>
+          </p:txBody>
+        </p:sp>
+        <p:sp>
+          <p:nvSpPr>
+            <p:cNvPr id="47" name="Rectangle 56">
+              <a:extLst>
+                <a:ext uri="{FF2B5EF4-FFF2-40B4-BE49-F238E27FC236}">
+                  <a16:creationId xmlns:a16="http://schemas.microsoft.com/office/drawing/2014/main" id="{4AE5B7C8-34DF-5798-4D7D-3CDA94CE3133}"/>
+                </a:ext>
+              </a:extLst>
+            </p:cNvPr>
+            <p:cNvSpPr>
+              <a:spLocks noChangeArrowheads="1"/>
+            </p:cNvSpPr>
+            <p:nvPr/>
+          </p:nvSpPr>
+          <p:spPr bwMode="auto">
+            <a:xfrm rot="19410855">
+              <a:off x="1305560" y="1325245"/>
+              <a:ext cx="473710" cy="30480"/>
+            </a:xfrm>
+            <a:prstGeom prst="rect">
+              <a:avLst/>
+            </a:prstGeom>
+            <a:solidFill>
+              <a:srgbClr val="FFFFFF"/>
+            </a:solidFill>
+            <a:ln w="12700">
+              <a:solidFill>
+                <a:srgbClr val="000000"/>
+              </a:solidFill>
+              <a:miter lim="800000"/>
+              <a:headEnd/>
+              <a:tailEnd/>
+            </a:ln>
+          </p:spPr>
+          <p:txBody>
+            <a:bodyPr rot="0" vert="horz" wrap="square" lIns="91440" tIns="45720" rIns="91440" bIns="45720" anchor="t" anchorCtr="0" upright="1">
+              <a:noAutofit/>
+            </a:bodyPr>
+            <a:lstStyle/>
+            <a:p>
+              <a:endParaRPr lang="uk-UA"/>
+            </a:p>
+          </p:txBody>
+        </p:sp>
+        <p:sp>
+          <p:nvSpPr>
+            <p:cNvPr id="48" name="Oval 57">
+              <a:extLst>
+                <a:ext uri="{FF2B5EF4-FFF2-40B4-BE49-F238E27FC236}">
+                  <a16:creationId xmlns:a16="http://schemas.microsoft.com/office/drawing/2014/main" id="{BBB54D9F-AD7C-2AD3-1BCD-A2956CA4C742}"/>
+                </a:ext>
+              </a:extLst>
+            </p:cNvPr>
+            <p:cNvSpPr>
+              <a:spLocks noChangeAspect="1" noChangeArrowheads="1"/>
+            </p:cNvSpPr>
+            <p:nvPr/>
+          </p:nvSpPr>
+          <p:spPr bwMode="auto">
+            <a:xfrm>
+              <a:off x="1216660" y="1427480"/>
+              <a:ext cx="170180" cy="170180"/>
+            </a:xfrm>
+            <a:prstGeom prst="ellipse">
+              <a:avLst/>
+            </a:prstGeom>
+            <a:solidFill>
+              <a:srgbClr val="FFFFFF"/>
+            </a:solidFill>
+            <a:ln w="12700">
+              <a:solidFill>
+                <a:srgbClr val="000000"/>
+              </a:solidFill>
+              <a:round/>
+              <a:headEnd/>
+              <a:tailEnd/>
+            </a:ln>
+          </p:spPr>
+          <p:txBody>
+            <a:bodyPr rot="0" vert="horz" wrap="square" lIns="91440" tIns="45720" rIns="91440" bIns="45720" anchor="t" anchorCtr="0" upright="1">
+              <a:noAutofit/>
+            </a:bodyPr>
+            <a:lstStyle/>
+            <a:p>
+              <a:endParaRPr lang="uk-UA"/>
+            </a:p>
+          </p:txBody>
+        </p:sp>
+        <p:sp>
+          <p:nvSpPr>
+            <p:cNvPr id="49" name="Rectangle 58">
+              <a:extLst>
+                <a:ext uri="{FF2B5EF4-FFF2-40B4-BE49-F238E27FC236}">
+                  <a16:creationId xmlns:a16="http://schemas.microsoft.com/office/drawing/2014/main" id="{ABA3CFDE-8D92-5136-2185-94AC32B56C9F}"/>
+                </a:ext>
+              </a:extLst>
+            </p:cNvPr>
+            <p:cNvSpPr>
+              <a:spLocks noChangeArrowheads="1"/>
+            </p:cNvSpPr>
+            <p:nvPr/>
+          </p:nvSpPr>
+          <p:spPr bwMode="auto">
+            <a:xfrm rot="17573055">
+              <a:off x="1763395" y="1049655"/>
+              <a:ext cx="110490" cy="30480"/>
+            </a:xfrm>
+            <a:prstGeom prst="rect">
+              <a:avLst/>
+            </a:prstGeom>
+            <a:solidFill>
+              <a:srgbClr val="FFFFFF"/>
+            </a:solidFill>
+            <a:ln w="12700">
+              <a:solidFill>
+                <a:srgbClr val="000000"/>
+              </a:solidFill>
+              <a:miter lim="800000"/>
+              <a:headEnd/>
+              <a:tailEnd/>
+            </a:ln>
+          </p:spPr>
+          <p:txBody>
+            <a:bodyPr rot="0" vert="horz" wrap="square" lIns="91440" tIns="45720" rIns="91440" bIns="45720" anchor="t" anchorCtr="0" upright="1">
+              <a:noAutofit/>
+            </a:bodyPr>
+            <a:lstStyle/>
+            <a:p>
+              <a:endParaRPr lang="uk-UA"/>
+            </a:p>
+          </p:txBody>
+        </p:sp>
+        <p:sp>
+          <p:nvSpPr>
+            <p:cNvPr id="50" name="Rectangle 59">
+              <a:extLst>
+                <a:ext uri="{FF2B5EF4-FFF2-40B4-BE49-F238E27FC236}">
+                  <a16:creationId xmlns:a16="http://schemas.microsoft.com/office/drawing/2014/main" id="{3E03358C-EEEC-7033-1C98-A22DF874A944}"/>
+                </a:ext>
+              </a:extLst>
+            </p:cNvPr>
+            <p:cNvSpPr>
+              <a:spLocks noChangeArrowheads="1"/>
+            </p:cNvSpPr>
+            <p:nvPr/>
+          </p:nvSpPr>
+          <p:spPr bwMode="auto">
+            <a:xfrm rot="1608644">
+              <a:off x="1832610" y="1274445"/>
+              <a:ext cx="379095" cy="33020"/>
+            </a:xfrm>
+            <a:prstGeom prst="rect">
+              <a:avLst/>
+            </a:prstGeom>
+            <a:solidFill>
+              <a:srgbClr val="FFFFFF"/>
+            </a:solidFill>
+            <a:ln w="12700">
+              <a:solidFill>
+                <a:srgbClr val="000000"/>
+              </a:solidFill>
+              <a:miter lim="800000"/>
+              <a:headEnd/>
+              <a:tailEnd/>
+            </a:ln>
+          </p:spPr>
+          <p:txBody>
+            <a:bodyPr rot="0" vert="horz" wrap="square" lIns="91440" tIns="45720" rIns="91440" bIns="45720" anchor="t" anchorCtr="0" upright="1">
+              <a:noAutofit/>
+            </a:bodyPr>
+            <a:lstStyle/>
+            <a:p>
+              <a:endParaRPr lang="uk-UA"/>
+            </a:p>
+          </p:txBody>
+        </p:sp>
+        <p:sp>
+          <p:nvSpPr>
+            <p:cNvPr id="51" name="Rectangle 60">
+              <a:extLst>
+                <a:ext uri="{FF2B5EF4-FFF2-40B4-BE49-F238E27FC236}">
+                  <a16:creationId xmlns:a16="http://schemas.microsoft.com/office/drawing/2014/main" id="{5F93FD0E-61FE-8031-892B-3A88310221E2}"/>
+                </a:ext>
+              </a:extLst>
+            </p:cNvPr>
+            <p:cNvSpPr>
+              <a:spLocks noChangeArrowheads="1"/>
+            </p:cNvSpPr>
+            <p:nvPr/>
+          </p:nvSpPr>
+          <p:spPr bwMode="auto">
+            <a:xfrm rot="4510922">
+              <a:off x="1622425" y="977900"/>
+              <a:ext cx="200660" cy="33655"/>
+            </a:xfrm>
+            <a:prstGeom prst="rect">
+              <a:avLst/>
+            </a:prstGeom>
+            <a:solidFill>
+              <a:srgbClr val="FFFFFF"/>
+            </a:solidFill>
+            <a:ln w="12700">
+              <a:solidFill>
+                <a:srgbClr val="000000"/>
+              </a:solidFill>
+              <a:miter lim="800000"/>
+              <a:headEnd/>
+              <a:tailEnd/>
+            </a:ln>
+          </p:spPr>
+          <p:txBody>
+            <a:bodyPr rot="0" vert="horz" wrap="square" lIns="91440" tIns="45720" rIns="91440" bIns="45720" anchor="t" anchorCtr="0" upright="1">
+              <a:noAutofit/>
+            </a:bodyPr>
+            <a:lstStyle/>
+            <a:p>
+              <a:endParaRPr lang="uk-UA"/>
+            </a:p>
+          </p:txBody>
+        </p:sp>
+        <p:sp>
+          <p:nvSpPr>
+            <p:cNvPr id="52" name="Oval 61">
+              <a:extLst>
+                <a:ext uri="{FF2B5EF4-FFF2-40B4-BE49-F238E27FC236}">
+                  <a16:creationId xmlns:a16="http://schemas.microsoft.com/office/drawing/2014/main" id="{F9EF2638-0D04-F8DE-84BA-9D4F7AA68DE1}"/>
+                </a:ext>
+              </a:extLst>
+            </p:cNvPr>
+            <p:cNvSpPr>
+              <a:spLocks noChangeAspect="1" noChangeArrowheads="1"/>
+            </p:cNvSpPr>
+            <p:nvPr/>
+          </p:nvSpPr>
+          <p:spPr bwMode="auto">
+            <a:xfrm>
+              <a:off x="1414145" y="1546860"/>
+              <a:ext cx="170815" cy="170180"/>
+            </a:xfrm>
+            <a:prstGeom prst="ellipse">
+              <a:avLst/>
+            </a:prstGeom>
+            <a:solidFill>
+              <a:srgbClr val="FFFFFF"/>
+            </a:solidFill>
+            <a:ln w="12700">
+              <a:solidFill>
+                <a:srgbClr val="000000"/>
+              </a:solidFill>
+              <a:round/>
+              <a:headEnd/>
+              <a:tailEnd/>
+            </a:ln>
+          </p:spPr>
+          <p:txBody>
+            <a:bodyPr rot="0" vert="horz" wrap="square" lIns="91440" tIns="45720" rIns="91440" bIns="45720" anchor="t" anchorCtr="0" upright="1">
+              <a:noAutofit/>
+            </a:bodyPr>
+            <a:lstStyle/>
+            <a:p>
+              <a:endParaRPr lang="uk-UA"/>
+            </a:p>
+          </p:txBody>
+        </p:sp>
+      </p:grpSp>
+      <p:grpSp>
+        <p:nvGrpSpPr>
+          <p:cNvPr id="61" name="Групувати 60">
+            <a:extLst>
+              <a:ext uri="{FF2B5EF4-FFF2-40B4-BE49-F238E27FC236}">
+                <a16:creationId xmlns:a16="http://schemas.microsoft.com/office/drawing/2014/main" id="{3D828573-A717-3ABB-4D5F-6B841760725A}"/>
+              </a:ext>
+            </a:extLst>
+          </p:cNvPr>
+          <p:cNvGrpSpPr>
+            <a:grpSpLocks noChangeAspect="1"/>
+          </p:cNvGrpSpPr>
+          <p:nvPr/>
+        </p:nvGrpSpPr>
+        <p:grpSpPr>
+          <a:xfrm>
+            <a:off x="9364683" y="4213642"/>
+            <a:ext cx="1620000" cy="1239146"/>
+            <a:chOff x="0" y="0"/>
+            <a:chExt cx="2077720" cy="1588770"/>
+          </a:xfrm>
+        </p:grpSpPr>
+        <p:sp>
+          <p:nvSpPr>
+            <p:cNvPr id="62" name="Oval 4">
+              <a:extLst>
+                <a:ext uri="{FF2B5EF4-FFF2-40B4-BE49-F238E27FC236}">
+                  <a16:creationId xmlns:a16="http://schemas.microsoft.com/office/drawing/2014/main" id="{795DE8BF-D4C0-AFC5-3DE4-34CE6F749397}"/>
+                </a:ext>
+              </a:extLst>
+            </p:cNvPr>
+            <p:cNvSpPr>
+              <a:spLocks noChangeAspect="1" noChangeArrowheads="1"/>
+            </p:cNvSpPr>
+            <p:nvPr/>
+          </p:nvSpPr>
+          <p:spPr bwMode="auto">
+            <a:xfrm>
+              <a:off x="887693" y="629491"/>
+              <a:ext cx="301700" cy="300578"/>
+            </a:xfrm>
+            <a:prstGeom prst="ellipse">
+              <a:avLst/>
+            </a:prstGeom>
+            <a:solidFill>
+              <a:srgbClr val="0070C0"/>
+            </a:solidFill>
+            <a:ln w="12700">
+              <a:solidFill>
+                <a:srgbClr val="000000"/>
+              </a:solidFill>
+              <a:round/>
+              <a:headEnd/>
+              <a:tailEnd/>
+            </a:ln>
+          </p:spPr>
+          <p:txBody>
+            <a:bodyPr rot="0" vert="horz" wrap="square" lIns="91440" tIns="45720" rIns="91440" bIns="45720" anchor="t" anchorCtr="0" upright="1">
+              <a:noAutofit/>
+            </a:bodyPr>
+            <a:lstStyle/>
+            <a:p>
+              <a:endParaRPr lang="uk-UA"/>
+            </a:p>
+          </p:txBody>
+        </p:sp>
+        <p:sp>
+          <p:nvSpPr>
+            <p:cNvPr id="63" name="Oval 8">
+              <a:extLst>
+                <a:ext uri="{FF2B5EF4-FFF2-40B4-BE49-F238E27FC236}">
+                  <a16:creationId xmlns:a16="http://schemas.microsoft.com/office/drawing/2014/main" id="{729E75E4-0B5C-2700-F947-94075E3C787B}"/>
+                </a:ext>
+              </a:extLst>
+            </p:cNvPr>
+            <p:cNvSpPr>
+              <a:spLocks noChangeAspect="1" noChangeArrowheads="1"/>
+            </p:cNvSpPr>
+            <p:nvPr/>
+          </p:nvSpPr>
+          <p:spPr bwMode="auto">
+            <a:xfrm>
+              <a:off x="1330325" y="578485"/>
+              <a:ext cx="170815" cy="170180"/>
+            </a:xfrm>
+            <a:prstGeom prst="ellipse">
+              <a:avLst/>
+            </a:prstGeom>
+            <a:solidFill>
+              <a:srgbClr val="FFFFFF"/>
+            </a:solidFill>
+            <a:ln w="12700">
+              <a:solidFill>
+                <a:srgbClr val="000000"/>
+              </a:solidFill>
+              <a:round/>
+              <a:headEnd/>
+              <a:tailEnd/>
+            </a:ln>
+          </p:spPr>
+          <p:txBody>
+            <a:bodyPr rot="0" vert="horz" wrap="square" lIns="91440" tIns="45720" rIns="91440" bIns="45720" anchor="t" anchorCtr="0" upright="1">
+              <a:noAutofit/>
+            </a:bodyPr>
+            <a:lstStyle/>
+            <a:p>
+              <a:endParaRPr lang="uk-UA"/>
+            </a:p>
+          </p:txBody>
+        </p:sp>
+        <p:cxnSp>
+          <p:nvCxnSpPr>
+            <p:cNvPr id="457" name="AutoShape 9">
+              <a:extLst>
+                <a:ext uri="{FF2B5EF4-FFF2-40B4-BE49-F238E27FC236}">
+                  <a16:creationId xmlns:a16="http://schemas.microsoft.com/office/drawing/2014/main" id="{24E946AF-7C60-62F9-82AF-CCCBE7828C75}"/>
+                </a:ext>
+              </a:extLst>
+            </p:cNvPr>
+            <p:cNvCxnSpPr>
+              <a:cxnSpLocks noChangeShapeType="1"/>
+            </p:cNvCxnSpPr>
+            <p:nvPr/>
+          </p:nvCxnSpPr>
+          <p:spPr bwMode="auto">
+            <a:xfrm flipV="1">
+              <a:off x="90170" y="92075"/>
+              <a:ext cx="755015" cy="225425"/>
+            </a:xfrm>
+            <a:prstGeom prst="straightConnector1">
+              <a:avLst/>
+            </a:prstGeom>
+            <a:noFill/>
+            <a:ln w="12700">
+              <a:solidFill>
+                <a:srgbClr val="000000"/>
+              </a:solidFill>
+              <a:prstDash val="sysDot"/>
+              <a:round/>
+              <a:headEnd/>
+              <a:tailEnd/>
+            </a:ln>
+            <a:extLst>
+              <a:ext uri="{909E8E84-426E-40DD-AFC4-6F175D3DCCD1}">
+                <a14:hiddenFill xmlns:a14="http://schemas.microsoft.com/office/drawing/2010/main">
+                  <a:noFill/>
+                </a14:hiddenFill>
+              </a:ext>
+            </a:extLst>
+          </p:spPr>
+        </p:cxnSp>
+        <p:grpSp>
+          <p:nvGrpSpPr>
+            <p:cNvPr id="464" name="Group 10">
+              <a:extLst>
+                <a:ext uri="{FF2B5EF4-FFF2-40B4-BE49-F238E27FC236}">
+                  <a16:creationId xmlns:a16="http://schemas.microsoft.com/office/drawing/2014/main" id="{EA1D371D-7F30-FF6E-6161-0BD05E8A70AF}"/>
+                </a:ext>
+              </a:extLst>
+            </p:cNvPr>
+            <p:cNvGrpSpPr>
+              <a:grpSpLocks/>
+            </p:cNvGrpSpPr>
+            <p:nvPr/>
+          </p:nvGrpSpPr>
+          <p:grpSpPr bwMode="auto">
+            <a:xfrm>
+              <a:off x="852047" y="91901"/>
+              <a:ext cx="1152830" cy="1157605"/>
+              <a:chOff x="840836" y="88907"/>
+              <a:chExt cx="2681" cy="2700"/>
+            </a:xfrm>
+          </p:grpSpPr>
+          <p:cxnSp>
+            <p:nvCxnSpPr>
+              <p:cNvPr id="128" name="AutoShape 11">
+                <a:extLst>
+                  <a:ext uri="{FF2B5EF4-FFF2-40B4-BE49-F238E27FC236}">
+                    <a16:creationId xmlns:a16="http://schemas.microsoft.com/office/drawing/2014/main" id="{24CCABCE-598E-CF24-5240-AC7B5651345B}"/>
+                  </a:ext>
+                </a:extLst>
+              </p:cNvPr>
+              <p:cNvCxnSpPr>
+                <a:cxnSpLocks noChangeShapeType="1"/>
+              </p:cNvCxnSpPr>
+              <p:nvPr/>
+            </p:nvCxnSpPr>
+            <p:spPr bwMode="auto">
+              <a:xfrm>
+                <a:off x="843515" y="88926"/>
+                <a:ext cx="1" cy="2681"/>
+              </a:xfrm>
+              <a:prstGeom prst="straightConnector1">
+                <a:avLst/>
+              </a:prstGeom>
+              <a:noFill/>
+              <a:ln w="12700">
+                <a:solidFill>
+                  <a:srgbClr val="000000"/>
+                </a:solidFill>
+                <a:prstDash val="sysDot"/>
+                <a:round/>
+                <a:headEnd/>
+                <a:tailEnd/>
+              </a:ln>
+              <a:extLst>
+                <a:ext uri="{909E8E84-426E-40DD-AFC4-6F175D3DCCD1}">
+                  <a14:hiddenFill xmlns:a14="http://schemas.microsoft.com/office/drawing/2010/main">
+                    <a:noFill/>
+                  </a14:hiddenFill>
+                </a:ext>
+              </a:extLst>
+            </p:spPr>
+          </p:cxnSp>
+          <p:cxnSp>
+            <p:nvCxnSpPr>
+              <p:cNvPr id="129" name="AutoShape 12">
+                <a:extLst>
+                  <a:ext uri="{FF2B5EF4-FFF2-40B4-BE49-F238E27FC236}">
+                    <a16:creationId xmlns:a16="http://schemas.microsoft.com/office/drawing/2014/main" id="{27626FD5-0515-9FB1-4F30-4A7E0CCFE7B4}"/>
+                  </a:ext>
+                </a:extLst>
+              </p:cNvPr>
+              <p:cNvCxnSpPr>
+                <a:cxnSpLocks noChangeShapeType="1"/>
+              </p:cNvCxnSpPr>
+              <p:nvPr/>
+            </p:nvCxnSpPr>
+            <p:spPr bwMode="auto">
+              <a:xfrm>
+                <a:off x="840845" y="88907"/>
+                <a:ext cx="1" cy="2681"/>
+              </a:xfrm>
+              <a:prstGeom prst="straightConnector1">
+                <a:avLst/>
+              </a:prstGeom>
+              <a:noFill/>
+              <a:ln w="12700">
+                <a:solidFill>
+                  <a:srgbClr val="000000"/>
+                </a:solidFill>
+                <a:prstDash val="sysDot"/>
+                <a:round/>
+                <a:headEnd/>
+                <a:tailEnd/>
+              </a:ln>
+              <a:extLst>
+                <a:ext uri="{909E8E84-426E-40DD-AFC4-6F175D3DCCD1}">
+                  <a14:hiddenFill xmlns:a14="http://schemas.microsoft.com/office/drawing/2010/main">
+                    <a:noFill/>
+                  </a14:hiddenFill>
+                </a:ext>
+              </a:extLst>
+            </p:spPr>
+          </p:cxnSp>
+          <p:cxnSp>
+            <p:nvCxnSpPr>
+              <p:cNvPr id="130" name="AutoShape 13">
+                <a:extLst>
+                  <a:ext uri="{FF2B5EF4-FFF2-40B4-BE49-F238E27FC236}">
+                    <a16:creationId xmlns:a16="http://schemas.microsoft.com/office/drawing/2014/main" id="{D6274EFB-B520-860F-B09B-AC7893AB4BCF}"/>
+                  </a:ext>
+                </a:extLst>
+              </p:cNvPr>
+              <p:cNvCxnSpPr>
+                <a:cxnSpLocks noChangeShapeType="1"/>
+              </p:cNvCxnSpPr>
+              <p:nvPr/>
+            </p:nvCxnSpPr>
+            <p:spPr bwMode="auto">
+              <a:xfrm rot="5400000">
+                <a:off x="842176" y="87568"/>
+                <a:ext cx="1" cy="2681"/>
+              </a:xfrm>
+              <a:prstGeom prst="straightConnector1">
+                <a:avLst/>
+              </a:prstGeom>
+              <a:noFill/>
+              <a:ln w="12700">
+                <a:solidFill>
+                  <a:srgbClr val="000000"/>
+                </a:solidFill>
+                <a:prstDash val="sysDot"/>
+                <a:round/>
+                <a:headEnd/>
+                <a:tailEnd/>
+              </a:ln>
+              <a:extLst>
+                <a:ext uri="{909E8E84-426E-40DD-AFC4-6F175D3DCCD1}">
+                  <a14:hiddenFill xmlns:a14="http://schemas.microsoft.com/office/drawing/2010/main">
+                    <a:noFill/>
+                  </a14:hiddenFill>
+                </a:ext>
+              </a:extLst>
+            </p:spPr>
+          </p:cxnSp>
+          <p:cxnSp>
+            <p:nvCxnSpPr>
+              <p:cNvPr id="131" name="AutoShape 14">
+                <a:extLst>
+                  <a:ext uri="{FF2B5EF4-FFF2-40B4-BE49-F238E27FC236}">
+                    <a16:creationId xmlns:a16="http://schemas.microsoft.com/office/drawing/2014/main" id="{0C53114B-A82A-4885-6C9E-7DB3FEE519CF}"/>
+                  </a:ext>
+                </a:extLst>
+              </p:cNvPr>
+              <p:cNvCxnSpPr>
+                <a:cxnSpLocks noChangeShapeType="1"/>
+              </p:cNvCxnSpPr>
+              <p:nvPr/>
+            </p:nvCxnSpPr>
+            <p:spPr bwMode="auto">
+              <a:xfrm rot="5400000">
+                <a:off x="842176" y="90259"/>
+                <a:ext cx="1" cy="2681"/>
+              </a:xfrm>
+              <a:prstGeom prst="straightConnector1">
+                <a:avLst/>
+              </a:prstGeom>
+              <a:noFill/>
+              <a:ln w="12700">
+                <a:solidFill>
+                  <a:srgbClr val="000000"/>
+                </a:solidFill>
+                <a:prstDash val="sysDot"/>
+                <a:round/>
+                <a:headEnd/>
+                <a:tailEnd/>
+              </a:ln>
+              <a:extLst>
+                <a:ext uri="{909E8E84-426E-40DD-AFC4-6F175D3DCCD1}">
+                  <a14:hiddenFill xmlns:a14="http://schemas.microsoft.com/office/drawing/2010/main">
+                    <a:noFill/>
+                  </a14:hiddenFill>
+                </a:ext>
+              </a:extLst>
+            </p:spPr>
+          </p:cxnSp>
+        </p:grpSp>
+        <p:sp>
+          <p:nvSpPr>
+            <p:cNvPr id="465" name="Oval 15">
+              <a:extLst>
+                <a:ext uri="{FF2B5EF4-FFF2-40B4-BE49-F238E27FC236}">
+                  <a16:creationId xmlns:a16="http://schemas.microsoft.com/office/drawing/2014/main" id="{0AF6251F-3806-118F-F1E3-70074167E3A4}"/>
+                </a:ext>
+              </a:extLst>
+            </p:cNvPr>
+            <p:cNvSpPr>
+              <a:spLocks noChangeAspect="1" noChangeArrowheads="1"/>
+            </p:cNvSpPr>
+            <p:nvPr/>
+          </p:nvSpPr>
+          <p:spPr bwMode="auto">
+            <a:xfrm>
+              <a:off x="756285" y="3175"/>
+              <a:ext cx="170815" cy="170180"/>
+            </a:xfrm>
+            <a:prstGeom prst="ellipse">
+              <a:avLst/>
+            </a:prstGeom>
+            <a:solidFill>
+              <a:srgbClr val="FFFFFF"/>
+            </a:solidFill>
+            <a:ln w="12700">
+              <a:solidFill>
+                <a:srgbClr val="000000"/>
+              </a:solidFill>
+              <a:round/>
+              <a:headEnd/>
+              <a:tailEnd/>
+            </a:ln>
+          </p:spPr>
+          <p:txBody>
+            <a:bodyPr rot="0" vert="horz" wrap="square" lIns="91440" tIns="45720" rIns="91440" bIns="45720" anchor="t" anchorCtr="0" upright="1">
+              <a:noAutofit/>
+            </a:bodyPr>
+            <a:lstStyle/>
+            <a:p>
+              <a:endParaRPr lang="uk-UA"/>
+            </a:p>
+          </p:txBody>
+        </p:sp>
+        <p:sp>
+          <p:nvSpPr>
+            <p:cNvPr id="466" name="Rectangle 16">
+              <a:extLst>
+                <a:ext uri="{FF2B5EF4-FFF2-40B4-BE49-F238E27FC236}">
+                  <a16:creationId xmlns:a16="http://schemas.microsoft.com/office/drawing/2014/main" id="{3C04B4A7-FD74-1BE0-AC08-D66B49B57BF0}"/>
+                </a:ext>
+              </a:extLst>
+            </p:cNvPr>
+            <p:cNvSpPr>
+              <a:spLocks noChangeArrowheads="1"/>
+            </p:cNvSpPr>
+            <p:nvPr/>
+          </p:nvSpPr>
+          <p:spPr bwMode="auto">
+            <a:xfrm rot="15249880">
+              <a:off x="772160" y="231140"/>
+              <a:ext cx="226695" cy="30480"/>
+            </a:xfrm>
+            <a:prstGeom prst="rect">
+              <a:avLst/>
+            </a:prstGeom>
+            <a:solidFill>
+              <a:srgbClr val="FFFFFF"/>
+            </a:solidFill>
+            <a:ln w="12700">
+              <a:solidFill>
+                <a:srgbClr val="000000"/>
+              </a:solidFill>
+              <a:miter lim="800000"/>
+              <a:headEnd/>
+              <a:tailEnd/>
+            </a:ln>
+          </p:spPr>
+          <p:txBody>
+            <a:bodyPr rot="0" vert="horz" wrap="square" lIns="91440" tIns="45720" rIns="91440" bIns="45720" anchor="t" anchorCtr="0" upright="1">
+              <a:noAutofit/>
+            </a:bodyPr>
+            <a:lstStyle/>
+            <a:p>
+              <a:endParaRPr lang="uk-UA"/>
+            </a:p>
+          </p:txBody>
+        </p:sp>
+        <p:sp>
+          <p:nvSpPr>
+            <p:cNvPr id="467" name="Oval 17">
+              <a:extLst>
+                <a:ext uri="{FF2B5EF4-FFF2-40B4-BE49-F238E27FC236}">
+                  <a16:creationId xmlns:a16="http://schemas.microsoft.com/office/drawing/2014/main" id="{9A0489BF-7F31-120C-DCF5-471C1C8D5357}"/>
+                </a:ext>
+              </a:extLst>
+            </p:cNvPr>
+            <p:cNvSpPr>
+              <a:spLocks noChangeAspect="1" noChangeArrowheads="1"/>
+            </p:cNvSpPr>
+            <p:nvPr/>
+          </p:nvSpPr>
+          <p:spPr bwMode="auto">
+            <a:xfrm>
+              <a:off x="949960" y="116205"/>
+              <a:ext cx="170815" cy="170180"/>
+            </a:xfrm>
+            <a:prstGeom prst="ellipse">
+              <a:avLst/>
+            </a:prstGeom>
+            <a:solidFill>
+              <a:srgbClr val="FFFFFF"/>
+            </a:solidFill>
+            <a:ln w="12700">
+              <a:solidFill>
+                <a:srgbClr val="000000"/>
+              </a:solidFill>
+              <a:round/>
+              <a:headEnd/>
+              <a:tailEnd/>
+            </a:ln>
+          </p:spPr>
+          <p:txBody>
+            <a:bodyPr rot="0" vert="horz" wrap="square" lIns="91440" tIns="45720" rIns="91440" bIns="45720" anchor="t" anchorCtr="0" upright="1">
+              <a:noAutofit/>
+            </a:bodyPr>
+            <a:lstStyle/>
+            <a:p>
+              <a:endParaRPr lang="uk-UA"/>
+            </a:p>
+          </p:txBody>
+        </p:sp>
+        <p:sp>
+          <p:nvSpPr>
+            <p:cNvPr id="468" name="Rectangle 18">
+              <a:extLst>
+                <a:ext uri="{FF2B5EF4-FFF2-40B4-BE49-F238E27FC236}">
+                  <a16:creationId xmlns:a16="http://schemas.microsoft.com/office/drawing/2014/main" id="{E07ED954-EE72-21B9-3E64-8320E3A9424F}"/>
+                </a:ext>
+              </a:extLst>
+            </p:cNvPr>
+            <p:cNvSpPr>
+              <a:spLocks noChangeArrowheads="1"/>
+            </p:cNvSpPr>
+            <p:nvPr/>
+          </p:nvSpPr>
+          <p:spPr bwMode="auto">
+            <a:xfrm rot="15154120">
+              <a:off x="988060" y="339090"/>
+              <a:ext cx="191135" cy="30480"/>
+            </a:xfrm>
+            <a:prstGeom prst="rect">
+              <a:avLst/>
+            </a:prstGeom>
+            <a:solidFill>
+              <a:srgbClr val="FFFFFF"/>
+            </a:solidFill>
+            <a:ln w="12700">
+              <a:solidFill>
+                <a:srgbClr val="000000"/>
+              </a:solidFill>
+              <a:miter lim="800000"/>
+              <a:headEnd/>
+              <a:tailEnd/>
+            </a:ln>
+          </p:spPr>
+          <p:txBody>
+            <a:bodyPr rot="0" vert="horz" wrap="square" lIns="91440" tIns="45720" rIns="91440" bIns="45720" anchor="t" anchorCtr="0" upright="1">
+              <a:noAutofit/>
+            </a:bodyPr>
+            <a:lstStyle/>
+            <a:p>
+              <a:endParaRPr lang="uk-UA"/>
+            </a:p>
+          </p:txBody>
+        </p:sp>
+        <p:sp>
+          <p:nvSpPr>
+            <p:cNvPr id="469" name="Rectangle 19">
+              <a:extLst>
+                <a:ext uri="{FF2B5EF4-FFF2-40B4-BE49-F238E27FC236}">
+                  <a16:creationId xmlns:a16="http://schemas.microsoft.com/office/drawing/2014/main" id="{2D2FE136-5A42-047F-C67A-2FA81F42E68B}"/>
+                </a:ext>
+              </a:extLst>
+            </p:cNvPr>
+            <p:cNvSpPr>
+              <a:spLocks noChangeArrowheads="1"/>
+            </p:cNvSpPr>
+            <p:nvPr/>
+          </p:nvSpPr>
+          <p:spPr bwMode="auto">
+            <a:xfrm rot="1513175">
+              <a:off x="986790" y="527050"/>
+              <a:ext cx="392430" cy="30480"/>
+            </a:xfrm>
+            <a:prstGeom prst="rect">
+              <a:avLst/>
+            </a:prstGeom>
+            <a:solidFill>
+              <a:srgbClr val="FFFFFF"/>
+            </a:solidFill>
+            <a:ln w="12700">
+              <a:solidFill>
+                <a:srgbClr val="000000"/>
+              </a:solidFill>
+              <a:miter lim="800000"/>
+              <a:headEnd/>
+              <a:tailEnd/>
+            </a:ln>
+          </p:spPr>
+          <p:txBody>
+            <a:bodyPr rot="0" vert="horz" wrap="square" lIns="91440" tIns="45720" rIns="91440" bIns="45720" anchor="t" anchorCtr="0" upright="1">
+              <a:noAutofit/>
+            </a:bodyPr>
+            <a:lstStyle/>
+            <a:p>
+              <a:endParaRPr lang="uk-UA"/>
+            </a:p>
+          </p:txBody>
+        </p:sp>
+        <p:cxnSp>
+          <p:nvCxnSpPr>
+            <p:cNvPr id="470" name="AutoShape 20">
+              <a:extLst>
+                <a:ext uri="{FF2B5EF4-FFF2-40B4-BE49-F238E27FC236}">
+                  <a16:creationId xmlns:a16="http://schemas.microsoft.com/office/drawing/2014/main" id="{29AECC01-1993-1C04-26E2-477B8045DCA1}"/>
+                </a:ext>
+              </a:extLst>
+            </p:cNvPr>
+            <p:cNvCxnSpPr>
+              <a:cxnSpLocks noChangeShapeType="1"/>
+            </p:cNvCxnSpPr>
+            <p:nvPr/>
+          </p:nvCxnSpPr>
+          <p:spPr bwMode="auto">
+            <a:xfrm flipV="1">
+              <a:off x="1236345" y="88900"/>
+              <a:ext cx="755015" cy="231140"/>
+            </a:xfrm>
+            <a:prstGeom prst="straightConnector1">
+              <a:avLst/>
+            </a:prstGeom>
+            <a:noFill/>
+            <a:ln w="12700">
+              <a:solidFill>
+                <a:srgbClr val="000000"/>
+              </a:solidFill>
+              <a:prstDash val="sysDot"/>
+              <a:round/>
+              <a:headEnd/>
+              <a:tailEnd/>
+            </a:ln>
+            <a:extLst>
+              <a:ext uri="{909E8E84-426E-40DD-AFC4-6F175D3DCCD1}">
+                <a14:hiddenFill xmlns:a14="http://schemas.microsoft.com/office/drawing/2010/main">
+                  <a:noFill/>
+                </a14:hiddenFill>
+              </a:ext>
+            </a:extLst>
+          </p:spPr>
+        </p:cxnSp>
+        <p:cxnSp>
+          <p:nvCxnSpPr>
+            <p:cNvPr id="471" name="AutoShape 21">
+              <a:extLst>
+                <a:ext uri="{FF2B5EF4-FFF2-40B4-BE49-F238E27FC236}">
+                  <a16:creationId xmlns:a16="http://schemas.microsoft.com/office/drawing/2014/main" id="{F2648BB2-BF4E-65EA-E167-3E245AD50F39}"/>
+                </a:ext>
+              </a:extLst>
+            </p:cNvPr>
+            <p:cNvCxnSpPr>
+              <a:cxnSpLocks noChangeShapeType="1"/>
+            </p:cNvCxnSpPr>
+            <p:nvPr/>
+          </p:nvCxnSpPr>
+          <p:spPr bwMode="auto">
+            <a:xfrm flipV="1">
+              <a:off x="1236345" y="1243330"/>
+              <a:ext cx="758190" cy="228600"/>
+            </a:xfrm>
+            <a:prstGeom prst="straightConnector1">
+              <a:avLst/>
+            </a:prstGeom>
+            <a:noFill/>
+            <a:ln w="12700">
+              <a:solidFill>
+                <a:srgbClr val="000000"/>
+              </a:solidFill>
+              <a:prstDash val="sysDot"/>
+              <a:round/>
+              <a:headEnd/>
+              <a:tailEnd/>
+            </a:ln>
+            <a:extLst>
+              <a:ext uri="{909E8E84-426E-40DD-AFC4-6F175D3DCCD1}">
+                <a14:hiddenFill xmlns:a14="http://schemas.microsoft.com/office/drawing/2010/main">
+                  <a:noFill/>
+                </a14:hiddenFill>
+              </a:ext>
+            </a:extLst>
+          </p:spPr>
+        </p:cxnSp>
+        <p:cxnSp>
+          <p:nvCxnSpPr>
+            <p:cNvPr id="472" name="AutoShape 22">
+              <a:extLst>
+                <a:ext uri="{FF2B5EF4-FFF2-40B4-BE49-F238E27FC236}">
+                  <a16:creationId xmlns:a16="http://schemas.microsoft.com/office/drawing/2014/main" id="{F714EB4B-9463-396D-11E0-9FAD0E1B8EF7}"/>
+                </a:ext>
+              </a:extLst>
+            </p:cNvPr>
+            <p:cNvCxnSpPr>
+              <a:cxnSpLocks noChangeShapeType="1"/>
+            </p:cNvCxnSpPr>
+            <p:nvPr/>
+          </p:nvCxnSpPr>
+          <p:spPr bwMode="auto">
+            <a:xfrm flipV="1">
+              <a:off x="84455" y="1239520"/>
+              <a:ext cx="758190" cy="231775"/>
+            </a:xfrm>
+            <a:prstGeom prst="straightConnector1">
+              <a:avLst/>
+            </a:prstGeom>
+            <a:noFill/>
+            <a:ln w="12700">
+              <a:solidFill>
+                <a:srgbClr val="000000"/>
+              </a:solidFill>
+              <a:prstDash val="sysDot"/>
+              <a:round/>
+              <a:headEnd/>
+              <a:tailEnd/>
+            </a:ln>
+            <a:extLst>
+              <a:ext uri="{909E8E84-426E-40DD-AFC4-6F175D3DCCD1}">
+                <a14:hiddenFill xmlns:a14="http://schemas.microsoft.com/office/drawing/2010/main">
+                  <a:noFill/>
+                </a14:hiddenFill>
+              </a:ext>
+            </a:extLst>
+          </p:spPr>
+        </p:cxnSp>
+        <p:sp>
+          <p:nvSpPr>
+            <p:cNvPr id="473" name="Oval 23">
+              <a:extLst>
+                <a:ext uri="{FF2B5EF4-FFF2-40B4-BE49-F238E27FC236}">
+                  <a16:creationId xmlns:a16="http://schemas.microsoft.com/office/drawing/2014/main" id="{3AE35DC3-51D6-12F0-2D49-82AB553E9413}"/>
+                </a:ext>
+              </a:extLst>
+            </p:cNvPr>
+            <p:cNvSpPr>
+              <a:spLocks noChangeAspect="1" noChangeArrowheads="1"/>
+            </p:cNvSpPr>
+            <p:nvPr/>
+          </p:nvSpPr>
+          <p:spPr bwMode="auto">
+            <a:xfrm>
+              <a:off x="757555" y="1154430"/>
+              <a:ext cx="170815" cy="170180"/>
+            </a:xfrm>
+            <a:prstGeom prst="ellipse">
+              <a:avLst/>
+            </a:prstGeom>
+            <a:solidFill>
+              <a:srgbClr val="FFFFFF"/>
+            </a:solidFill>
+            <a:ln w="12700">
+              <a:solidFill>
+                <a:srgbClr val="000000"/>
+              </a:solidFill>
+              <a:round/>
+              <a:headEnd/>
+              <a:tailEnd/>
+            </a:ln>
+          </p:spPr>
+          <p:txBody>
+            <a:bodyPr rot="0" vert="horz" wrap="square" lIns="91440" tIns="45720" rIns="91440" bIns="45720" anchor="t" anchorCtr="0" upright="1">
+              <a:noAutofit/>
+            </a:bodyPr>
+            <a:lstStyle/>
+            <a:p>
+              <a:endParaRPr lang="uk-UA"/>
+            </a:p>
+          </p:txBody>
+        </p:sp>
+        <p:grpSp>
+          <p:nvGrpSpPr>
+            <p:cNvPr id="474" name="Group 24">
+              <a:extLst>
+                <a:ext uri="{FF2B5EF4-FFF2-40B4-BE49-F238E27FC236}">
+                  <a16:creationId xmlns:a16="http://schemas.microsoft.com/office/drawing/2014/main" id="{BBBC2AE1-DBF4-5CA7-A323-04CD7742316D}"/>
+                </a:ext>
+              </a:extLst>
+            </p:cNvPr>
+            <p:cNvGrpSpPr>
+              <a:grpSpLocks/>
+            </p:cNvGrpSpPr>
+            <p:nvPr/>
+          </p:nvGrpSpPr>
+          <p:grpSpPr bwMode="auto">
+            <a:xfrm>
+              <a:off x="658495" y="532765"/>
+              <a:ext cx="487045" cy="360680"/>
+              <a:chOff x="658495" y="532765"/>
+              <a:chExt cx="1132" cy="841"/>
+            </a:xfrm>
+          </p:grpSpPr>
+          <p:cxnSp>
+            <p:nvCxnSpPr>
+              <p:cNvPr id="510" name="AutoShape 25">
+                <a:extLst>
+                  <a:ext uri="{FF2B5EF4-FFF2-40B4-BE49-F238E27FC236}">
+                    <a16:creationId xmlns:a16="http://schemas.microsoft.com/office/drawing/2014/main" id="{798AAF54-78D9-2C9B-F5D6-49CAD70CCF44}"/>
+                  </a:ext>
+                </a:extLst>
+              </p:cNvPr>
+              <p:cNvCxnSpPr>
+                <a:cxnSpLocks noChangeShapeType="1"/>
+              </p:cNvCxnSpPr>
+              <p:nvPr/>
+            </p:nvCxnSpPr>
+            <p:spPr bwMode="auto">
+              <a:xfrm flipH="1">
+                <a:off x="658495" y="532765"/>
+                <a:ext cx="1102" cy="810"/>
+              </a:xfrm>
+              <a:prstGeom prst="straightConnector1">
+                <a:avLst/>
+              </a:prstGeom>
+              <a:noFill/>
+              <a:ln w="12700">
+                <a:solidFill>
+                  <a:srgbClr val="000000"/>
+                </a:solidFill>
+                <a:round/>
+                <a:headEnd/>
+                <a:tailEnd/>
+              </a:ln>
+              <a:extLst>
+                <a:ext uri="{909E8E84-426E-40DD-AFC4-6F175D3DCCD1}">
+                  <a14:hiddenFill xmlns:a14="http://schemas.microsoft.com/office/drawing/2010/main">
+                    <a:noFill/>
+                  </a14:hiddenFill>
+                </a:ext>
+              </a:extLst>
+            </p:spPr>
+          </p:cxnSp>
+          <p:cxnSp>
+            <p:nvCxnSpPr>
+              <p:cNvPr id="511" name="AutoShape 26">
+                <a:extLst>
+                  <a:ext uri="{FF2B5EF4-FFF2-40B4-BE49-F238E27FC236}">
+                    <a16:creationId xmlns:a16="http://schemas.microsoft.com/office/drawing/2014/main" id="{563EE544-0312-5D1E-17A4-CAE7A88A560E}"/>
+                  </a:ext>
+                </a:extLst>
+              </p:cNvPr>
+              <p:cNvCxnSpPr>
+                <a:cxnSpLocks noChangeShapeType="1"/>
+              </p:cNvCxnSpPr>
+              <p:nvPr/>
+            </p:nvCxnSpPr>
+            <p:spPr bwMode="auto">
+              <a:xfrm flipH="1">
+                <a:off x="658525" y="532796"/>
+                <a:ext cx="1102" cy="810"/>
+              </a:xfrm>
+              <a:prstGeom prst="straightConnector1">
+                <a:avLst/>
+              </a:prstGeom>
+              <a:noFill/>
+              <a:ln w="12700">
+                <a:solidFill>
+                  <a:srgbClr val="000000"/>
+                </a:solidFill>
+                <a:round/>
+                <a:headEnd/>
+                <a:tailEnd/>
+              </a:ln>
+              <a:extLst>
+                <a:ext uri="{909E8E84-426E-40DD-AFC4-6F175D3DCCD1}">
+                  <a14:hiddenFill xmlns:a14="http://schemas.microsoft.com/office/drawing/2010/main">
+                    <a:noFill/>
+                  </a14:hiddenFill>
+                </a:ext>
+              </a:extLst>
+            </p:spPr>
+          </p:cxnSp>
+        </p:grpSp>
+        <p:grpSp>
+          <p:nvGrpSpPr>
+            <p:cNvPr id="475" name="Group 27">
+              <a:extLst>
+                <a:ext uri="{FF2B5EF4-FFF2-40B4-BE49-F238E27FC236}">
+                  <a16:creationId xmlns:a16="http://schemas.microsoft.com/office/drawing/2014/main" id="{FB530AA4-7557-665E-5C88-F8E0321EAABB}"/>
+                </a:ext>
+              </a:extLst>
+            </p:cNvPr>
+            <p:cNvGrpSpPr>
+              <a:grpSpLocks/>
+            </p:cNvGrpSpPr>
+            <p:nvPr/>
+          </p:nvGrpSpPr>
+          <p:grpSpPr bwMode="auto">
+            <a:xfrm>
+              <a:off x="1132840" y="532765"/>
+              <a:ext cx="487680" cy="253365"/>
+              <a:chOff x="1132840" y="532765"/>
+              <a:chExt cx="1133" cy="592"/>
+            </a:xfrm>
+          </p:grpSpPr>
+          <p:cxnSp>
+            <p:nvCxnSpPr>
+              <p:cNvPr id="508" name="AutoShape 28">
+                <a:extLst>
+                  <a:ext uri="{FF2B5EF4-FFF2-40B4-BE49-F238E27FC236}">
+                    <a16:creationId xmlns:a16="http://schemas.microsoft.com/office/drawing/2014/main" id="{0B3B8980-F551-F638-8B15-93D92B60F0A0}"/>
+                  </a:ext>
+                </a:extLst>
+              </p:cNvPr>
+              <p:cNvCxnSpPr>
+                <a:cxnSpLocks noChangeShapeType="1"/>
+              </p:cNvCxnSpPr>
+              <p:nvPr/>
+            </p:nvCxnSpPr>
+            <p:spPr bwMode="auto">
+              <a:xfrm>
+                <a:off x="1132871" y="532765"/>
+                <a:ext cx="1102" cy="547"/>
+              </a:xfrm>
+              <a:prstGeom prst="straightConnector1">
+                <a:avLst/>
+              </a:prstGeom>
+              <a:noFill/>
+              <a:ln w="12700">
+                <a:solidFill>
+                  <a:srgbClr val="000000"/>
+                </a:solidFill>
+                <a:round/>
+                <a:headEnd/>
+                <a:tailEnd/>
+              </a:ln>
+              <a:extLst>
+                <a:ext uri="{909E8E84-426E-40DD-AFC4-6F175D3DCCD1}">
+                  <a14:hiddenFill xmlns:a14="http://schemas.microsoft.com/office/drawing/2010/main">
+                    <a:noFill/>
+                  </a14:hiddenFill>
+                </a:ext>
+              </a:extLst>
+            </p:spPr>
+          </p:cxnSp>
+          <p:cxnSp>
+            <p:nvCxnSpPr>
+              <p:cNvPr id="509" name="AutoShape 29">
+                <a:extLst>
+                  <a:ext uri="{FF2B5EF4-FFF2-40B4-BE49-F238E27FC236}">
+                    <a16:creationId xmlns:a16="http://schemas.microsoft.com/office/drawing/2014/main" id="{A2048EFA-B17C-2376-DB81-966D56A396BB}"/>
+                  </a:ext>
+                </a:extLst>
+              </p:cNvPr>
+              <p:cNvCxnSpPr>
+                <a:cxnSpLocks noChangeShapeType="1"/>
+              </p:cNvCxnSpPr>
+              <p:nvPr/>
+            </p:nvCxnSpPr>
+            <p:spPr bwMode="auto">
+              <a:xfrm>
+                <a:off x="1132840" y="532810"/>
+                <a:ext cx="1102" cy="547"/>
+              </a:xfrm>
+              <a:prstGeom prst="straightConnector1">
+                <a:avLst/>
+              </a:prstGeom>
+              <a:noFill/>
+              <a:ln w="12700">
+                <a:solidFill>
+                  <a:srgbClr val="000000"/>
+                </a:solidFill>
+                <a:round/>
+                <a:headEnd/>
+                <a:tailEnd/>
+              </a:ln>
+              <a:extLst>
+                <a:ext uri="{909E8E84-426E-40DD-AFC4-6F175D3DCCD1}">
+                  <a14:hiddenFill xmlns:a14="http://schemas.microsoft.com/office/drawing/2010/main">
+                    <a:noFill/>
+                  </a14:hiddenFill>
+                </a:ext>
+              </a:extLst>
+            </p:spPr>
+          </p:cxnSp>
+        </p:grpSp>
+        <p:sp>
+          <p:nvSpPr>
+            <p:cNvPr id="476" name="Oval 30">
+              <a:extLst>
+                <a:ext uri="{FF2B5EF4-FFF2-40B4-BE49-F238E27FC236}">
+                  <a16:creationId xmlns:a16="http://schemas.microsoft.com/office/drawing/2014/main" id="{CBCD7ACF-5046-33FF-7257-AC6FC2733F68}"/>
+                </a:ext>
+              </a:extLst>
+            </p:cNvPr>
+            <p:cNvSpPr>
+              <a:spLocks noChangeAspect="1" noChangeArrowheads="1"/>
+            </p:cNvSpPr>
+            <p:nvPr/>
+          </p:nvSpPr>
+          <p:spPr bwMode="auto">
+            <a:xfrm>
+              <a:off x="856615" y="351790"/>
+              <a:ext cx="170815" cy="170180"/>
+            </a:xfrm>
+            <a:prstGeom prst="ellipse">
+              <a:avLst/>
+            </a:prstGeom>
+            <a:solidFill>
+              <a:srgbClr val="FFFFFF"/>
+            </a:solidFill>
+            <a:ln w="12700">
+              <a:solidFill>
+                <a:srgbClr val="000000"/>
+              </a:solidFill>
+              <a:round/>
+              <a:headEnd/>
+              <a:tailEnd/>
+            </a:ln>
+          </p:spPr>
+          <p:txBody>
+            <a:bodyPr rot="0" vert="horz" wrap="square" lIns="91440" tIns="45720" rIns="91440" bIns="45720" anchor="t" anchorCtr="0" upright="1">
+              <a:noAutofit/>
+            </a:bodyPr>
+            <a:lstStyle/>
+            <a:p>
+              <a:endParaRPr lang="uk-UA"/>
+            </a:p>
+          </p:txBody>
+        </p:sp>
+        <p:sp>
+          <p:nvSpPr>
+            <p:cNvPr id="477" name="Oval 31">
+              <a:extLst>
+                <a:ext uri="{FF2B5EF4-FFF2-40B4-BE49-F238E27FC236}">
+                  <a16:creationId xmlns:a16="http://schemas.microsoft.com/office/drawing/2014/main" id="{08A710DC-6A14-7A07-27E3-EBA031F33C6A}"/>
+                </a:ext>
+              </a:extLst>
+            </p:cNvPr>
+            <p:cNvSpPr>
+              <a:spLocks noChangeAspect="1" noChangeArrowheads="1"/>
+            </p:cNvSpPr>
+            <p:nvPr/>
+          </p:nvSpPr>
+          <p:spPr bwMode="auto">
+            <a:xfrm>
+              <a:off x="1048385" y="442595"/>
+              <a:ext cx="170815" cy="170180"/>
+            </a:xfrm>
+            <a:prstGeom prst="ellipse">
+              <a:avLst/>
+            </a:prstGeom>
+            <a:solidFill>
+              <a:srgbClr val="FFFFFF"/>
+            </a:solidFill>
+            <a:ln w="12700">
+              <a:solidFill>
+                <a:srgbClr val="000000"/>
+              </a:solidFill>
+              <a:round/>
+              <a:headEnd/>
+              <a:tailEnd/>
+            </a:ln>
+          </p:spPr>
+          <p:txBody>
+            <a:bodyPr rot="0" vert="horz" wrap="square" lIns="91440" tIns="45720" rIns="91440" bIns="45720" anchor="t" anchorCtr="0" upright="1">
+              <a:noAutofit/>
+            </a:bodyPr>
+            <a:lstStyle/>
+            <a:p>
+              <a:endParaRPr lang="uk-UA"/>
+            </a:p>
+          </p:txBody>
+        </p:sp>
+        <p:sp>
+          <p:nvSpPr>
+            <p:cNvPr id="478" name="Oval 32">
+              <a:extLst>
+                <a:ext uri="{FF2B5EF4-FFF2-40B4-BE49-F238E27FC236}">
+                  <a16:creationId xmlns:a16="http://schemas.microsoft.com/office/drawing/2014/main" id="{1D6F9A79-9D16-7748-C62D-A613C67066AD}"/>
+                </a:ext>
+              </a:extLst>
+            </p:cNvPr>
+            <p:cNvSpPr>
+              <a:spLocks noChangeAspect="1" noChangeArrowheads="1"/>
+            </p:cNvSpPr>
+            <p:nvPr/>
+          </p:nvSpPr>
+          <p:spPr bwMode="auto">
+            <a:xfrm>
+              <a:off x="419100" y="638175"/>
+              <a:ext cx="170815" cy="170180"/>
+            </a:xfrm>
+            <a:prstGeom prst="ellipse">
+              <a:avLst/>
+            </a:prstGeom>
+            <a:solidFill>
+              <a:srgbClr val="FFFFFF"/>
+            </a:solidFill>
+            <a:ln w="12700">
+              <a:solidFill>
+                <a:srgbClr val="000000"/>
+              </a:solidFill>
+              <a:round/>
+              <a:headEnd/>
+              <a:tailEnd/>
+            </a:ln>
+          </p:spPr>
+          <p:txBody>
+            <a:bodyPr rot="0" vert="horz" wrap="square" lIns="91440" tIns="45720" rIns="91440" bIns="45720" anchor="t" anchorCtr="0" upright="1">
+              <a:noAutofit/>
+            </a:bodyPr>
+            <a:lstStyle/>
+            <a:p>
+              <a:endParaRPr lang="uk-UA"/>
+            </a:p>
+          </p:txBody>
+        </p:sp>
+        <p:cxnSp>
+          <p:nvCxnSpPr>
+            <p:cNvPr id="479" name="AutoShape 33">
+              <a:extLst>
+                <a:ext uri="{FF2B5EF4-FFF2-40B4-BE49-F238E27FC236}">
+                  <a16:creationId xmlns:a16="http://schemas.microsoft.com/office/drawing/2014/main" id="{190DA0C2-EB4B-522D-BC19-97E718705E2D}"/>
+                </a:ext>
+              </a:extLst>
+            </p:cNvPr>
+            <p:cNvCxnSpPr>
+              <a:cxnSpLocks noChangeShapeType="1"/>
+            </p:cNvCxnSpPr>
+            <p:nvPr/>
+          </p:nvCxnSpPr>
+          <p:spPr bwMode="auto">
+            <a:xfrm>
+              <a:off x="761365" y="1588135"/>
+              <a:ext cx="0" cy="635"/>
+            </a:xfrm>
+            <a:prstGeom prst="straightConnector1">
+              <a:avLst/>
+            </a:prstGeom>
+            <a:noFill/>
+            <a:ln w="9525">
+              <a:solidFill>
+                <a:srgbClr val="000000"/>
+              </a:solidFill>
+              <a:round/>
+              <a:headEnd/>
+              <a:tailEnd/>
+            </a:ln>
+            <a:extLst>
+              <a:ext uri="{909E8E84-426E-40DD-AFC4-6F175D3DCCD1}">
+                <a14:hiddenFill xmlns:a14="http://schemas.microsoft.com/office/drawing/2010/main">
+                  <a:noFill/>
+                </a14:hiddenFill>
+              </a:ext>
+            </a:extLst>
+          </p:spPr>
+        </p:cxnSp>
+        <p:sp>
+          <p:nvSpPr>
+            <p:cNvPr id="480" name="Oval 34">
+              <a:extLst>
+                <a:ext uri="{FF2B5EF4-FFF2-40B4-BE49-F238E27FC236}">
+                  <a16:creationId xmlns:a16="http://schemas.microsoft.com/office/drawing/2014/main" id="{2411A6CE-FA5D-3645-5947-F6CADEA8DBFB}"/>
+                </a:ext>
+              </a:extLst>
+            </p:cNvPr>
+            <p:cNvSpPr>
+              <a:spLocks noChangeAspect="1" noChangeArrowheads="1"/>
+            </p:cNvSpPr>
+            <p:nvPr/>
+          </p:nvSpPr>
+          <p:spPr bwMode="auto">
+            <a:xfrm>
+              <a:off x="1906270" y="0"/>
+              <a:ext cx="170815" cy="170180"/>
+            </a:xfrm>
+            <a:prstGeom prst="ellipse">
+              <a:avLst/>
+            </a:prstGeom>
+            <a:solidFill>
+              <a:srgbClr val="FFFFFF"/>
+            </a:solidFill>
+            <a:ln w="12700">
+              <a:solidFill>
+                <a:srgbClr val="000000"/>
+              </a:solidFill>
+              <a:round/>
+              <a:headEnd/>
+              <a:tailEnd/>
+            </a:ln>
+          </p:spPr>
+          <p:txBody>
+            <a:bodyPr rot="0" vert="horz" wrap="square" lIns="91440" tIns="45720" rIns="91440" bIns="45720" anchor="t" anchorCtr="0" upright="1">
+              <a:noAutofit/>
+            </a:bodyPr>
+            <a:lstStyle/>
+            <a:p>
+              <a:endParaRPr lang="uk-UA"/>
+            </a:p>
+          </p:txBody>
+        </p:sp>
+        <p:sp>
+          <p:nvSpPr>
+            <p:cNvPr id="481" name="Rectangle 35">
+              <a:extLst>
+                <a:ext uri="{FF2B5EF4-FFF2-40B4-BE49-F238E27FC236}">
+                  <a16:creationId xmlns:a16="http://schemas.microsoft.com/office/drawing/2014/main" id="{8C409C60-91C1-EA62-DFE6-E8BA894D9B01}"/>
+                </a:ext>
+              </a:extLst>
+            </p:cNvPr>
+            <p:cNvSpPr>
+              <a:spLocks noChangeArrowheads="1"/>
+            </p:cNvSpPr>
+            <p:nvPr/>
+          </p:nvSpPr>
+          <p:spPr bwMode="auto">
+            <a:xfrm rot="19410855">
+              <a:off x="659130" y="694690"/>
+              <a:ext cx="473075" cy="30480"/>
+            </a:xfrm>
+            <a:prstGeom prst="rect">
+              <a:avLst/>
+            </a:prstGeom>
+            <a:solidFill>
+              <a:srgbClr val="FFFFFF"/>
+            </a:solidFill>
+            <a:ln w="12700">
+              <a:solidFill>
+                <a:srgbClr val="000000"/>
+              </a:solidFill>
+              <a:miter lim="800000"/>
+              <a:headEnd/>
+              <a:tailEnd/>
+            </a:ln>
+          </p:spPr>
+          <p:txBody>
+            <a:bodyPr rot="0" vert="horz" wrap="square" lIns="91440" tIns="45720" rIns="91440" bIns="45720" anchor="t" anchorCtr="0" upright="1">
+              <a:noAutofit/>
+            </a:bodyPr>
+            <a:lstStyle/>
+            <a:p>
+              <a:endParaRPr lang="uk-UA"/>
+            </a:p>
+          </p:txBody>
+        </p:sp>
+        <p:sp>
+          <p:nvSpPr>
+            <p:cNvPr id="482" name="Rectangle 36">
+              <a:extLst>
+                <a:ext uri="{FF2B5EF4-FFF2-40B4-BE49-F238E27FC236}">
+                  <a16:creationId xmlns:a16="http://schemas.microsoft.com/office/drawing/2014/main" id="{47D6FBDD-4DCC-CA69-E6AC-E4E0A1CD672D}"/>
+                </a:ext>
+              </a:extLst>
+            </p:cNvPr>
+            <p:cNvSpPr>
+              <a:spLocks noChangeArrowheads="1"/>
+            </p:cNvSpPr>
+            <p:nvPr/>
+          </p:nvSpPr>
+          <p:spPr bwMode="auto">
+            <a:xfrm rot="19599467">
+              <a:off x="525145" y="560070"/>
+              <a:ext cx="397510" cy="30480"/>
+            </a:xfrm>
+            <a:prstGeom prst="rect">
+              <a:avLst/>
+            </a:prstGeom>
+            <a:solidFill>
+              <a:srgbClr val="FFFFFF"/>
+            </a:solidFill>
+            <a:ln w="12700">
+              <a:solidFill>
+                <a:srgbClr val="000000"/>
+              </a:solidFill>
+              <a:miter lim="800000"/>
+              <a:headEnd/>
+              <a:tailEnd/>
+            </a:ln>
+          </p:spPr>
+          <p:txBody>
+            <a:bodyPr rot="0" vert="horz" wrap="square" lIns="91440" tIns="45720" rIns="91440" bIns="45720" anchor="t" anchorCtr="0" upright="1">
+              <a:noAutofit/>
+            </a:bodyPr>
+            <a:lstStyle/>
+            <a:p>
+              <a:endParaRPr lang="uk-UA"/>
+            </a:p>
+          </p:txBody>
+        </p:sp>
+        <p:sp>
+          <p:nvSpPr>
+            <p:cNvPr id="483" name="Rectangle 37">
+              <a:extLst>
+                <a:ext uri="{FF2B5EF4-FFF2-40B4-BE49-F238E27FC236}">
+                  <a16:creationId xmlns:a16="http://schemas.microsoft.com/office/drawing/2014/main" id="{1B469C24-E5FF-AFF6-3095-D7530E2084F2}"/>
+                </a:ext>
+              </a:extLst>
+            </p:cNvPr>
+            <p:cNvSpPr>
+              <a:spLocks noChangeArrowheads="1"/>
+            </p:cNvSpPr>
+            <p:nvPr/>
+          </p:nvSpPr>
+          <p:spPr bwMode="auto">
+            <a:xfrm rot="1608644">
+              <a:off x="627380" y="1231265"/>
+              <a:ext cx="392430" cy="30480"/>
+            </a:xfrm>
+            <a:prstGeom prst="rect">
+              <a:avLst/>
+            </a:prstGeom>
+            <a:solidFill>
+              <a:srgbClr val="FFFFFF"/>
+            </a:solidFill>
+            <a:ln w="12700">
+              <a:solidFill>
+                <a:srgbClr val="000000"/>
+              </a:solidFill>
+              <a:miter lim="800000"/>
+              <a:headEnd/>
+              <a:tailEnd/>
+            </a:ln>
+          </p:spPr>
+          <p:txBody>
+            <a:bodyPr rot="0" vert="horz" wrap="square" lIns="91440" tIns="45720" rIns="91440" bIns="45720" anchor="t" anchorCtr="0" upright="1">
+              <a:noAutofit/>
+            </a:bodyPr>
+            <a:lstStyle/>
+            <a:p>
+              <a:endParaRPr lang="uk-UA"/>
+            </a:p>
+          </p:txBody>
+        </p:sp>
+        <p:sp>
+          <p:nvSpPr>
+            <p:cNvPr id="484" name="Oval 38">
+              <a:extLst>
+                <a:ext uri="{FF2B5EF4-FFF2-40B4-BE49-F238E27FC236}">
+                  <a16:creationId xmlns:a16="http://schemas.microsoft.com/office/drawing/2014/main" id="{F7AC10CB-C4F6-1261-1A2C-D8B10D02DB0A}"/>
+                </a:ext>
+              </a:extLst>
+            </p:cNvPr>
+            <p:cNvSpPr>
+              <a:spLocks noChangeAspect="1" noChangeArrowheads="1"/>
+            </p:cNvSpPr>
+            <p:nvPr/>
+          </p:nvSpPr>
+          <p:spPr bwMode="auto">
+            <a:xfrm>
+              <a:off x="454829" y="993441"/>
+              <a:ext cx="241595" cy="240698"/>
+            </a:xfrm>
+            <a:prstGeom prst="ellipse">
+              <a:avLst/>
+            </a:prstGeom>
+            <a:solidFill>
+              <a:srgbClr val="00B050"/>
+            </a:solidFill>
+            <a:ln w="12700">
+              <a:solidFill>
+                <a:srgbClr val="000000"/>
+              </a:solidFill>
+              <a:round/>
+              <a:headEnd/>
+              <a:tailEnd/>
+            </a:ln>
+          </p:spPr>
+          <p:txBody>
+            <a:bodyPr rot="0" vert="horz" wrap="square" lIns="91440" tIns="45720" rIns="91440" bIns="45720" anchor="t" anchorCtr="0" upright="1">
+              <a:noAutofit/>
+            </a:bodyPr>
+            <a:lstStyle/>
+            <a:p>
+              <a:endParaRPr lang="uk-UA"/>
+            </a:p>
+          </p:txBody>
+        </p:sp>
+        <p:sp>
+          <p:nvSpPr>
+            <p:cNvPr id="485" name="Rectangle 39">
+              <a:extLst>
+                <a:ext uri="{FF2B5EF4-FFF2-40B4-BE49-F238E27FC236}">
+                  <a16:creationId xmlns:a16="http://schemas.microsoft.com/office/drawing/2014/main" id="{B3E07C70-0777-9A70-D841-670BA0676277}"/>
+                </a:ext>
+              </a:extLst>
+            </p:cNvPr>
+            <p:cNvSpPr>
+              <a:spLocks noChangeArrowheads="1"/>
+            </p:cNvSpPr>
+            <p:nvPr/>
+          </p:nvSpPr>
+          <p:spPr bwMode="auto">
+            <a:xfrm rot="19410855">
+              <a:off x="91440" y="1278255"/>
+              <a:ext cx="473075" cy="30480"/>
+            </a:xfrm>
+            <a:prstGeom prst="rect">
+              <a:avLst/>
+            </a:prstGeom>
+            <a:solidFill>
+              <a:srgbClr val="FFFFFF"/>
+            </a:solidFill>
+            <a:ln w="12700">
+              <a:solidFill>
+                <a:srgbClr val="000000"/>
+              </a:solidFill>
+              <a:miter lim="800000"/>
+              <a:headEnd/>
+              <a:tailEnd/>
+            </a:ln>
+          </p:spPr>
+          <p:txBody>
+            <a:bodyPr rot="0" vert="horz" wrap="square" lIns="91440" tIns="45720" rIns="91440" bIns="45720" anchor="t" anchorCtr="0" upright="1">
+              <a:noAutofit/>
+            </a:bodyPr>
+            <a:lstStyle/>
+            <a:p>
+              <a:endParaRPr lang="uk-UA"/>
+            </a:p>
+          </p:txBody>
+        </p:sp>
+        <p:sp>
+          <p:nvSpPr>
+            <p:cNvPr id="486" name="Rectangle 40">
+              <a:extLst>
+                <a:ext uri="{FF2B5EF4-FFF2-40B4-BE49-F238E27FC236}">
+                  <a16:creationId xmlns:a16="http://schemas.microsoft.com/office/drawing/2014/main" id="{E55AE5EE-3992-ABD0-0E07-D55B7184B197}"/>
+                </a:ext>
+              </a:extLst>
+            </p:cNvPr>
+            <p:cNvSpPr>
+              <a:spLocks noChangeArrowheads="1"/>
+            </p:cNvSpPr>
+            <p:nvPr/>
+          </p:nvSpPr>
+          <p:spPr bwMode="auto">
+            <a:xfrm rot="17573055">
+              <a:off x="558800" y="1006475"/>
+              <a:ext cx="110490" cy="30480"/>
+            </a:xfrm>
+            <a:prstGeom prst="rect">
+              <a:avLst/>
+            </a:prstGeom>
+            <a:solidFill>
+              <a:srgbClr val="FFFFFF"/>
+            </a:solidFill>
+            <a:ln w="12700">
+              <a:solidFill>
+                <a:srgbClr val="000000"/>
+              </a:solidFill>
+              <a:miter lim="800000"/>
+              <a:headEnd/>
+              <a:tailEnd/>
+            </a:ln>
+          </p:spPr>
+          <p:txBody>
+            <a:bodyPr rot="0" vert="horz" wrap="square" lIns="91440" tIns="45720" rIns="91440" bIns="45720" anchor="t" anchorCtr="0" upright="1">
+              <a:noAutofit/>
+            </a:bodyPr>
+            <a:lstStyle/>
+            <a:p>
+              <a:endParaRPr lang="uk-UA"/>
+            </a:p>
+          </p:txBody>
+        </p:sp>
+        <p:sp>
+          <p:nvSpPr>
+            <p:cNvPr id="487" name="Oval 41">
+              <a:extLst>
+                <a:ext uri="{FF2B5EF4-FFF2-40B4-BE49-F238E27FC236}">
+                  <a16:creationId xmlns:a16="http://schemas.microsoft.com/office/drawing/2014/main" id="{07938FAB-C5DA-EE36-F42B-3A3F2E715A48}"/>
+                </a:ext>
+              </a:extLst>
+            </p:cNvPr>
+            <p:cNvSpPr>
+              <a:spLocks noChangeAspect="1" noChangeArrowheads="1"/>
+            </p:cNvSpPr>
+            <p:nvPr/>
+          </p:nvSpPr>
+          <p:spPr bwMode="auto">
+            <a:xfrm>
+              <a:off x="574675" y="805815"/>
+              <a:ext cx="170815" cy="170180"/>
+            </a:xfrm>
+            <a:prstGeom prst="ellipse">
+              <a:avLst/>
+            </a:prstGeom>
+            <a:solidFill>
+              <a:srgbClr val="FFFFFF"/>
+            </a:solidFill>
+            <a:ln w="12700">
+              <a:solidFill>
+                <a:srgbClr val="000000"/>
+              </a:solidFill>
+              <a:round/>
+              <a:headEnd/>
+              <a:tailEnd/>
+            </a:ln>
+          </p:spPr>
+          <p:txBody>
+            <a:bodyPr rot="0" vert="horz" wrap="square" lIns="91440" tIns="45720" rIns="91440" bIns="45720" anchor="t" anchorCtr="0" upright="1">
+              <a:noAutofit/>
+            </a:bodyPr>
+            <a:lstStyle/>
+            <a:p>
+              <a:endParaRPr lang="uk-UA"/>
+            </a:p>
+          </p:txBody>
+        </p:sp>
+        <p:sp>
+          <p:nvSpPr>
+            <p:cNvPr id="488" name="Rectangle 42">
+              <a:extLst>
+                <a:ext uri="{FF2B5EF4-FFF2-40B4-BE49-F238E27FC236}">
+                  <a16:creationId xmlns:a16="http://schemas.microsoft.com/office/drawing/2014/main" id="{32814576-4CDE-58DB-C3DB-6E72783513E1}"/>
+                </a:ext>
+              </a:extLst>
+            </p:cNvPr>
+            <p:cNvSpPr>
+              <a:spLocks noChangeArrowheads="1"/>
+            </p:cNvSpPr>
+            <p:nvPr/>
+          </p:nvSpPr>
+          <p:spPr bwMode="auto">
+            <a:xfrm rot="15534532">
+              <a:off x="404495" y="887095"/>
+              <a:ext cx="261620" cy="30480"/>
+            </a:xfrm>
+            <a:prstGeom prst="rect">
+              <a:avLst/>
+            </a:prstGeom>
+            <a:solidFill>
+              <a:srgbClr val="FFFFFF"/>
+            </a:solidFill>
+            <a:ln w="12700">
+              <a:solidFill>
+                <a:srgbClr val="000000"/>
+              </a:solidFill>
+              <a:miter lim="800000"/>
+              <a:headEnd/>
+              <a:tailEnd/>
+            </a:ln>
+          </p:spPr>
+          <p:txBody>
+            <a:bodyPr rot="0" vert="horz" wrap="square" lIns="91440" tIns="45720" rIns="91440" bIns="45720" anchor="t" anchorCtr="0" upright="1">
+              <a:noAutofit/>
+            </a:bodyPr>
+            <a:lstStyle/>
+            <a:p>
+              <a:endParaRPr lang="uk-UA"/>
+            </a:p>
+          </p:txBody>
+        </p:sp>
+        <p:sp>
+          <p:nvSpPr>
+            <p:cNvPr id="489" name="Rectangle 43">
+              <a:extLst>
+                <a:ext uri="{FF2B5EF4-FFF2-40B4-BE49-F238E27FC236}">
+                  <a16:creationId xmlns:a16="http://schemas.microsoft.com/office/drawing/2014/main" id="{16AFF37F-D853-A75E-5F60-EC53F15F8D6E}"/>
+                </a:ext>
+              </a:extLst>
+            </p:cNvPr>
+            <p:cNvSpPr>
+              <a:spLocks noChangeArrowheads="1"/>
+            </p:cNvSpPr>
+            <p:nvPr/>
+          </p:nvSpPr>
+          <p:spPr bwMode="auto">
+            <a:xfrm rot="1608644">
+              <a:off x="1161415" y="633095"/>
+              <a:ext cx="392430" cy="30480"/>
+            </a:xfrm>
+            <a:prstGeom prst="rect">
+              <a:avLst/>
+            </a:prstGeom>
+            <a:solidFill>
+              <a:srgbClr val="FFFFFF"/>
+            </a:solidFill>
+            <a:ln w="12700">
+              <a:solidFill>
+                <a:srgbClr val="000000"/>
+              </a:solidFill>
+              <a:miter lim="800000"/>
+              <a:headEnd/>
+              <a:tailEnd/>
+            </a:ln>
+          </p:spPr>
+          <p:txBody>
+            <a:bodyPr rot="0" vert="horz" wrap="square" lIns="91440" tIns="45720" rIns="91440" bIns="45720" anchor="t" anchorCtr="0" upright="1">
+              <a:noAutofit/>
+            </a:bodyPr>
+            <a:lstStyle/>
+            <a:p>
+              <a:endParaRPr lang="uk-UA"/>
+            </a:p>
+          </p:txBody>
+        </p:sp>
+        <p:sp>
+          <p:nvSpPr>
+            <p:cNvPr id="490" name="Rectangle 44">
+              <a:extLst>
+                <a:ext uri="{FF2B5EF4-FFF2-40B4-BE49-F238E27FC236}">
+                  <a16:creationId xmlns:a16="http://schemas.microsoft.com/office/drawing/2014/main" id="{5EBD2632-7700-8ABB-03ED-0929487DEF4D}"/>
+                </a:ext>
+              </a:extLst>
+            </p:cNvPr>
+            <p:cNvSpPr>
+              <a:spLocks noChangeArrowheads="1"/>
+            </p:cNvSpPr>
+            <p:nvPr/>
+          </p:nvSpPr>
+          <p:spPr bwMode="auto">
+            <a:xfrm rot="17573055">
+              <a:off x="929005" y="310515"/>
+              <a:ext cx="106680" cy="30480"/>
+            </a:xfrm>
+            <a:prstGeom prst="rect">
+              <a:avLst/>
+            </a:prstGeom>
+            <a:solidFill>
+              <a:srgbClr val="FFFFFF"/>
+            </a:solidFill>
+            <a:ln w="12700">
+              <a:solidFill>
+                <a:srgbClr val="000000"/>
+              </a:solidFill>
+              <a:miter lim="800000"/>
+              <a:headEnd/>
+              <a:tailEnd/>
+            </a:ln>
+          </p:spPr>
+          <p:txBody>
+            <a:bodyPr rot="0" vert="horz" wrap="square" lIns="91440" tIns="45720" rIns="91440" bIns="45720" anchor="t" anchorCtr="0" upright="1">
+              <a:noAutofit/>
+            </a:bodyPr>
+            <a:lstStyle/>
+            <a:p>
+              <a:endParaRPr lang="uk-UA"/>
+            </a:p>
+          </p:txBody>
+        </p:sp>
+        <p:cxnSp>
+          <p:nvCxnSpPr>
+            <p:cNvPr id="491" name="AutoShape 45">
+              <a:extLst>
+                <a:ext uri="{FF2B5EF4-FFF2-40B4-BE49-F238E27FC236}">
+                  <a16:creationId xmlns:a16="http://schemas.microsoft.com/office/drawing/2014/main" id="{A228717B-3081-1575-0C34-518722541374}"/>
+                </a:ext>
+              </a:extLst>
+            </p:cNvPr>
+            <p:cNvCxnSpPr>
+              <a:cxnSpLocks noChangeShapeType="1"/>
+            </p:cNvCxnSpPr>
+            <p:nvPr/>
+          </p:nvCxnSpPr>
+          <p:spPr bwMode="auto">
+            <a:xfrm>
+              <a:off x="1236980" y="325755"/>
+              <a:ext cx="635" cy="1149350"/>
+            </a:xfrm>
+            <a:prstGeom prst="straightConnector1">
+              <a:avLst/>
+            </a:prstGeom>
+            <a:noFill/>
+            <a:ln w="12700">
+              <a:solidFill>
+                <a:srgbClr val="000000"/>
+              </a:solidFill>
+              <a:prstDash val="sysDot"/>
+              <a:round/>
+              <a:headEnd/>
+              <a:tailEnd/>
+            </a:ln>
+            <a:extLst>
+              <a:ext uri="{909E8E84-426E-40DD-AFC4-6F175D3DCCD1}">
+                <a14:hiddenFill xmlns:a14="http://schemas.microsoft.com/office/drawing/2010/main">
+                  <a:noFill/>
+                </a14:hiddenFill>
+              </a:ext>
+            </a:extLst>
+          </p:spPr>
+        </p:cxnSp>
+        <p:cxnSp>
+          <p:nvCxnSpPr>
+            <p:cNvPr id="492" name="AutoShape 46">
+              <a:extLst>
+                <a:ext uri="{FF2B5EF4-FFF2-40B4-BE49-F238E27FC236}">
+                  <a16:creationId xmlns:a16="http://schemas.microsoft.com/office/drawing/2014/main" id="{8F340AD9-32F6-7058-25A1-46527B6E94DB}"/>
+                </a:ext>
+              </a:extLst>
+            </p:cNvPr>
+            <p:cNvCxnSpPr>
+              <a:cxnSpLocks noChangeShapeType="1"/>
+            </p:cNvCxnSpPr>
+            <p:nvPr/>
+          </p:nvCxnSpPr>
+          <p:spPr bwMode="auto">
+            <a:xfrm>
+              <a:off x="88265" y="317500"/>
+              <a:ext cx="635" cy="1149350"/>
+            </a:xfrm>
+            <a:prstGeom prst="straightConnector1">
+              <a:avLst/>
+            </a:prstGeom>
+            <a:noFill/>
+            <a:ln w="12700">
+              <a:solidFill>
+                <a:srgbClr val="000000"/>
+              </a:solidFill>
+              <a:prstDash val="sysDot"/>
+              <a:round/>
+              <a:headEnd/>
+              <a:tailEnd/>
+            </a:ln>
+            <a:extLst>
+              <a:ext uri="{909E8E84-426E-40DD-AFC4-6F175D3DCCD1}">
+                <a14:hiddenFill xmlns:a14="http://schemas.microsoft.com/office/drawing/2010/main">
+                  <a:noFill/>
+                </a14:hiddenFill>
+              </a:ext>
+            </a:extLst>
+          </p:spPr>
+        </p:cxnSp>
+        <p:cxnSp>
+          <p:nvCxnSpPr>
+            <p:cNvPr id="493" name="AutoShape 47">
+              <a:extLst>
+                <a:ext uri="{FF2B5EF4-FFF2-40B4-BE49-F238E27FC236}">
+                  <a16:creationId xmlns:a16="http://schemas.microsoft.com/office/drawing/2014/main" id="{18C1579D-1A9E-F4AD-C5CA-B85872677BD4}"/>
+                </a:ext>
+              </a:extLst>
+            </p:cNvPr>
+            <p:cNvCxnSpPr>
+              <a:cxnSpLocks noChangeShapeType="1"/>
+            </p:cNvCxnSpPr>
+            <p:nvPr/>
+          </p:nvCxnSpPr>
+          <p:spPr bwMode="auto">
+            <a:xfrm flipH="1">
+              <a:off x="84455" y="318135"/>
+              <a:ext cx="1153160" cy="635"/>
+            </a:xfrm>
+            <a:prstGeom prst="straightConnector1">
+              <a:avLst/>
+            </a:prstGeom>
+            <a:noFill/>
+            <a:ln w="12700">
+              <a:solidFill>
+                <a:srgbClr val="000000"/>
+              </a:solidFill>
+              <a:prstDash val="sysDot"/>
+              <a:round/>
+              <a:headEnd/>
+              <a:tailEnd/>
+            </a:ln>
+            <a:extLst>
+              <a:ext uri="{909E8E84-426E-40DD-AFC4-6F175D3DCCD1}">
+                <a14:hiddenFill xmlns:a14="http://schemas.microsoft.com/office/drawing/2010/main">
+                  <a:noFill/>
+                </a14:hiddenFill>
+              </a:ext>
+            </a:extLst>
+          </p:spPr>
+        </p:cxnSp>
+        <p:cxnSp>
+          <p:nvCxnSpPr>
+            <p:cNvPr id="494" name="AutoShape 48">
+              <a:extLst>
+                <a:ext uri="{FF2B5EF4-FFF2-40B4-BE49-F238E27FC236}">
+                  <a16:creationId xmlns:a16="http://schemas.microsoft.com/office/drawing/2014/main" id="{8CEFE208-49C0-399C-5CE3-7364AEACA6E4}"/>
+                </a:ext>
+              </a:extLst>
+            </p:cNvPr>
+            <p:cNvCxnSpPr>
+              <a:cxnSpLocks noChangeShapeType="1"/>
+            </p:cNvCxnSpPr>
+            <p:nvPr/>
+          </p:nvCxnSpPr>
+          <p:spPr bwMode="auto">
+            <a:xfrm flipH="1">
+              <a:off x="84455" y="1471930"/>
+              <a:ext cx="1153160" cy="0"/>
+            </a:xfrm>
+            <a:prstGeom prst="straightConnector1">
+              <a:avLst/>
+            </a:prstGeom>
+            <a:noFill/>
+            <a:ln w="12700">
+              <a:solidFill>
+                <a:srgbClr val="000000"/>
+              </a:solidFill>
+              <a:prstDash val="sysDot"/>
+              <a:round/>
+              <a:headEnd/>
+              <a:tailEnd/>
+            </a:ln>
+            <a:extLst>
+              <a:ext uri="{909E8E84-426E-40DD-AFC4-6F175D3DCCD1}">
+                <a14:hiddenFill xmlns:a14="http://schemas.microsoft.com/office/drawing/2010/main">
+                  <a:noFill/>
+                </a14:hiddenFill>
+              </a:ext>
+            </a:extLst>
+          </p:spPr>
+        </p:cxnSp>
+        <p:sp>
+          <p:nvSpPr>
+            <p:cNvPr id="495" name="Oval 49">
+              <a:extLst>
+                <a:ext uri="{FF2B5EF4-FFF2-40B4-BE49-F238E27FC236}">
+                  <a16:creationId xmlns:a16="http://schemas.microsoft.com/office/drawing/2014/main" id="{AB56A650-1B59-3278-75B7-3EE394E676D8}"/>
+                </a:ext>
+              </a:extLst>
+            </p:cNvPr>
+            <p:cNvSpPr>
+              <a:spLocks noChangeAspect="1" noChangeArrowheads="1"/>
+            </p:cNvSpPr>
+            <p:nvPr/>
+          </p:nvSpPr>
+          <p:spPr bwMode="auto">
+            <a:xfrm>
+              <a:off x="1149985" y="233045"/>
+              <a:ext cx="170815" cy="170180"/>
+            </a:xfrm>
+            <a:prstGeom prst="ellipse">
+              <a:avLst/>
+            </a:prstGeom>
+            <a:solidFill>
+              <a:srgbClr val="FFFFFF"/>
+            </a:solidFill>
+            <a:ln w="12700">
+              <a:solidFill>
+                <a:srgbClr val="000000"/>
+              </a:solidFill>
+              <a:round/>
+              <a:headEnd/>
+              <a:tailEnd/>
+            </a:ln>
+          </p:spPr>
+          <p:txBody>
+            <a:bodyPr rot="0" vert="horz" wrap="square" lIns="91440" tIns="45720" rIns="91440" bIns="45720" anchor="t" anchorCtr="0" upright="1">
+              <a:noAutofit/>
+            </a:bodyPr>
+            <a:lstStyle/>
+            <a:p>
+              <a:endParaRPr lang="uk-UA"/>
+            </a:p>
+          </p:txBody>
+        </p:sp>
+        <p:sp>
+          <p:nvSpPr>
+            <p:cNvPr id="496" name="Oval 50">
+              <a:extLst>
+                <a:ext uri="{FF2B5EF4-FFF2-40B4-BE49-F238E27FC236}">
+                  <a16:creationId xmlns:a16="http://schemas.microsoft.com/office/drawing/2014/main" id="{473A7832-0E34-783C-E9D2-6A523B66AE78}"/>
+                </a:ext>
+              </a:extLst>
+            </p:cNvPr>
+            <p:cNvSpPr>
+              <a:spLocks noChangeAspect="1" noChangeArrowheads="1"/>
+            </p:cNvSpPr>
+            <p:nvPr/>
+          </p:nvSpPr>
+          <p:spPr bwMode="auto">
+            <a:xfrm>
+              <a:off x="0" y="1387475"/>
+              <a:ext cx="170815" cy="170180"/>
+            </a:xfrm>
+            <a:prstGeom prst="ellipse">
+              <a:avLst/>
+            </a:prstGeom>
+            <a:solidFill>
+              <a:srgbClr val="FFFFFF"/>
+            </a:solidFill>
+            <a:ln w="12700">
+              <a:solidFill>
+                <a:srgbClr val="000000"/>
+              </a:solidFill>
+              <a:round/>
+              <a:headEnd/>
+              <a:tailEnd/>
+            </a:ln>
+          </p:spPr>
+          <p:txBody>
+            <a:bodyPr rot="0" vert="horz" wrap="square" lIns="91440" tIns="45720" rIns="91440" bIns="45720" anchor="t" anchorCtr="0" upright="1">
+              <a:noAutofit/>
+            </a:bodyPr>
+            <a:lstStyle/>
+            <a:p>
+              <a:endParaRPr lang="uk-UA"/>
+            </a:p>
+          </p:txBody>
+        </p:sp>
+        <p:sp>
+          <p:nvSpPr>
+            <p:cNvPr id="497" name="Oval 51">
+              <a:extLst>
+                <a:ext uri="{FF2B5EF4-FFF2-40B4-BE49-F238E27FC236}">
+                  <a16:creationId xmlns:a16="http://schemas.microsoft.com/office/drawing/2014/main" id="{2B79805F-B43E-F947-C5A8-F37C4F585B1B}"/>
+                </a:ext>
+              </a:extLst>
+            </p:cNvPr>
+            <p:cNvSpPr>
+              <a:spLocks noChangeAspect="1" noChangeArrowheads="1"/>
+            </p:cNvSpPr>
+            <p:nvPr/>
+          </p:nvSpPr>
+          <p:spPr bwMode="auto">
+            <a:xfrm>
+              <a:off x="635" y="231775"/>
+              <a:ext cx="170815" cy="170180"/>
+            </a:xfrm>
+            <a:prstGeom prst="ellipse">
+              <a:avLst/>
+            </a:prstGeom>
+            <a:solidFill>
+              <a:srgbClr val="FFFFFF"/>
+            </a:solidFill>
+            <a:ln w="12700">
+              <a:solidFill>
+                <a:srgbClr val="000000"/>
+              </a:solidFill>
+              <a:round/>
+              <a:headEnd/>
+              <a:tailEnd/>
+            </a:ln>
+          </p:spPr>
+          <p:txBody>
+            <a:bodyPr rot="0" vert="horz" wrap="square" lIns="91440" tIns="45720" rIns="91440" bIns="45720" anchor="t" anchorCtr="0" upright="1">
+              <a:noAutofit/>
+            </a:bodyPr>
+            <a:lstStyle/>
+            <a:p>
+              <a:endParaRPr lang="uk-UA"/>
+            </a:p>
+          </p:txBody>
+        </p:sp>
+        <p:sp>
+          <p:nvSpPr>
+            <p:cNvPr id="498" name="Rectangle 52">
+              <a:extLst>
+                <a:ext uri="{FF2B5EF4-FFF2-40B4-BE49-F238E27FC236}">
+                  <a16:creationId xmlns:a16="http://schemas.microsoft.com/office/drawing/2014/main" id="{F3AF2B92-9D89-6A8F-2037-2286FD8542C9}"/>
+                </a:ext>
+              </a:extLst>
+            </p:cNvPr>
+            <p:cNvSpPr>
+              <a:spLocks noChangeArrowheads="1"/>
+            </p:cNvSpPr>
+            <p:nvPr/>
+          </p:nvSpPr>
+          <p:spPr bwMode="auto">
+            <a:xfrm rot="17573055">
+              <a:off x="1144270" y="419100"/>
+              <a:ext cx="78105" cy="30480"/>
+            </a:xfrm>
+            <a:prstGeom prst="rect">
+              <a:avLst/>
+            </a:prstGeom>
+            <a:solidFill>
+              <a:srgbClr val="FFFFFF"/>
+            </a:solidFill>
+            <a:ln w="12700">
+              <a:solidFill>
+                <a:srgbClr val="000000"/>
+              </a:solidFill>
+              <a:miter lim="800000"/>
+              <a:headEnd/>
+              <a:tailEnd/>
+            </a:ln>
+          </p:spPr>
+          <p:txBody>
+            <a:bodyPr rot="0" vert="horz" wrap="square" lIns="91440" tIns="45720" rIns="91440" bIns="45720" anchor="t" anchorCtr="0" upright="1">
+              <a:noAutofit/>
+            </a:bodyPr>
+            <a:lstStyle/>
+            <a:p>
+              <a:endParaRPr lang="uk-UA"/>
+            </a:p>
+          </p:txBody>
+        </p:sp>
+        <p:sp>
+          <p:nvSpPr>
+            <p:cNvPr id="499" name="Oval 53">
+              <a:extLst>
+                <a:ext uri="{FF2B5EF4-FFF2-40B4-BE49-F238E27FC236}">
+                  <a16:creationId xmlns:a16="http://schemas.microsoft.com/office/drawing/2014/main" id="{1832D9F0-4411-D5DB-8CF6-3E2EC7E3A000}"/>
+                </a:ext>
+              </a:extLst>
+            </p:cNvPr>
+            <p:cNvSpPr>
+              <a:spLocks noChangeAspect="1" noChangeArrowheads="1"/>
+            </p:cNvSpPr>
+            <p:nvPr/>
+          </p:nvSpPr>
+          <p:spPr bwMode="auto">
+            <a:xfrm>
+              <a:off x="1525270" y="685800"/>
+              <a:ext cx="170815" cy="170180"/>
+            </a:xfrm>
+            <a:prstGeom prst="ellipse">
+              <a:avLst/>
+            </a:prstGeom>
+            <a:solidFill>
+              <a:srgbClr val="FFFFFF"/>
+            </a:solidFill>
+            <a:ln w="12700">
+              <a:solidFill>
+                <a:srgbClr val="000000"/>
+              </a:solidFill>
+              <a:round/>
+              <a:headEnd/>
+              <a:tailEnd/>
+            </a:ln>
+          </p:spPr>
+          <p:txBody>
+            <a:bodyPr rot="0" vert="horz" wrap="square" lIns="91440" tIns="45720" rIns="91440" bIns="45720" anchor="t" anchorCtr="0" upright="1">
+              <a:noAutofit/>
+            </a:bodyPr>
+            <a:lstStyle/>
+            <a:p>
+              <a:endParaRPr lang="uk-UA"/>
+            </a:p>
+          </p:txBody>
+        </p:sp>
+        <p:sp>
+          <p:nvSpPr>
+            <p:cNvPr id="500" name="Oval 54">
+              <a:extLst>
+                <a:ext uri="{FF2B5EF4-FFF2-40B4-BE49-F238E27FC236}">
+                  <a16:creationId xmlns:a16="http://schemas.microsoft.com/office/drawing/2014/main" id="{01A909BD-BC2A-928D-808F-F69F9A0FC439}"/>
+                </a:ext>
+              </a:extLst>
+            </p:cNvPr>
+            <p:cNvSpPr>
+              <a:spLocks noChangeAspect="1" noChangeArrowheads="1"/>
+            </p:cNvSpPr>
+            <p:nvPr/>
+          </p:nvSpPr>
+          <p:spPr bwMode="auto">
+            <a:xfrm>
+              <a:off x="1428115" y="919480"/>
+              <a:ext cx="170815" cy="170180"/>
+            </a:xfrm>
+            <a:prstGeom prst="ellipse">
+              <a:avLst/>
+            </a:prstGeom>
+            <a:solidFill>
+              <a:srgbClr val="FFFFFF"/>
+            </a:solidFill>
+            <a:ln w="12700">
+              <a:solidFill>
+                <a:srgbClr val="000000"/>
+              </a:solidFill>
+              <a:round/>
+              <a:headEnd/>
+              <a:tailEnd/>
+            </a:ln>
+          </p:spPr>
+          <p:txBody>
+            <a:bodyPr rot="0" vert="horz" wrap="square" lIns="91440" tIns="45720" rIns="91440" bIns="45720" anchor="t" anchorCtr="0" upright="1">
+              <a:noAutofit/>
+            </a:bodyPr>
+            <a:lstStyle/>
+            <a:p>
+              <a:endParaRPr lang="uk-UA"/>
+            </a:p>
+          </p:txBody>
+        </p:sp>
+        <p:sp>
+          <p:nvSpPr>
+            <p:cNvPr id="501" name="Oval 55">
+              <a:extLst>
+                <a:ext uri="{FF2B5EF4-FFF2-40B4-BE49-F238E27FC236}">
+                  <a16:creationId xmlns:a16="http://schemas.microsoft.com/office/drawing/2014/main" id="{0AF8C3C0-AAF0-8ACA-9CBE-CD56CE555CD6}"/>
+                </a:ext>
+              </a:extLst>
+            </p:cNvPr>
+            <p:cNvSpPr>
+              <a:spLocks noChangeAspect="1" noChangeArrowheads="1"/>
+            </p:cNvSpPr>
+            <p:nvPr/>
+          </p:nvSpPr>
+          <p:spPr bwMode="auto">
+            <a:xfrm>
+              <a:off x="1906905" y="1155065"/>
+              <a:ext cx="170815" cy="170180"/>
+            </a:xfrm>
+            <a:prstGeom prst="ellipse">
+              <a:avLst/>
+            </a:prstGeom>
+            <a:solidFill>
+              <a:srgbClr val="FFFFFF"/>
+            </a:solidFill>
+            <a:ln w="12700">
+              <a:solidFill>
+                <a:srgbClr val="000000"/>
+              </a:solidFill>
+              <a:round/>
+              <a:headEnd/>
+              <a:tailEnd/>
+            </a:ln>
+          </p:spPr>
+          <p:txBody>
+            <a:bodyPr rot="0" vert="horz" wrap="square" lIns="91440" tIns="45720" rIns="91440" bIns="45720" anchor="t" anchorCtr="0" upright="1">
+              <a:noAutofit/>
+            </a:bodyPr>
+            <a:lstStyle/>
+            <a:p>
+              <a:endParaRPr lang="uk-UA"/>
+            </a:p>
+          </p:txBody>
+        </p:sp>
+        <p:sp>
+          <p:nvSpPr>
+            <p:cNvPr id="502" name="Rectangle 56">
+              <a:extLst>
+                <a:ext uri="{FF2B5EF4-FFF2-40B4-BE49-F238E27FC236}">
+                  <a16:creationId xmlns:a16="http://schemas.microsoft.com/office/drawing/2014/main" id="{2C355B63-3850-A6A2-E893-C73D06FE87FD}"/>
+                </a:ext>
+              </a:extLst>
+            </p:cNvPr>
+            <p:cNvSpPr>
+              <a:spLocks noChangeArrowheads="1"/>
+            </p:cNvSpPr>
+            <p:nvPr/>
+          </p:nvSpPr>
+          <p:spPr bwMode="auto">
+            <a:xfrm rot="19410855">
+              <a:off x="1042670" y="1159510"/>
+              <a:ext cx="473710" cy="30480"/>
+            </a:xfrm>
+            <a:prstGeom prst="rect">
+              <a:avLst/>
+            </a:prstGeom>
+            <a:solidFill>
+              <a:srgbClr val="FFFFFF"/>
+            </a:solidFill>
+            <a:ln w="12700">
+              <a:solidFill>
+                <a:srgbClr val="000000"/>
+              </a:solidFill>
+              <a:miter lim="800000"/>
+              <a:headEnd/>
+              <a:tailEnd/>
+            </a:ln>
+          </p:spPr>
+          <p:txBody>
+            <a:bodyPr rot="0" vert="horz" wrap="square" lIns="91440" tIns="45720" rIns="91440" bIns="45720" anchor="t" anchorCtr="0" upright="1">
+              <a:noAutofit/>
+            </a:bodyPr>
+            <a:lstStyle/>
+            <a:p>
+              <a:endParaRPr lang="uk-UA"/>
+            </a:p>
+          </p:txBody>
+        </p:sp>
+        <p:sp>
+          <p:nvSpPr>
+            <p:cNvPr id="503" name="Oval 57">
+              <a:extLst>
+                <a:ext uri="{FF2B5EF4-FFF2-40B4-BE49-F238E27FC236}">
+                  <a16:creationId xmlns:a16="http://schemas.microsoft.com/office/drawing/2014/main" id="{9AAEBC8B-FA8D-C84F-EEC0-1BAD568305D2}"/>
+                </a:ext>
+              </a:extLst>
+            </p:cNvPr>
+            <p:cNvSpPr>
+              <a:spLocks noChangeAspect="1" noChangeArrowheads="1"/>
+            </p:cNvSpPr>
+            <p:nvPr/>
+          </p:nvSpPr>
+          <p:spPr bwMode="auto">
+            <a:xfrm>
+              <a:off x="953770" y="1261745"/>
+              <a:ext cx="170180" cy="170180"/>
+            </a:xfrm>
+            <a:prstGeom prst="ellipse">
+              <a:avLst/>
+            </a:prstGeom>
+            <a:solidFill>
+              <a:srgbClr val="FFFFFF"/>
+            </a:solidFill>
+            <a:ln w="12700">
+              <a:solidFill>
+                <a:srgbClr val="000000"/>
+              </a:solidFill>
+              <a:round/>
+              <a:headEnd/>
+              <a:tailEnd/>
+            </a:ln>
+          </p:spPr>
+          <p:txBody>
+            <a:bodyPr rot="0" vert="horz" wrap="square" lIns="91440" tIns="45720" rIns="91440" bIns="45720" anchor="t" anchorCtr="0" upright="1">
+              <a:noAutofit/>
+            </a:bodyPr>
+            <a:lstStyle/>
+            <a:p>
+              <a:endParaRPr lang="uk-UA"/>
+            </a:p>
+          </p:txBody>
+        </p:sp>
+        <p:sp>
+          <p:nvSpPr>
+            <p:cNvPr id="504" name="Rectangle 58">
+              <a:extLst>
+                <a:ext uri="{FF2B5EF4-FFF2-40B4-BE49-F238E27FC236}">
+                  <a16:creationId xmlns:a16="http://schemas.microsoft.com/office/drawing/2014/main" id="{8D827C6F-3E19-4F43-5125-34ED7E0B0B5D}"/>
+                </a:ext>
+              </a:extLst>
+            </p:cNvPr>
+            <p:cNvSpPr>
+              <a:spLocks noChangeArrowheads="1"/>
+            </p:cNvSpPr>
+            <p:nvPr/>
+          </p:nvSpPr>
+          <p:spPr bwMode="auto">
+            <a:xfrm rot="17573055">
+              <a:off x="1500505" y="883920"/>
+              <a:ext cx="110490" cy="30480"/>
+            </a:xfrm>
+            <a:prstGeom prst="rect">
+              <a:avLst/>
+            </a:prstGeom>
+            <a:solidFill>
+              <a:srgbClr val="FFFFFF"/>
+            </a:solidFill>
+            <a:ln w="12700">
+              <a:solidFill>
+                <a:srgbClr val="000000"/>
+              </a:solidFill>
+              <a:miter lim="800000"/>
+              <a:headEnd/>
+              <a:tailEnd/>
+            </a:ln>
+          </p:spPr>
+          <p:txBody>
+            <a:bodyPr rot="0" vert="horz" wrap="square" lIns="91440" tIns="45720" rIns="91440" bIns="45720" anchor="t" anchorCtr="0" upright="1">
+              <a:noAutofit/>
+            </a:bodyPr>
+            <a:lstStyle/>
+            <a:p>
+              <a:endParaRPr lang="uk-UA"/>
+            </a:p>
+          </p:txBody>
+        </p:sp>
+        <p:sp>
+          <p:nvSpPr>
+            <p:cNvPr id="505" name="Rectangle 59">
+              <a:extLst>
+                <a:ext uri="{FF2B5EF4-FFF2-40B4-BE49-F238E27FC236}">
+                  <a16:creationId xmlns:a16="http://schemas.microsoft.com/office/drawing/2014/main" id="{65EF7A17-8A47-3DE2-F8D8-1380A319475F}"/>
+                </a:ext>
+              </a:extLst>
+            </p:cNvPr>
+            <p:cNvSpPr>
+              <a:spLocks noChangeArrowheads="1"/>
+            </p:cNvSpPr>
+            <p:nvPr/>
+          </p:nvSpPr>
+          <p:spPr bwMode="auto">
+            <a:xfrm rot="1608644">
+              <a:off x="1569720" y="1108710"/>
+              <a:ext cx="379095" cy="33020"/>
+            </a:xfrm>
+            <a:prstGeom prst="rect">
+              <a:avLst/>
+            </a:prstGeom>
+            <a:solidFill>
+              <a:srgbClr val="FFFFFF"/>
+            </a:solidFill>
+            <a:ln w="12700">
+              <a:solidFill>
+                <a:srgbClr val="000000"/>
+              </a:solidFill>
+              <a:miter lim="800000"/>
+              <a:headEnd/>
+              <a:tailEnd/>
+            </a:ln>
+          </p:spPr>
+          <p:txBody>
+            <a:bodyPr rot="0" vert="horz" wrap="square" lIns="91440" tIns="45720" rIns="91440" bIns="45720" anchor="t" anchorCtr="0" upright="1">
+              <a:noAutofit/>
+            </a:bodyPr>
+            <a:lstStyle/>
+            <a:p>
+              <a:endParaRPr lang="uk-UA"/>
+            </a:p>
+          </p:txBody>
+        </p:sp>
+        <p:sp>
+          <p:nvSpPr>
+            <p:cNvPr id="506" name="Rectangle 60">
+              <a:extLst>
+                <a:ext uri="{FF2B5EF4-FFF2-40B4-BE49-F238E27FC236}">
+                  <a16:creationId xmlns:a16="http://schemas.microsoft.com/office/drawing/2014/main" id="{9FDC5246-74B4-8DD6-3A90-EDA33EAC1D48}"/>
+                </a:ext>
+              </a:extLst>
+            </p:cNvPr>
+            <p:cNvSpPr>
+              <a:spLocks noChangeArrowheads="1"/>
+            </p:cNvSpPr>
+            <p:nvPr/>
+          </p:nvSpPr>
+          <p:spPr bwMode="auto">
+            <a:xfrm rot="4510922">
+              <a:off x="1359535" y="812165"/>
+              <a:ext cx="200660" cy="33655"/>
+            </a:xfrm>
+            <a:prstGeom prst="rect">
+              <a:avLst/>
+            </a:prstGeom>
+            <a:solidFill>
+              <a:srgbClr val="FFFFFF"/>
+            </a:solidFill>
+            <a:ln w="12700">
+              <a:solidFill>
+                <a:srgbClr val="000000"/>
+              </a:solidFill>
+              <a:miter lim="800000"/>
+              <a:headEnd/>
+              <a:tailEnd/>
+            </a:ln>
+          </p:spPr>
+          <p:txBody>
+            <a:bodyPr rot="0" vert="horz" wrap="square" lIns="91440" tIns="45720" rIns="91440" bIns="45720" anchor="t" anchorCtr="0" upright="1">
+              <a:noAutofit/>
+            </a:bodyPr>
+            <a:lstStyle/>
+            <a:p>
+              <a:endParaRPr lang="uk-UA"/>
+            </a:p>
+          </p:txBody>
+        </p:sp>
+        <p:sp>
+          <p:nvSpPr>
+            <p:cNvPr id="507" name="Oval 61">
+              <a:extLst>
+                <a:ext uri="{FF2B5EF4-FFF2-40B4-BE49-F238E27FC236}">
+                  <a16:creationId xmlns:a16="http://schemas.microsoft.com/office/drawing/2014/main" id="{62390F0F-3CF5-2E56-6C85-6E5432BB24FC}"/>
+                </a:ext>
+              </a:extLst>
+            </p:cNvPr>
+            <p:cNvSpPr>
+              <a:spLocks noChangeAspect="1" noChangeArrowheads="1"/>
+            </p:cNvSpPr>
+            <p:nvPr/>
+          </p:nvSpPr>
+          <p:spPr bwMode="auto">
+            <a:xfrm>
+              <a:off x="1151255" y="1381125"/>
+              <a:ext cx="170815" cy="170180"/>
+            </a:xfrm>
+            <a:prstGeom prst="ellipse">
+              <a:avLst/>
+            </a:prstGeom>
+            <a:solidFill>
+              <a:srgbClr val="FFFFFF"/>
+            </a:solidFill>
+            <a:ln w="12700">
+              <a:solidFill>
+                <a:srgbClr val="000000"/>
+              </a:solidFill>
+              <a:round/>
+              <a:headEnd/>
+              <a:tailEnd/>
+            </a:ln>
+          </p:spPr>
+          <p:txBody>
+            <a:bodyPr rot="0" vert="horz" wrap="square" lIns="91440" tIns="45720" rIns="91440" bIns="45720" anchor="t" anchorCtr="0" upright="1">
+              <a:noAutofit/>
+            </a:bodyPr>
+            <a:lstStyle/>
+            <a:p>
+              <a:endParaRPr lang="uk-UA"/>
+            </a:p>
+          </p:txBody>
+        </p:sp>
+      </p:grpSp>
+      <p:sp>
+        <p:nvSpPr>
+          <p:cNvPr id="132" name="TextBox 131">
+            <a:extLst>
+              <a:ext uri="{FF2B5EF4-FFF2-40B4-BE49-F238E27FC236}">
+                <a16:creationId xmlns:a16="http://schemas.microsoft.com/office/drawing/2014/main" id="{C9D6DC9D-32EA-473E-CF67-D5497C8E2024}"/>
+              </a:ext>
+            </a:extLst>
+          </p:cNvPr>
+          <p:cNvSpPr txBox="1"/>
+          <p:nvPr/>
+        </p:nvSpPr>
+        <p:spPr>
+          <a:xfrm>
+            <a:off x="9893633" y="3219556"/>
+            <a:ext cx="609462" cy="523220"/>
+          </a:xfrm>
+          <a:prstGeom prst="rect">
+            <a:avLst/>
+          </a:prstGeom>
+          <a:noFill/>
+        </p:spPr>
+        <p:txBody>
+          <a:bodyPr wrap="none" rtlCol="0">
+            <a:spAutoFit/>
+          </a:bodyPr>
+          <a:lstStyle/>
+          <a:p>
+            <a:r>
+              <a:rPr lang="en-US" sz="2800" dirty="0">
+                <a:latin typeface="Times New Roman" panose="02020603050405020304" pitchFamily="18" charset="0"/>
+                <a:cs typeface="Times New Roman" panose="02020603050405020304" pitchFamily="18" charset="0"/>
+              </a:rPr>
+              <a:t>Fe</a:t>
+            </a:r>
+            <a:r>
+              <a:rPr lang="en-US" sz="2800" baseline="-25000" dirty="0">
+                <a:latin typeface="Times New Roman" panose="02020603050405020304" pitchFamily="18" charset="0"/>
+                <a:cs typeface="Times New Roman" panose="02020603050405020304" pitchFamily="18" charset="0"/>
+              </a:rPr>
+              <a:t>i</a:t>
+            </a:r>
+            <a:endParaRPr lang="uk-UA" sz="2800" baseline="-25000" dirty="0">
+              <a:latin typeface="Times New Roman" panose="02020603050405020304" pitchFamily="18" charset="0"/>
+              <a:cs typeface="Times New Roman" panose="02020603050405020304" pitchFamily="18" charset="0"/>
+            </a:endParaRPr>
+          </a:p>
+        </p:txBody>
+      </p:sp>
+      <p:sp>
+        <p:nvSpPr>
+          <p:cNvPr id="133" name="TextBox 132">
+            <a:extLst>
+              <a:ext uri="{FF2B5EF4-FFF2-40B4-BE49-F238E27FC236}">
+                <a16:creationId xmlns:a16="http://schemas.microsoft.com/office/drawing/2014/main" id="{6D274CCD-F41E-FCC2-9636-C102D8002289}"/>
+              </a:ext>
+            </a:extLst>
+          </p:cNvPr>
+          <p:cNvSpPr txBox="1"/>
+          <p:nvPr/>
+        </p:nvSpPr>
+        <p:spPr>
+          <a:xfrm>
+            <a:off x="9893759" y="5486860"/>
+            <a:ext cx="941283" cy="523220"/>
+          </a:xfrm>
+          <a:prstGeom prst="rect">
+            <a:avLst/>
+          </a:prstGeom>
+          <a:noFill/>
+        </p:spPr>
+        <p:txBody>
+          <a:bodyPr wrap="none" rtlCol="0">
+            <a:spAutoFit/>
+          </a:bodyPr>
+          <a:lstStyle/>
+          <a:p>
+            <a:r>
+              <a:rPr lang="en-US" sz="2800" dirty="0" err="1">
+                <a:latin typeface="Times New Roman" panose="02020603050405020304" pitchFamily="18" charset="0"/>
+                <a:cs typeface="Times New Roman" panose="02020603050405020304" pitchFamily="18" charset="0"/>
+              </a:rPr>
+              <a:t>Fe</a:t>
+            </a:r>
+            <a:r>
+              <a:rPr lang="en-US" sz="2800" baseline="-25000" dirty="0" err="1">
+                <a:latin typeface="Times New Roman" panose="02020603050405020304" pitchFamily="18" charset="0"/>
+                <a:cs typeface="Times New Roman" panose="02020603050405020304" pitchFamily="18" charset="0"/>
+              </a:rPr>
+              <a:t>i</a:t>
+            </a:r>
+            <a:r>
+              <a:rPr lang="en-US" sz="2800" dirty="0" err="1">
+                <a:latin typeface="Times New Roman" panose="02020603050405020304" pitchFamily="18" charset="0"/>
+                <a:cs typeface="Times New Roman" panose="02020603050405020304" pitchFamily="18" charset="0"/>
+              </a:rPr>
+              <a:t>B</a:t>
+            </a:r>
+            <a:r>
+              <a:rPr lang="en-US" sz="2800" baseline="-25000" dirty="0" err="1">
+                <a:latin typeface="Times New Roman" panose="02020603050405020304" pitchFamily="18" charset="0"/>
+                <a:cs typeface="Times New Roman" panose="02020603050405020304" pitchFamily="18" charset="0"/>
+              </a:rPr>
+              <a:t>s</a:t>
+            </a:r>
+            <a:endParaRPr lang="uk-UA" sz="2800" baseline="-25000" dirty="0">
+              <a:latin typeface="Times New Roman" panose="02020603050405020304" pitchFamily="18" charset="0"/>
+              <a:cs typeface="Times New Roman" panose="02020603050405020304" pitchFamily="18" charset="0"/>
+            </a:endParaRPr>
+          </a:p>
+        </p:txBody>
+      </p:sp>
+      <p:sp>
+        <p:nvSpPr>
+          <p:cNvPr id="134" name="Прямокутник 133">
+            <a:extLst>
+              <a:ext uri="{FF2B5EF4-FFF2-40B4-BE49-F238E27FC236}">
+                <a16:creationId xmlns:a16="http://schemas.microsoft.com/office/drawing/2014/main" id="{1EE6CB58-2954-07C7-C09B-E87697FAB66A}"/>
+              </a:ext>
+            </a:extLst>
+          </p:cNvPr>
+          <p:cNvSpPr/>
+          <p:nvPr/>
+        </p:nvSpPr>
+        <p:spPr>
+          <a:xfrm>
+            <a:off x="3861869" y="787003"/>
+            <a:ext cx="791586" cy="646331"/>
+          </a:xfrm>
+          <a:prstGeom prst="rect">
+            <a:avLst/>
+          </a:prstGeom>
+          <a:noFill/>
+        </p:spPr>
+        <p:txBody>
+          <a:bodyPr wrap="square" lIns="91440" tIns="45720" rIns="91440" bIns="45720">
+            <a:spAutoFit/>
+          </a:bodyPr>
+          <a:lstStyle/>
+          <a:p>
+            <a:pPr algn="ctr"/>
+            <a:r>
+              <a:rPr lang="en-US" sz="3600" b="1" dirty="0">
+                <a:ln w="12700">
+                  <a:solidFill>
+                    <a:schemeClr val="accent1"/>
+                  </a:solidFill>
+                  <a:prstDash val="solid"/>
+                </a:ln>
+                <a:pattFill prst="pct50">
+                  <a:fgClr>
+                    <a:schemeClr val="accent1"/>
+                  </a:fgClr>
+                  <a:bgClr>
+                    <a:schemeClr val="accent1">
+                      <a:lumMod val="20000"/>
+                      <a:lumOff val="80000"/>
+                    </a:schemeClr>
+                  </a:bgClr>
+                </a:pattFill>
+                <a:effectLst>
+                  <a:outerShdw dist="38100" dir="2640000" algn="bl" rotWithShape="0">
+                    <a:schemeClr val="accent1"/>
+                  </a:outerShdw>
+                </a:effectLst>
+              </a:rPr>
+              <a:t>OR</a:t>
+            </a:r>
+            <a:endParaRPr lang="uk-UA" sz="3600" b="1" dirty="0">
+              <a:ln w="12700">
+                <a:solidFill>
+                  <a:schemeClr val="accent1"/>
+                </a:solidFill>
+                <a:prstDash val="solid"/>
+              </a:ln>
+              <a:pattFill prst="pct50">
+                <a:fgClr>
+                  <a:schemeClr val="accent1"/>
+                </a:fgClr>
+                <a:bgClr>
+                  <a:schemeClr val="accent1">
+                    <a:lumMod val="20000"/>
+                    <a:lumOff val="80000"/>
+                  </a:schemeClr>
+                </a:bgClr>
+              </a:pattFill>
+              <a:effectLst>
+                <a:outerShdw dist="38100" dir="2640000" algn="bl" rotWithShape="0">
+                  <a:schemeClr val="accent1"/>
+                </a:outerShdw>
+              </a:effectLst>
+            </a:endParaRPr>
+          </a:p>
+        </p:txBody>
+      </p:sp>
+      <p:sp>
+        <p:nvSpPr>
+          <p:cNvPr id="135" name="Прямокутник 134">
+            <a:extLst>
+              <a:ext uri="{FF2B5EF4-FFF2-40B4-BE49-F238E27FC236}">
+                <a16:creationId xmlns:a16="http://schemas.microsoft.com/office/drawing/2014/main" id="{2E28174E-9CB1-F902-6CF6-C61F90855989}"/>
+              </a:ext>
+            </a:extLst>
+          </p:cNvPr>
+          <p:cNvSpPr/>
+          <p:nvPr/>
+        </p:nvSpPr>
+        <p:spPr>
+          <a:xfrm>
+            <a:off x="4594360" y="4037090"/>
+            <a:ext cx="791586" cy="646331"/>
+          </a:xfrm>
+          <a:prstGeom prst="rect">
+            <a:avLst/>
+          </a:prstGeom>
+          <a:noFill/>
+        </p:spPr>
+        <p:txBody>
+          <a:bodyPr wrap="square" lIns="91440" tIns="45720" rIns="91440" bIns="45720">
+            <a:spAutoFit/>
+          </a:bodyPr>
+          <a:lstStyle/>
+          <a:p>
+            <a:pPr algn="ctr"/>
+            <a:r>
+              <a:rPr lang="en-US" sz="3600" b="1" dirty="0">
+                <a:ln w="12700">
+                  <a:solidFill>
+                    <a:schemeClr val="accent1"/>
+                  </a:solidFill>
+                  <a:prstDash val="solid"/>
+                </a:ln>
+                <a:pattFill prst="pct50">
+                  <a:fgClr>
+                    <a:schemeClr val="accent1"/>
+                  </a:fgClr>
+                  <a:bgClr>
+                    <a:schemeClr val="accent1">
+                      <a:lumMod val="20000"/>
+                      <a:lumOff val="80000"/>
+                    </a:schemeClr>
+                  </a:bgClr>
+                </a:pattFill>
+                <a:effectLst>
+                  <a:outerShdw dist="38100" dir="2640000" algn="bl" rotWithShape="0">
+                    <a:schemeClr val="accent1"/>
+                  </a:outerShdw>
+                </a:effectLst>
+              </a:rPr>
+              <a:t>OR</a:t>
+            </a:r>
+            <a:endParaRPr lang="uk-UA" sz="3600" b="1" dirty="0">
+              <a:ln w="12700">
+                <a:solidFill>
+                  <a:schemeClr val="accent1"/>
+                </a:solidFill>
+                <a:prstDash val="solid"/>
+              </a:ln>
+              <a:pattFill prst="pct50">
+                <a:fgClr>
+                  <a:schemeClr val="accent1"/>
+                </a:fgClr>
+                <a:bgClr>
+                  <a:schemeClr val="accent1">
+                    <a:lumMod val="20000"/>
+                    <a:lumOff val="80000"/>
+                  </a:schemeClr>
+                </a:bgClr>
+              </a:pattFill>
+              <a:effectLst>
+                <a:outerShdw dist="38100" dir="2640000" algn="bl" rotWithShape="0">
+                  <a:schemeClr val="accent1"/>
+                </a:outerShdw>
+              </a:effectLst>
             </a:endParaRPr>
           </a:p>
         </p:txBody>

--- a/2024/physB/Figs/Fig1.pptx
+++ b/2024/physB/Figs/Fig1.pptx
@@ -259,7 +259,7 @@
           <a:p>
             <a:fld id="{31551111-E4E6-4B74-8927-A70267148854}" type="datetimeFigureOut">
               <a:rPr lang="uk-UA" smtClean="0"/>
-              <a:t>14.02.2025</a:t>
+              <a:t>16.02.2025</a:t>
             </a:fld>
             <a:endParaRPr lang="uk-UA"/>
           </a:p>
@@ -457,7 +457,7 @@
           <a:p>
             <a:fld id="{31551111-E4E6-4B74-8927-A70267148854}" type="datetimeFigureOut">
               <a:rPr lang="uk-UA" smtClean="0"/>
-              <a:t>14.02.2025</a:t>
+              <a:t>16.02.2025</a:t>
             </a:fld>
             <a:endParaRPr lang="uk-UA"/>
           </a:p>
@@ -665,7 +665,7 @@
           <a:p>
             <a:fld id="{31551111-E4E6-4B74-8927-A70267148854}" type="datetimeFigureOut">
               <a:rPr lang="uk-UA" smtClean="0"/>
-              <a:t>14.02.2025</a:t>
+              <a:t>16.02.2025</a:t>
             </a:fld>
             <a:endParaRPr lang="uk-UA"/>
           </a:p>
@@ -863,7 +863,7 @@
           <a:p>
             <a:fld id="{31551111-E4E6-4B74-8927-A70267148854}" type="datetimeFigureOut">
               <a:rPr lang="uk-UA" smtClean="0"/>
-              <a:t>14.02.2025</a:t>
+              <a:t>16.02.2025</a:t>
             </a:fld>
             <a:endParaRPr lang="uk-UA"/>
           </a:p>
@@ -1138,7 +1138,7 @@
           <a:p>
             <a:fld id="{31551111-E4E6-4B74-8927-A70267148854}" type="datetimeFigureOut">
               <a:rPr lang="uk-UA" smtClean="0"/>
-              <a:t>14.02.2025</a:t>
+              <a:t>16.02.2025</a:t>
             </a:fld>
             <a:endParaRPr lang="uk-UA"/>
           </a:p>
@@ -1403,7 +1403,7 @@
           <a:p>
             <a:fld id="{31551111-E4E6-4B74-8927-A70267148854}" type="datetimeFigureOut">
               <a:rPr lang="uk-UA" smtClean="0"/>
-              <a:t>14.02.2025</a:t>
+              <a:t>16.02.2025</a:t>
             </a:fld>
             <a:endParaRPr lang="uk-UA"/>
           </a:p>
@@ -1815,7 +1815,7 @@
           <a:p>
             <a:fld id="{31551111-E4E6-4B74-8927-A70267148854}" type="datetimeFigureOut">
               <a:rPr lang="uk-UA" smtClean="0"/>
-              <a:t>14.02.2025</a:t>
+              <a:t>16.02.2025</a:t>
             </a:fld>
             <a:endParaRPr lang="uk-UA"/>
           </a:p>
@@ -1956,7 +1956,7 @@
           <a:p>
             <a:fld id="{31551111-E4E6-4B74-8927-A70267148854}" type="datetimeFigureOut">
               <a:rPr lang="uk-UA" smtClean="0"/>
-              <a:t>14.02.2025</a:t>
+              <a:t>16.02.2025</a:t>
             </a:fld>
             <a:endParaRPr lang="uk-UA"/>
           </a:p>
@@ -2069,7 +2069,7 @@
           <a:p>
             <a:fld id="{31551111-E4E6-4B74-8927-A70267148854}" type="datetimeFigureOut">
               <a:rPr lang="uk-UA" smtClean="0"/>
-              <a:t>14.02.2025</a:t>
+              <a:t>16.02.2025</a:t>
             </a:fld>
             <a:endParaRPr lang="uk-UA"/>
           </a:p>
@@ -2380,7 +2380,7 @@
           <a:p>
             <a:fld id="{31551111-E4E6-4B74-8927-A70267148854}" type="datetimeFigureOut">
               <a:rPr lang="uk-UA" smtClean="0"/>
-              <a:t>14.02.2025</a:t>
+              <a:t>16.02.2025</a:t>
             </a:fld>
             <a:endParaRPr lang="uk-UA"/>
           </a:p>
@@ -2668,7 +2668,7 @@
           <a:p>
             <a:fld id="{31551111-E4E6-4B74-8927-A70267148854}" type="datetimeFigureOut">
               <a:rPr lang="uk-UA" smtClean="0"/>
-              <a:t>14.02.2025</a:t>
+              <a:t>16.02.2025</a:t>
             </a:fld>
             <a:endParaRPr lang="uk-UA"/>
           </a:p>
@@ -2909,7 +2909,7 @@
           <a:p>
             <a:fld id="{31551111-E4E6-4B74-8927-A70267148854}" type="datetimeFigureOut">
               <a:rPr lang="uk-UA" smtClean="0"/>
-              <a:t>14.02.2025</a:t>
+              <a:t>16.02.2025</a:t>
             </a:fld>
             <a:endParaRPr lang="uk-UA"/>
           </a:p>
@@ -3374,7 +3374,11 @@
           <a:lstStyle/>
           <a:p>
             <a:pPr algn="ctr"/>
-            <a:endParaRPr lang="uk-UA" dirty="0"/>
+            <a:endParaRPr lang="uk-UA" dirty="0">
+              <a:solidFill>
+                <a:srgbClr val="FF0000"/>
+              </a:solidFill>
+            </a:endParaRPr>
           </a:p>
         </p:txBody>
       </p:sp>
@@ -8208,6 +8212,9 @@
           <a:p>
             <a:r>
               <a:rPr lang="en-US" sz="2800" i="1" dirty="0">
+                <a:solidFill>
+                  <a:srgbClr val="FF0000"/>
+                </a:solidFill>
                 <a:latin typeface="Times New Roman" panose="02020603050405020304" pitchFamily="18" charset="0"/>
                 <a:cs typeface="Times New Roman" panose="02020603050405020304" pitchFamily="18" charset="0"/>
               </a:rPr>
@@ -8215,6 +8222,9 @@
             </a:r>
             <a:r>
               <a:rPr lang="en-US" sz="2800" baseline="-25000" dirty="0">
+                <a:solidFill>
+                  <a:srgbClr val="FF0000"/>
+                </a:solidFill>
                 <a:latin typeface="Times New Roman" panose="02020603050405020304" pitchFamily="18" charset="0"/>
                 <a:cs typeface="Times New Roman" panose="02020603050405020304" pitchFamily="18" charset="0"/>
               </a:rPr>
@@ -8222,6 +8232,9 @@
             </a:r>
             <a:r>
               <a:rPr lang="en-US" sz="2800" dirty="0">
+                <a:solidFill>
+                  <a:srgbClr val="FF0000"/>
+                </a:solidFill>
                 <a:latin typeface="Times New Roman" panose="02020603050405020304" pitchFamily="18" charset="0"/>
                 <a:cs typeface="Times New Roman" panose="02020603050405020304" pitchFamily="18" charset="0"/>
               </a:rPr>
@@ -8229,6 +8242,9 @@
             </a:r>
             <a:r>
               <a:rPr lang="en-US" sz="2800" baseline="30000" dirty="0">
+                <a:solidFill>
+                  <a:srgbClr val="FF0000"/>
+                </a:solidFill>
                 <a:latin typeface="Times New Roman" panose="02020603050405020304" pitchFamily="18" charset="0"/>
                 <a:cs typeface="Times New Roman" panose="02020603050405020304" pitchFamily="18" charset="0"/>
               </a:rPr>
@@ -8236,6 +8252,9 @@
             </a:r>
             <a:r>
               <a:rPr lang="en-US" sz="2800" dirty="0">
+                <a:solidFill>
+                  <a:srgbClr val="FF0000"/>
+                </a:solidFill>
                 <a:latin typeface="Times New Roman" panose="02020603050405020304" pitchFamily="18" charset="0"/>
                 <a:cs typeface="Times New Roman" panose="02020603050405020304" pitchFamily="18" charset="0"/>
               </a:rPr>
@@ -8243,6 +8262,9 @@
             </a:r>
             <a:r>
               <a:rPr lang="en-US" sz="2800" baseline="30000" dirty="0">
+                <a:solidFill>
+                  <a:srgbClr val="FF0000"/>
+                </a:solidFill>
                 <a:latin typeface="Times New Roman" panose="02020603050405020304" pitchFamily="18" charset="0"/>
                 <a:cs typeface="Times New Roman" panose="02020603050405020304" pitchFamily="18" charset="0"/>
               </a:rPr>
@@ -8250,6 +8272,9 @@
             </a:r>
             <a:r>
               <a:rPr lang="en-US" sz="2800" dirty="0">
+                <a:solidFill>
+                  <a:srgbClr val="FF0000"/>
+                </a:solidFill>
                 <a:latin typeface="Times New Roman" panose="02020603050405020304" pitchFamily="18" charset="0"/>
                 <a:cs typeface="Times New Roman" panose="02020603050405020304" pitchFamily="18" charset="0"/>
               </a:rPr>
@@ -8257,12 +8282,18 @@
             </a:r>
             <a:r>
               <a:rPr lang="en-US" sz="2800" baseline="30000" dirty="0">
+                <a:solidFill>
+                  <a:srgbClr val="FF0000"/>
+                </a:solidFill>
                 <a:latin typeface="Times New Roman" panose="02020603050405020304" pitchFamily="18" charset="0"/>
                 <a:cs typeface="Times New Roman" panose="02020603050405020304" pitchFamily="18" charset="0"/>
               </a:rPr>
               <a:t>-3</a:t>
             </a:r>
             <a:endParaRPr lang="uk-UA" sz="2800" baseline="30000" dirty="0">
+              <a:solidFill>
+                <a:srgbClr val="FF0000"/>
+              </a:solidFill>
               <a:latin typeface="Times New Roman" panose="02020603050405020304" pitchFamily="18" charset="0"/>
               <a:cs typeface="Times New Roman" panose="02020603050405020304" pitchFamily="18" charset="0"/>
             </a:endParaRPr>
@@ -11464,8 +11495,8 @@
         </p:nvSpPr>
         <p:spPr>
           <a:xfrm>
-            <a:off x="7737197" y="3747450"/>
-            <a:ext cx="569387" cy="646331"/>
+            <a:off x="7620540" y="2480895"/>
+            <a:ext cx="738664" cy="3112390"/>
           </a:xfrm>
           <a:prstGeom prst="rect">
             <a:avLst/>
@@ -11473,13 +11504,16 @@
           <a:noFill/>
         </p:spPr>
         <p:txBody>
-          <a:bodyPr wrap="none" rtlCol="0">
+          <a:bodyPr vert="vert270" wrap="none" rtlCol="0">
             <a:spAutoFit/>
           </a:bodyPr>
           <a:lstStyle/>
           <a:p>
             <a:r>
               <a:rPr lang="en-US" sz="3600" i="1" dirty="0" err="1">
+                <a:solidFill>
+                  <a:srgbClr val="FF0000"/>
+                </a:solidFill>
                 <a:latin typeface="Times New Roman" panose="02020603050405020304" pitchFamily="18" charset="0"/>
                 <a:cs typeface="Times New Roman" panose="02020603050405020304" pitchFamily="18" charset="0"/>
               </a:rPr>
@@ -11487,12 +11521,48 @@
             </a:r>
             <a:r>
               <a:rPr lang="en-US" sz="3600" i="1" baseline="-25000" dirty="0" err="1">
+                <a:solidFill>
+                  <a:srgbClr val="FF0000"/>
+                </a:solidFill>
                 <a:latin typeface="Times New Roman" panose="02020603050405020304" pitchFamily="18" charset="0"/>
                 <a:cs typeface="Times New Roman" panose="02020603050405020304" pitchFamily="18" charset="0"/>
               </a:rPr>
               <a:t>p</a:t>
             </a:r>
-            <a:endParaRPr lang="uk-UA" sz="3600" baseline="-25000" dirty="0">
+            <a:r>
+              <a:rPr lang="en-US" sz="3600" dirty="0">
+                <a:solidFill>
+                  <a:srgbClr val="FF0000"/>
+                </a:solidFill>
+                <a:latin typeface="Times New Roman" panose="02020603050405020304" pitchFamily="18" charset="0"/>
+                <a:cs typeface="Times New Roman" panose="02020603050405020304" pitchFamily="18" charset="0"/>
+              </a:rPr>
+              <a:t>= 180-380 </a:t>
+            </a:r>
+            <a:r>
+              <a:rPr lang="el-GR" sz="3600" dirty="0">
+                <a:solidFill>
+                  <a:srgbClr val="FF0000"/>
+                </a:solidFill>
+                <a:latin typeface="Times New Roman" panose="02020603050405020304" pitchFamily="18" charset="0"/>
+                <a:cs typeface="Times New Roman" panose="02020603050405020304" pitchFamily="18" charset="0"/>
+              </a:rPr>
+              <a:t>μ</a:t>
+            </a:r>
+            <a:r>
+              <a:rPr lang="en-US" sz="3600" dirty="0">
+                <a:solidFill>
+                  <a:srgbClr val="FF0000"/>
+                </a:solidFill>
+                <a:latin typeface="Times New Roman" panose="02020603050405020304" pitchFamily="18" charset="0"/>
+                <a:cs typeface="Times New Roman" panose="02020603050405020304" pitchFamily="18" charset="0"/>
+              </a:rPr>
+              <a:t>m</a:t>
+            </a:r>
+            <a:endParaRPr lang="uk-UA" sz="3600" dirty="0">
+              <a:solidFill>
+                <a:srgbClr val="FF0000"/>
+              </a:solidFill>
               <a:latin typeface="Times New Roman" panose="02020603050405020304" pitchFamily="18" charset="0"/>
               <a:cs typeface="Times New Roman" panose="02020603050405020304" pitchFamily="18" charset="0"/>
             </a:endParaRPr>
@@ -11646,7 +11716,7 @@
         </p:nvSpPr>
         <p:spPr>
           <a:xfrm>
-            <a:off x="11294135" y="3153884"/>
+            <a:off x="11320206" y="3137627"/>
             <a:ext cx="163858" cy="163858"/>
           </a:xfrm>
           <a:prstGeom prst="ellipse">
@@ -11748,7 +11818,7 @@
         </p:nvSpPr>
         <p:spPr>
           <a:xfrm>
-            <a:off x="11328076" y="4130889"/>
+            <a:off x="11312135" y="4124620"/>
             <a:ext cx="180000" cy="180000"/>
           </a:xfrm>
           <a:prstGeom prst="ellipse">
@@ -11797,7 +11867,7 @@
         </p:nvSpPr>
         <p:spPr>
           <a:xfrm>
-            <a:off x="11605716" y="2915017"/>
+            <a:off x="11553096" y="2912570"/>
             <a:ext cx="484428" cy="523220"/>
           </a:xfrm>
           <a:prstGeom prst="rect">
@@ -11881,7 +11951,7 @@
         </p:nvSpPr>
         <p:spPr>
           <a:xfrm>
-            <a:off x="11666630" y="3953010"/>
+            <a:off x="11605716" y="3911097"/>
             <a:ext cx="423514" cy="523220"/>
           </a:xfrm>
           <a:prstGeom prst="rect">
@@ -17243,6 +17313,64 @@
           </a:p>
         </p:txBody>
       </p:sp>
+      <p:sp>
+        <p:nvSpPr>
+          <p:cNvPr id="136" name="TextBox 135">
+            <a:extLst>
+              <a:ext uri="{FF2B5EF4-FFF2-40B4-BE49-F238E27FC236}">
+                <a16:creationId xmlns:a16="http://schemas.microsoft.com/office/drawing/2014/main" id="{88F3E507-2E41-5DB9-C8B6-995A5929A214}"/>
+              </a:ext>
+            </a:extLst>
+          </p:cNvPr>
+          <p:cNvSpPr txBox="1"/>
+          <p:nvPr/>
+        </p:nvSpPr>
+        <p:spPr>
+          <a:xfrm>
+            <a:off x="312581" y="2501737"/>
+            <a:ext cx="738664" cy="2818720"/>
+          </a:xfrm>
+          <a:prstGeom prst="rect">
+            <a:avLst/>
+          </a:prstGeom>
+          <a:noFill/>
+        </p:spPr>
+        <p:txBody>
+          <a:bodyPr vert="vert270" wrap="none" rtlCol="0">
+            <a:spAutoFit/>
+          </a:bodyPr>
+          <a:lstStyle/>
+          <a:p>
+            <a:r>
+              <a:rPr lang="en-US" sz="3600" i="1" dirty="0">
+                <a:solidFill>
+                  <a:srgbClr val="FF0000"/>
+                </a:solidFill>
+                <a:latin typeface="Times New Roman" panose="02020603050405020304" pitchFamily="18" charset="0"/>
+                <a:cs typeface="Times New Roman" panose="02020603050405020304" pitchFamily="18" charset="0"/>
+              </a:rPr>
+              <a:t>T </a:t>
+            </a:r>
+            <a:r>
+              <a:rPr lang="en-US" sz="3600" dirty="0">
+                <a:solidFill>
+                  <a:srgbClr val="FF0000"/>
+                </a:solidFill>
+                <a:latin typeface="Times New Roman" panose="02020603050405020304" pitchFamily="18" charset="0"/>
+                <a:cs typeface="Times New Roman" panose="02020603050405020304" pitchFamily="18" charset="0"/>
+              </a:rPr>
+              <a:t>= 290-340 K</a:t>
+            </a:r>
+            <a:endParaRPr lang="uk-UA" sz="3600" dirty="0">
+              <a:solidFill>
+                <a:srgbClr val="FF0000"/>
+              </a:solidFill>
+              <a:latin typeface="Times New Roman" panose="02020603050405020304" pitchFamily="18" charset="0"/>
+              <a:cs typeface="Times New Roman" panose="02020603050405020304" pitchFamily="18" charset="0"/>
+            </a:endParaRPr>
+          </a:p>
+        </p:txBody>
+      </p:sp>
     </p:spTree>
     <p:extLst>
       <p:ext uri="{BB962C8B-B14F-4D97-AF65-F5344CB8AC3E}">
